--- a/МБП/Отчёты/МБП_ПР2_ИКБО-04-22_ЕгоровЛА.pptx
+++ b/МБП/Отчёты/МБП_ПР2_ИКБО-04-22_ЕгоровЛА.pptx
@@ -1,18 +1,21 @@
 
 <file path=ppt/presentation.xml><?xml version="1.0" encoding="utf-8"?>
-<p:presentation xmlns:a="http://schemas.openxmlformats.org/drawingml/2006/main" xmlns:r="http://schemas.openxmlformats.org/officeDocument/2006/relationships" xmlns:p="http://schemas.openxmlformats.org/presentationml/2006/main" autoCompressPictures="0">
+<p:presentation xmlns:a="http://schemas.openxmlformats.org/drawingml/2006/main" xmlns:r="http://schemas.openxmlformats.org/officeDocument/2006/relationships" xmlns:p="http://schemas.openxmlformats.org/presentationml/2006/main" xmlns:m="http://schemas.openxmlformats.org/officeDocument/2006/math" xmlns:w="http://schemas.openxmlformats.org/wordprocessingml/2006/main" autoCompressPictures="0">
   <p:sldMasterIdLst>
     <p:sldMasterId id="2147483648" r:id="rId1"/>
   </p:sldMasterIdLst>
+  <p:notesMasterIdLst>
+    <p:notesMasterId r:id="rId12"/>
+  </p:notesMasterIdLst>
   <p:sldIdLst>
-    <p:sldId id="256" r:id="rId2"/>
-    <p:sldId id="257" r:id="rId3"/>
-    <p:sldId id="258" r:id="rId4"/>
-    <p:sldId id="259" r:id="rId5"/>
-    <p:sldId id="260" r:id="rId6"/>
-    <p:sldId id="261" r:id="rId7"/>
-    <p:sldId id="262" r:id="rId8"/>
-    <p:sldId id="263" r:id="rId9"/>
+    <p:sldId id="256" r:id="rId4"/>
+    <p:sldId id="257" r:id="rId5"/>
+    <p:sldId id="258" r:id="rId6"/>
+    <p:sldId id="259" r:id="rId7"/>
+    <p:sldId id="260" r:id="rId8"/>
+    <p:sldId id="261" r:id="rId9"/>
+    <p:sldId id="262" r:id="rId10"/>
+    <p:sldId id="263" r:id="rId11"/>
   </p:sldIdLst>
   <p:sldSz cx="12192000" cy="6858000"/>
   <p:notesSz cx="6858000" cy="9144000"/>
@@ -20,8 +23,8 @@
     <a:defPPr>
       <a:defRPr lang="en-US"/>
     </a:defPPr>
-    <a:lvl1pPr marL="0" algn="l" defTabSz="457200" rtl="0" eaLnBrk="1" latinLnBrk="0" hangingPunct="1">
-      <a:defRPr sz="1800" kern="1200">
+    <a:lvl1pPr marL="0" algn="l" defTabSz="457200">
+      <a:defRPr sz="1800">
         <a:solidFill>
           <a:schemeClr val="tx1"/>
         </a:solidFill>
@@ -30,8 +33,8 @@
         <a:cs typeface="+mn-cs"/>
       </a:defRPr>
     </a:lvl1pPr>
-    <a:lvl2pPr marL="457200" algn="l" defTabSz="457200" rtl="0" eaLnBrk="1" latinLnBrk="0" hangingPunct="1">
-      <a:defRPr sz="1800" kern="1200">
+    <a:lvl2pPr marL="457200" algn="l" defTabSz="457200">
+      <a:defRPr sz="1800">
         <a:solidFill>
           <a:schemeClr val="tx1"/>
         </a:solidFill>
@@ -40,8 +43,8 @@
         <a:cs typeface="+mn-cs"/>
       </a:defRPr>
     </a:lvl2pPr>
-    <a:lvl3pPr marL="914400" algn="l" defTabSz="457200" rtl="0" eaLnBrk="1" latinLnBrk="0" hangingPunct="1">
-      <a:defRPr sz="1800" kern="1200">
+    <a:lvl3pPr marL="914400" algn="l" defTabSz="457200">
+      <a:defRPr sz="1800">
         <a:solidFill>
           <a:schemeClr val="tx1"/>
         </a:solidFill>
@@ -50,8 +53,8 @@
         <a:cs typeface="+mn-cs"/>
       </a:defRPr>
     </a:lvl3pPr>
-    <a:lvl4pPr marL="1371600" algn="l" defTabSz="457200" rtl="0" eaLnBrk="1" latinLnBrk="0" hangingPunct="1">
-      <a:defRPr sz="1800" kern="1200">
+    <a:lvl4pPr marL="1371600" algn="l" defTabSz="457200">
+      <a:defRPr sz="1800">
         <a:solidFill>
           <a:schemeClr val="tx1"/>
         </a:solidFill>
@@ -60,8 +63,8 @@
         <a:cs typeface="+mn-cs"/>
       </a:defRPr>
     </a:lvl4pPr>
-    <a:lvl5pPr marL="1828800" algn="l" defTabSz="457200" rtl="0" eaLnBrk="1" latinLnBrk="0" hangingPunct="1">
-      <a:defRPr sz="1800" kern="1200">
+    <a:lvl5pPr marL="1828800" algn="l" defTabSz="457200">
+      <a:defRPr sz="1800">
         <a:solidFill>
           <a:schemeClr val="tx1"/>
         </a:solidFill>
@@ -70,8 +73,8 @@
         <a:cs typeface="+mn-cs"/>
       </a:defRPr>
     </a:lvl5pPr>
-    <a:lvl6pPr marL="2286000" algn="l" defTabSz="457200" rtl="0" eaLnBrk="1" latinLnBrk="0" hangingPunct="1">
-      <a:defRPr sz="1800" kern="1200">
+    <a:lvl6pPr marL="2286000" algn="l" defTabSz="457200">
+      <a:defRPr sz="1800">
         <a:solidFill>
           <a:schemeClr val="tx1"/>
         </a:solidFill>
@@ -80,8 +83,8 @@
         <a:cs typeface="+mn-cs"/>
       </a:defRPr>
     </a:lvl6pPr>
-    <a:lvl7pPr marL="2743200" algn="l" defTabSz="457200" rtl="0" eaLnBrk="1" latinLnBrk="0" hangingPunct="1">
-      <a:defRPr sz="1800" kern="1200">
+    <a:lvl7pPr marL="2743200" algn="l" defTabSz="457200">
+      <a:defRPr sz="1800">
         <a:solidFill>
           <a:schemeClr val="tx1"/>
         </a:solidFill>
@@ -90,8 +93,8 @@
         <a:cs typeface="+mn-cs"/>
       </a:defRPr>
     </a:lvl7pPr>
-    <a:lvl8pPr marL="3200400" algn="l" defTabSz="457200" rtl="0" eaLnBrk="1" latinLnBrk="0" hangingPunct="1">
-      <a:defRPr sz="1800" kern="1200">
+    <a:lvl8pPr marL="3200400" algn="l" defTabSz="457200">
+      <a:defRPr sz="1800">
         <a:solidFill>
           <a:schemeClr val="tx1"/>
         </a:solidFill>
@@ -100,8 +103,8 @@
         <a:cs typeface="+mn-cs"/>
       </a:defRPr>
     </a:lvl8pPr>
-    <a:lvl9pPr marL="3657600" algn="l" defTabSz="457200" rtl="0" eaLnBrk="1" latinLnBrk="0" hangingPunct="1">
-      <a:defRPr sz="1800" kern="1200">
+    <a:lvl9pPr marL="3657600" algn="l" defTabSz="457200">
+      <a:defRPr sz="1800">
         <a:solidFill>
           <a:schemeClr val="tx1"/>
         </a:solidFill>
@@ -114,8 +117,984 @@
 </p:presentation>
 </file>
 
+<file path=ppt/notesMasters/notesMaster1.xml><?xml version="1.0" encoding="utf-8"?>
+<p:notesMaster xmlns:a="http://schemas.openxmlformats.org/drawingml/2006/main" xmlns:r="http://schemas.openxmlformats.org/officeDocument/2006/relationships" xmlns:p="http://schemas.openxmlformats.org/presentationml/2006/main">
+  <p:cSld name="">
+    <p:bg>
+      <p:bgRef idx="1001">
+        <a:schemeClr val="bg1"/>
+      </p:bgRef>
+    </p:bg>
+    <p:spTree>
+      <p:nvGrpSpPr>
+        <p:cNvPr id="1" name=""/>
+        <p:cNvGrpSpPr/>
+        <p:nvPr/>
+      </p:nvGrpSpPr>
+      <p:grpSpPr bwMode="auto">
+        <a:xfrm>
+          <a:off x="0" y="0"/>
+          <a:ext cx="0" cy="0"/>
+          <a:chOff x="0" y="0"/>
+          <a:chExt cx="0" cy="0"/>
+        </a:xfrm>
+      </p:grpSpPr>
+      <p:sp>
+        <p:nvSpPr>
+          <p:cNvPr id="2" name="Header Placeholder 1"/>
+          <p:cNvSpPr>
+            <a:spLocks noGrp="1"/>
+          </p:cNvSpPr>
+          <p:nvPr>
+            <p:ph type="hdr" sz="quarter"/>
+          </p:nvPr>
+        </p:nvSpPr>
+        <p:spPr bwMode="auto">
+          <a:xfrm>
+            <a:off x="0" y="0"/>
+            <a:ext cx="2971800" cy="458788"/>
+          </a:xfrm>
+          <a:prstGeom prst="rect">
+            <a:avLst/>
+          </a:prstGeom>
+        </p:spPr>
+        <p:txBody>
+          <a:bodyPr vert="horz" lIns="91440" tIns="45720" rIns="91440" bIns="45720" rtlCol="0" anchor="ctr"/>
+          <a:lstStyle>
+            <a:lvl1pPr algn="l">
+              <a:defRPr sz="1200"/>
+            </a:lvl1pPr>
+          </a:lstStyle>
+          <a:p>
+            <a:pPr>
+              <a:defRPr/>
+            </a:pPr>
+            <a:endParaRPr/>
+          </a:p>
+        </p:txBody>
+      </p:sp>
+      <p:sp>
+        <p:nvSpPr>
+          <p:cNvPr id="3" name="Date Placeholder 2"/>
+          <p:cNvSpPr>
+            <a:spLocks noGrp="1"/>
+          </p:cNvSpPr>
+          <p:nvPr>
+            <p:ph type="dt" idx="2"/>
+          </p:nvPr>
+        </p:nvSpPr>
+        <p:spPr bwMode="auto">
+          <a:xfrm>
+            <a:off x="3884613" y="0"/>
+            <a:ext cx="2971800" cy="458788"/>
+          </a:xfrm>
+          <a:prstGeom prst="rect">
+            <a:avLst/>
+          </a:prstGeom>
+        </p:spPr>
+        <p:txBody>
+          <a:bodyPr vert="horz" lIns="91440" tIns="45720" rIns="91440" bIns="45720" rtlCol="0" anchor="ctr"/>
+          <a:lstStyle>
+            <a:lvl1pPr algn="r">
+              <a:defRPr sz="1200"/>
+            </a:lvl1pPr>
+          </a:lstStyle>
+          <a:p>
+            <a:pPr>
+              <a:defRPr/>
+            </a:pPr>
+            <a:endParaRPr/>
+          </a:p>
+        </p:txBody>
+      </p:sp>
+      <p:sp>
+        <p:nvSpPr>
+          <p:cNvPr id="3" name="Date Placeholder 2"/>
+          <p:cNvSpPr>
+            <a:spLocks noGrp="1"/>
+          </p:cNvSpPr>
+          <p:nvPr>
+            <p:ph type="dt" idx="3"/>
+          </p:nvPr>
+        </p:nvSpPr>
+        <p:spPr bwMode="auto">
+          <a:xfrm>
+            <a:off x="3884613" y="0"/>
+            <a:ext cx="2971800" cy="458788"/>
+          </a:xfrm>
+          <a:prstGeom prst="rect">
+            <a:avLst/>
+          </a:prstGeom>
+        </p:spPr>
+        <p:txBody>
+          <a:bodyPr vert="horz" lIns="91440" tIns="45720" rIns="91440" bIns="45720" rtlCol="0" anchor="ctr"/>
+          <a:lstStyle>
+            <a:lvl1pPr algn="r">
+              <a:defRPr sz="1200"/>
+            </a:lvl1pPr>
+          </a:lstStyle>
+          <a:p>
+            <a:pPr>
+              <a:defRPr/>
+            </a:pPr>
+            <a:endParaRPr/>
+          </a:p>
+        </p:txBody>
+      </p:sp>
+      <p:sp>
+        <p:nvSpPr>
+          <p:cNvPr id="5" name="Notes Placeholder 4"/>
+          <p:cNvSpPr>
+            <a:spLocks noGrp="1"/>
+          </p:cNvSpPr>
+          <p:nvPr>
+            <p:ph type="body" sz="quarter" idx="1"/>
+          </p:nvPr>
+        </p:nvSpPr>
+        <p:spPr bwMode="auto">
+          <a:xfrm>
+            <a:off x="685800" y="4400550"/>
+            <a:ext cx="5486400" cy="3600450"/>
+          </a:xfrm>
+          <a:prstGeom prst="rect">
+            <a:avLst/>
+          </a:prstGeom>
+        </p:spPr>
+        <p:txBody>
+          <a:bodyPr vert="horz" lIns="91440" tIns="45720" rIns="91440" bIns="45720" rtlCol="0" anchor="ctr"/>
+          <a:lstStyle/>
+          <a:p>
+            <a:pPr>
+              <a:defRPr/>
+            </a:pPr>
+            <a:endParaRPr/>
+          </a:p>
+        </p:txBody>
+      </p:sp>
+      <p:sp>
+        <p:nvSpPr>
+          <p:cNvPr id="6" name="Footer Placeholder 5"/>
+          <p:cNvSpPr>
+            <a:spLocks noGrp="1"/>
+          </p:cNvSpPr>
+          <p:nvPr>
+            <p:ph type="ftr" sz="quarter" idx="4"/>
+          </p:nvPr>
+        </p:nvSpPr>
+        <p:spPr bwMode="auto">
+          <a:xfrm>
+            <a:off x="0" y="8685213"/>
+            <a:ext cx="2971800" cy="458787"/>
+          </a:xfrm>
+          <a:prstGeom prst="rect">
+            <a:avLst/>
+          </a:prstGeom>
+        </p:spPr>
+        <p:txBody>
+          <a:bodyPr vert="horz" lIns="91440" tIns="45720" rIns="91440" bIns="45720" rtlCol="0" anchor="b"/>
+          <a:lstStyle>
+            <a:lvl1pPr algn="l">
+              <a:defRPr sz="1200"/>
+            </a:lvl1pPr>
+          </a:lstStyle>
+          <a:p>
+            <a:pPr>
+              <a:defRPr/>
+            </a:pPr>
+            <a:endParaRPr/>
+          </a:p>
+        </p:txBody>
+      </p:sp>
+      <p:sp>
+        <p:nvSpPr>
+          <p:cNvPr id="7" name="Slide Number Placeholder 6"/>
+          <p:cNvSpPr>
+            <a:spLocks noGrp="1"/>
+          </p:cNvSpPr>
+          <p:nvPr>
+            <p:ph type="sldNum" sz="quarter" idx="10"/>
+          </p:nvPr>
+        </p:nvSpPr>
+        <p:spPr bwMode="auto">
+          <a:xfrm>
+            <a:off x="3884613" y="8685213"/>
+            <a:ext cx="2971800" cy="458787"/>
+          </a:xfrm>
+          <a:prstGeom prst="rect">
+            <a:avLst/>
+          </a:prstGeom>
+        </p:spPr>
+        <p:txBody>
+          <a:bodyPr vert="horz" lIns="91440" tIns="45720" rIns="91440" bIns="45720" rtlCol="0" anchor="b"/>
+          <a:lstStyle>
+            <a:lvl1pPr algn="r">
+              <a:defRPr sz="1200"/>
+            </a:lvl1pPr>
+          </a:lstStyle>
+          <a:p>
+            <a:pPr>
+              <a:defRPr/>
+            </a:pPr>
+            <a:endParaRPr/>
+          </a:p>
+        </p:txBody>
+      </p:sp>
+    </p:spTree>
+  </p:cSld>
+  <p:clrMap bg1="lt1" tx1="dk1" bg2="lt2" tx2="dk2" accent1="accent1" accent2="accent2" accent3="accent3" accent4="accent4" accent5="accent5" accent6="accent6" hlink="hlink" folHlink="folHlink"/>
+  <p:notesStyle>
+    <a:lvl1pPr marL="0" algn="l" defTabSz="914400">
+      <a:defRPr sz="1200">
+        <a:solidFill>
+          <a:schemeClr val="tx1"/>
+        </a:solidFill>
+        <a:latin typeface="+mn-lt"/>
+        <a:ea typeface="+mn-ea"/>
+        <a:cs typeface="+mn-cs"/>
+      </a:defRPr>
+    </a:lvl1pPr>
+    <a:lvl2pPr marL="457200" algn="l" defTabSz="914400">
+      <a:defRPr sz="1200">
+        <a:solidFill>
+          <a:schemeClr val="tx1"/>
+        </a:solidFill>
+        <a:latin typeface="+mn-lt"/>
+        <a:ea typeface="+mn-ea"/>
+        <a:cs typeface="+mn-cs"/>
+      </a:defRPr>
+    </a:lvl2pPr>
+    <a:lvl3pPr marL="914400" algn="l" defTabSz="914400">
+      <a:defRPr sz="1200">
+        <a:solidFill>
+          <a:schemeClr val="tx1"/>
+        </a:solidFill>
+        <a:latin typeface="+mn-lt"/>
+        <a:ea typeface="+mn-ea"/>
+        <a:cs typeface="+mn-cs"/>
+      </a:defRPr>
+    </a:lvl3pPr>
+    <a:lvl4pPr marL="1371600" algn="l" defTabSz="914400">
+      <a:defRPr sz="1200">
+        <a:solidFill>
+          <a:schemeClr val="tx1"/>
+        </a:solidFill>
+        <a:latin typeface="+mn-lt"/>
+        <a:ea typeface="+mn-ea"/>
+        <a:cs typeface="+mn-cs"/>
+      </a:defRPr>
+    </a:lvl4pPr>
+    <a:lvl5pPr marL="1828800" algn="l" defTabSz="914400">
+      <a:defRPr sz="1200">
+        <a:solidFill>
+          <a:schemeClr val="tx1"/>
+        </a:solidFill>
+        <a:latin typeface="+mn-lt"/>
+        <a:ea typeface="+mn-ea"/>
+        <a:cs typeface="+mn-cs"/>
+      </a:defRPr>
+    </a:lvl5pPr>
+    <a:lvl6pPr marL="2286000" algn="l" defTabSz="914400">
+      <a:defRPr sz="1200">
+        <a:solidFill>
+          <a:schemeClr val="tx1"/>
+        </a:solidFill>
+        <a:latin typeface="+mn-lt"/>
+        <a:ea typeface="+mn-ea"/>
+        <a:cs typeface="+mn-cs"/>
+      </a:defRPr>
+    </a:lvl6pPr>
+    <a:lvl7pPr marL="2743200" algn="l" defTabSz="914400">
+      <a:defRPr sz="1200">
+        <a:solidFill>
+          <a:schemeClr val="tx1"/>
+        </a:solidFill>
+        <a:latin typeface="+mn-lt"/>
+        <a:ea typeface="+mn-ea"/>
+        <a:cs typeface="+mn-cs"/>
+      </a:defRPr>
+    </a:lvl7pPr>
+    <a:lvl8pPr marL="3200400" algn="l" defTabSz="914400">
+      <a:defRPr sz="1200">
+        <a:solidFill>
+          <a:schemeClr val="tx1"/>
+        </a:solidFill>
+        <a:latin typeface="+mn-lt"/>
+        <a:ea typeface="+mn-ea"/>
+        <a:cs typeface="+mn-cs"/>
+      </a:defRPr>
+    </a:lvl8pPr>
+    <a:lvl9pPr marL="3657600" algn="l" defTabSz="914400">
+      <a:defRPr sz="1200">
+        <a:solidFill>
+          <a:schemeClr val="tx1"/>
+        </a:solidFill>
+        <a:latin typeface="+mn-lt"/>
+        <a:ea typeface="+mn-ea"/>
+        <a:cs typeface="+mn-cs"/>
+      </a:defRPr>
+    </a:lvl9pPr>
+  </p:notesStyle>
+</p:notesMaster>
+</file>
+
+<file path=ppt/notesSlides/notesSlide1.xml><?xml version="1.0" encoding="utf-8"?>
+<p:notes xmlns:a="http://schemas.openxmlformats.org/drawingml/2006/main" xmlns:r="http://schemas.openxmlformats.org/officeDocument/2006/relationships" xmlns:p="http://schemas.openxmlformats.org/presentationml/2006/main" xmlns:m="http://schemas.openxmlformats.org/officeDocument/2006/math" xmlns:w="http://schemas.openxmlformats.org/wordprocessingml/2006/main">
+  <p:cSld name="">
+    <p:spTree>
+      <p:nvGrpSpPr>
+        <p:cNvPr id="1" name=""/>
+        <p:cNvGrpSpPr/>
+        <p:nvPr/>
+      </p:nvGrpSpPr>
+      <p:grpSpPr bwMode="auto">
+        <a:xfrm>
+          <a:off x="0" y="0"/>
+          <a:ext cx="0" cy="0"/>
+          <a:chOff x="0" y="0"/>
+          <a:chExt cx="0" cy="0"/>
+        </a:xfrm>
+      </p:grpSpPr>
+      <p:sp>
+        <p:nvSpPr>
+          <p:cNvPr id="2" name="Slide Image Placeholder 1"/>
+          <p:cNvSpPr>
+            <a:spLocks noChangeAspect="1" noGrp="1" noRot="1"/>
+          </p:cNvSpPr>
+          <p:nvPr>
+            <p:ph type="sldImg"/>
+          </p:nvPr>
+        </p:nvSpPr>
+        <p:spPr bwMode="auto"/>
+      </p:sp>
+      <p:sp>
+        <p:nvSpPr>
+          <p:cNvPr id="3" name="Notes Placeholder 2"/>
+          <p:cNvSpPr>
+            <a:spLocks noGrp="1"/>
+          </p:cNvSpPr>
+          <p:nvPr>
+            <p:ph type="body" idx="1"/>
+          </p:nvPr>
+        </p:nvSpPr>
+        <p:spPr bwMode="auto"/>
+        <p:txBody>
+          <a:bodyPr/>
+          <a:lstStyle/>
+          <a:p>
+            <a:pPr>
+              <a:defRPr/>
+            </a:pPr>
+            <a:endParaRPr/>
+          </a:p>
+        </p:txBody>
+      </p:sp>
+      <p:sp>
+        <p:nvSpPr>
+          <p:cNvPr id="4" name="Slide Number Placeholder 3"/>
+          <p:cNvSpPr>
+            <a:spLocks noGrp="1"/>
+          </p:cNvSpPr>
+          <p:nvPr>
+            <p:ph type="sldNum" sz="quarter" idx="10"/>
+          </p:nvPr>
+        </p:nvSpPr>
+        <p:spPr bwMode="auto"/>
+        <p:txBody>
+          <a:bodyPr/>
+          <a:lstStyle/>
+          <a:p>
+            <a:pPr>
+              <a:defRPr/>
+            </a:pPr>
+            <a:fld id="{1DADB044-818F-4C34-783E-C5493B2DAB57}" type="slidenum">
+              <a:rPr/>
+              <a:t/>
+            </a:fld>
+            <a:endParaRPr/>
+          </a:p>
+        </p:txBody>
+      </p:sp>
+    </p:spTree>
+  </p:cSld>
+</p:notes>
+</file>
+
+<file path=ppt/notesSlides/notesSlide2.xml><?xml version="1.0" encoding="utf-8"?>
+<p:notes xmlns:a="http://schemas.openxmlformats.org/drawingml/2006/main" xmlns:r="http://schemas.openxmlformats.org/officeDocument/2006/relationships" xmlns:p="http://schemas.openxmlformats.org/presentationml/2006/main" xmlns:m="http://schemas.openxmlformats.org/officeDocument/2006/math" xmlns:w="http://schemas.openxmlformats.org/wordprocessingml/2006/main">
+  <p:cSld name="">
+    <p:spTree>
+      <p:nvGrpSpPr>
+        <p:cNvPr id="1" name=""/>
+        <p:cNvGrpSpPr/>
+        <p:nvPr/>
+      </p:nvGrpSpPr>
+      <p:grpSpPr bwMode="auto">
+        <a:xfrm>
+          <a:off x="0" y="0"/>
+          <a:ext cx="0" cy="0"/>
+          <a:chOff x="0" y="0"/>
+          <a:chExt cx="0" cy="0"/>
+        </a:xfrm>
+      </p:grpSpPr>
+      <p:sp>
+        <p:nvSpPr>
+          <p:cNvPr id="2" name="Slide Image Placeholder 1"/>
+          <p:cNvSpPr>
+            <a:spLocks noChangeAspect="1" noGrp="1" noRot="1"/>
+          </p:cNvSpPr>
+          <p:nvPr>
+            <p:ph type="sldImg"/>
+          </p:nvPr>
+        </p:nvSpPr>
+        <p:spPr bwMode="auto"/>
+      </p:sp>
+      <p:sp>
+        <p:nvSpPr>
+          <p:cNvPr id="3" name="Notes Placeholder 2"/>
+          <p:cNvSpPr>
+            <a:spLocks noGrp="1"/>
+          </p:cNvSpPr>
+          <p:nvPr>
+            <p:ph type="body" idx="1"/>
+          </p:nvPr>
+        </p:nvSpPr>
+        <p:spPr bwMode="auto"/>
+        <p:txBody>
+          <a:bodyPr/>
+          <a:lstStyle/>
+          <a:p>
+            <a:pPr>
+              <a:defRPr/>
+            </a:pPr>
+            <a:endParaRPr/>
+          </a:p>
+        </p:txBody>
+      </p:sp>
+      <p:sp>
+        <p:nvSpPr>
+          <p:cNvPr id="4" name="Slide Number Placeholder 3"/>
+          <p:cNvSpPr>
+            <a:spLocks noGrp="1"/>
+          </p:cNvSpPr>
+          <p:nvPr>
+            <p:ph type="sldNum" sz="quarter" idx="10"/>
+          </p:nvPr>
+        </p:nvSpPr>
+        <p:spPr bwMode="auto"/>
+        <p:txBody>
+          <a:bodyPr/>
+          <a:lstStyle/>
+          <a:p>
+            <a:pPr>
+              <a:defRPr/>
+            </a:pPr>
+            <a:fld id="{4B645E80-3DF5-831A-4821-661CFDB94726}" type="slidenum">
+              <a:rPr/>
+              <a:t/>
+            </a:fld>
+            <a:endParaRPr/>
+          </a:p>
+        </p:txBody>
+      </p:sp>
+    </p:spTree>
+  </p:cSld>
+</p:notes>
+</file>
+
+<file path=ppt/notesSlides/notesSlide3.xml><?xml version="1.0" encoding="utf-8"?>
+<p:notes xmlns:a="http://schemas.openxmlformats.org/drawingml/2006/main" xmlns:r="http://schemas.openxmlformats.org/officeDocument/2006/relationships" xmlns:p="http://schemas.openxmlformats.org/presentationml/2006/main" xmlns:m="http://schemas.openxmlformats.org/officeDocument/2006/math" xmlns:w="http://schemas.openxmlformats.org/wordprocessingml/2006/main">
+  <p:cSld name="">
+    <p:spTree>
+      <p:nvGrpSpPr>
+        <p:cNvPr id="1" name=""/>
+        <p:cNvGrpSpPr/>
+        <p:nvPr/>
+      </p:nvGrpSpPr>
+      <p:grpSpPr bwMode="auto">
+        <a:xfrm>
+          <a:off x="0" y="0"/>
+          <a:ext cx="0" cy="0"/>
+          <a:chOff x="0" y="0"/>
+          <a:chExt cx="0" cy="0"/>
+        </a:xfrm>
+      </p:grpSpPr>
+      <p:sp>
+        <p:nvSpPr>
+          <p:cNvPr id="2" name="Slide Image Placeholder 1"/>
+          <p:cNvSpPr>
+            <a:spLocks noChangeAspect="1" noGrp="1" noRot="1"/>
+          </p:cNvSpPr>
+          <p:nvPr>
+            <p:ph type="sldImg"/>
+          </p:nvPr>
+        </p:nvSpPr>
+        <p:spPr bwMode="auto"/>
+      </p:sp>
+      <p:sp>
+        <p:nvSpPr>
+          <p:cNvPr id="3" name="Notes Placeholder 2"/>
+          <p:cNvSpPr>
+            <a:spLocks noGrp="1"/>
+          </p:cNvSpPr>
+          <p:nvPr>
+            <p:ph type="body" idx="1"/>
+          </p:nvPr>
+        </p:nvSpPr>
+        <p:spPr bwMode="auto"/>
+        <p:txBody>
+          <a:bodyPr/>
+          <a:lstStyle/>
+          <a:p>
+            <a:pPr>
+              <a:defRPr/>
+            </a:pPr>
+            <a:endParaRPr/>
+          </a:p>
+        </p:txBody>
+      </p:sp>
+      <p:sp>
+        <p:nvSpPr>
+          <p:cNvPr id="4" name="Slide Number Placeholder 3"/>
+          <p:cNvSpPr>
+            <a:spLocks noGrp="1"/>
+          </p:cNvSpPr>
+          <p:nvPr>
+            <p:ph type="sldNum" sz="quarter" idx="10"/>
+          </p:nvPr>
+        </p:nvSpPr>
+        <p:spPr bwMode="auto"/>
+        <p:txBody>
+          <a:bodyPr/>
+          <a:lstStyle/>
+          <a:p>
+            <a:pPr>
+              <a:defRPr/>
+            </a:pPr>
+            <a:fld id="{6203379F-6864-78BE-695B-76DF49BDDA2F}" type="slidenum">
+              <a:rPr/>
+              <a:t/>
+            </a:fld>
+            <a:endParaRPr/>
+          </a:p>
+        </p:txBody>
+      </p:sp>
+    </p:spTree>
+  </p:cSld>
+</p:notes>
+</file>
+
+<file path=ppt/notesSlides/notesSlide4.xml><?xml version="1.0" encoding="utf-8"?>
+<p:notes xmlns:a="http://schemas.openxmlformats.org/drawingml/2006/main" xmlns:r="http://schemas.openxmlformats.org/officeDocument/2006/relationships" xmlns:p="http://schemas.openxmlformats.org/presentationml/2006/main" xmlns:m="http://schemas.openxmlformats.org/officeDocument/2006/math" xmlns:w="http://schemas.openxmlformats.org/wordprocessingml/2006/main">
+  <p:cSld name="">
+    <p:spTree>
+      <p:nvGrpSpPr>
+        <p:cNvPr id="1" name=""/>
+        <p:cNvGrpSpPr/>
+        <p:nvPr/>
+      </p:nvGrpSpPr>
+      <p:grpSpPr bwMode="auto">
+        <a:xfrm>
+          <a:off x="0" y="0"/>
+          <a:ext cx="0" cy="0"/>
+          <a:chOff x="0" y="0"/>
+          <a:chExt cx="0" cy="0"/>
+        </a:xfrm>
+      </p:grpSpPr>
+      <p:sp>
+        <p:nvSpPr>
+          <p:cNvPr id="2" name="Slide Image Placeholder 1"/>
+          <p:cNvSpPr>
+            <a:spLocks noChangeAspect="1" noGrp="1" noRot="1"/>
+          </p:cNvSpPr>
+          <p:nvPr>
+            <p:ph type="sldImg"/>
+          </p:nvPr>
+        </p:nvSpPr>
+        <p:spPr bwMode="auto"/>
+      </p:sp>
+      <p:sp>
+        <p:nvSpPr>
+          <p:cNvPr id="3" name="Notes Placeholder 2"/>
+          <p:cNvSpPr>
+            <a:spLocks noGrp="1"/>
+          </p:cNvSpPr>
+          <p:nvPr>
+            <p:ph type="body" idx="1"/>
+          </p:nvPr>
+        </p:nvSpPr>
+        <p:spPr bwMode="auto"/>
+        <p:txBody>
+          <a:bodyPr/>
+          <a:lstStyle/>
+          <a:p>
+            <a:pPr>
+              <a:defRPr/>
+            </a:pPr>
+            <a:endParaRPr/>
+          </a:p>
+        </p:txBody>
+      </p:sp>
+      <p:sp>
+        <p:nvSpPr>
+          <p:cNvPr id="4" name="Slide Number Placeholder 3"/>
+          <p:cNvSpPr>
+            <a:spLocks noGrp="1"/>
+          </p:cNvSpPr>
+          <p:nvPr>
+            <p:ph type="sldNum" sz="quarter" idx="10"/>
+          </p:nvPr>
+        </p:nvSpPr>
+        <p:spPr bwMode="auto"/>
+        <p:txBody>
+          <a:bodyPr/>
+          <a:lstStyle/>
+          <a:p>
+            <a:pPr>
+              <a:defRPr/>
+            </a:pPr>
+            <a:fld id="{3FC9EBD1-68F0-EEB7-C7A7-01D9541D3384}" type="slidenum">
+              <a:rPr/>
+              <a:t/>
+            </a:fld>
+            <a:endParaRPr/>
+          </a:p>
+        </p:txBody>
+      </p:sp>
+    </p:spTree>
+  </p:cSld>
+</p:notes>
+</file>
+
+<file path=ppt/notesSlides/notesSlide5.xml><?xml version="1.0" encoding="utf-8"?>
+<p:notes xmlns:a="http://schemas.openxmlformats.org/drawingml/2006/main" xmlns:r="http://schemas.openxmlformats.org/officeDocument/2006/relationships" xmlns:p="http://schemas.openxmlformats.org/presentationml/2006/main" xmlns:m="http://schemas.openxmlformats.org/officeDocument/2006/math" xmlns:w="http://schemas.openxmlformats.org/wordprocessingml/2006/main">
+  <p:cSld name="">
+    <p:spTree>
+      <p:nvGrpSpPr>
+        <p:cNvPr id="1" name=""/>
+        <p:cNvGrpSpPr/>
+        <p:nvPr/>
+      </p:nvGrpSpPr>
+      <p:grpSpPr bwMode="auto">
+        <a:xfrm>
+          <a:off x="0" y="0"/>
+          <a:ext cx="0" cy="0"/>
+          <a:chOff x="0" y="0"/>
+          <a:chExt cx="0" cy="0"/>
+        </a:xfrm>
+      </p:grpSpPr>
+      <p:sp>
+        <p:nvSpPr>
+          <p:cNvPr id="2" name="Slide Image Placeholder 1"/>
+          <p:cNvSpPr>
+            <a:spLocks noChangeAspect="1" noGrp="1" noRot="1"/>
+          </p:cNvSpPr>
+          <p:nvPr>
+            <p:ph type="sldImg"/>
+          </p:nvPr>
+        </p:nvSpPr>
+        <p:spPr bwMode="auto"/>
+      </p:sp>
+      <p:sp>
+        <p:nvSpPr>
+          <p:cNvPr id="3" name="Notes Placeholder 2"/>
+          <p:cNvSpPr>
+            <a:spLocks noGrp="1"/>
+          </p:cNvSpPr>
+          <p:nvPr>
+            <p:ph type="body" idx="1"/>
+          </p:nvPr>
+        </p:nvSpPr>
+        <p:spPr bwMode="auto"/>
+        <p:txBody>
+          <a:bodyPr/>
+          <a:lstStyle/>
+          <a:p>
+            <a:pPr>
+              <a:defRPr/>
+            </a:pPr>
+            <a:endParaRPr/>
+          </a:p>
+        </p:txBody>
+      </p:sp>
+      <p:sp>
+        <p:nvSpPr>
+          <p:cNvPr id="4" name="Slide Number Placeholder 3"/>
+          <p:cNvSpPr>
+            <a:spLocks noGrp="1"/>
+          </p:cNvSpPr>
+          <p:nvPr>
+            <p:ph type="sldNum" sz="quarter" idx="10"/>
+          </p:nvPr>
+        </p:nvSpPr>
+        <p:spPr bwMode="auto"/>
+        <p:txBody>
+          <a:bodyPr/>
+          <a:lstStyle/>
+          <a:p>
+            <a:pPr>
+              <a:defRPr/>
+            </a:pPr>
+            <a:fld id="{33CADE39-E618-0693-265C-8B538FFA3861}" type="slidenum">
+              <a:rPr/>
+              <a:t/>
+            </a:fld>
+            <a:endParaRPr/>
+          </a:p>
+        </p:txBody>
+      </p:sp>
+    </p:spTree>
+  </p:cSld>
+</p:notes>
+</file>
+
+<file path=ppt/notesSlides/notesSlide6.xml><?xml version="1.0" encoding="utf-8"?>
+<p:notes xmlns:a="http://schemas.openxmlformats.org/drawingml/2006/main" xmlns:r="http://schemas.openxmlformats.org/officeDocument/2006/relationships" xmlns:p="http://schemas.openxmlformats.org/presentationml/2006/main" xmlns:m="http://schemas.openxmlformats.org/officeDocument/2006/math" xmlns:w="http://schemas.openxmlformats.org/wordprocessingml/2006/main">
+  <p:cSld name="">
+    <p:spTree>
+      <p:nvGrpSpPr>
+        <p:cNvPr id="1" name=""/>
+        <p:cNvGrpSpPr/>
+        <p:nvPr/>
+      </p:nvGrpSpPr>
+      <p:grpSpPr bwMode="auto">
+        <a:xfrm>
+          <a:off x="0" y="0"/>
+          <a:ext cx="0" cy="0"/>
+          <a:chOff x="0" y="0"/>
+          <a:chExt cx="0" cy="0"/>
+        </a:xfrm>
+      </p:grpSpPr>
+      <p:sp>
+        <p:nvSpPr>
+          <p:cNvPr id="2" name="Slide Image Placeholder 1"/>
+          <p:cNvSpPr>
+            <a:spLocks noChangeAspect="1" noGrp="1" noRot="1"/>
+          </p:cNvSpPr>
+          <p:nvPr>
+            <p:ph type="sldImg"/>
+          </p:nvPr>
+        </p:nvSpPr>
+        <p:spPr bwMode="auto"/>
+      </p:sp>
+      <p:sp>
+        <p:nvSpPr>
+          <p:cNvPr id="3" name="Notes Placeholder 2"/>
+          <p:cNvSpPr>
+            <a:spLocks noGrp="1"/>
+          </p:cNvSpPr>
+          <p:nvPr>
+            <p:ph type="body" idx="1"/>
+          </p:nvPr>
+        </p:nvSpPr>
+        <p:spPr bwMode="auto"/>
+        <p:txBody>
+          <a:bodyPr/>
+          <a:lstStyle/>
+          <a:p>
+            <a:pPr>
+              <a:defRPr/>
+            </a:pPr>
+            <a:endParaRPr/>
+          </a:p>
+        </p:txBody>
+      </p:sp>
+      <p:sp>
+        <p:nvSpPr>
+          <p:cNvPr id="4" name="Slide Number Placeholder 3"/>
+          <p:cNvSpPr>
+            <a:spLocks noGrp="1"/>
+          </p:cNvSpPr>
+          <p:nvPr>
+            <p:ph type="sldNum" sz="quarter" idx="10"/>
+          </p:nvPr>
+        </p:nvSpPr>
+        <p:spPr bwMode="auto"/>
+        <p:txBody>
+          <a:bodyPr/>
+          <a:lstStyle/>
+          <a:p>
+            <a:pPr>
+              <a:defRPr/>
+            </a:pPr>
+            <a:fld id="{7F5002E3-1454-86D8-41E2-E49050BA2DD5}" type="slidenum">
+              <a:rPr/>
+              <a:t/>
+            </a:fld>
+            <a:endParaRPr/>
+          </a:p>
+        </p:txBody>
+      </p:sp>
+    </p:spTree>
+  </p:cSld>
+</p:notes>
+</file>
+
+<file path=ppt/notesSlides/notesSlide7.xml><?xml version="1.0" encoding="utf-8"?>
+<p:notes xmlns:a="http://schemas.openxmlformats.org/drawingml/2006/main" xmlns:r="http://schemas.openxmlformats.org/officeDocument/2006/relationships" xmlns:p="http://schemas.openxmlformats.org/presentationml/2006/main" xmlns:m="http://schemas.openxmlformats.org/officeDocument/2006/math" xmlns:w="http://schemas.openxmlformats.org/wordprocessingml/2006/main">
+  <p:cSld name="">
+    <p:spTree>
+      <p:nvGrpSpPr>
+        <p:cNvPr id="1" name=""/>
+        <p:cNvGrpSpPr/>
+        <p:nvPr/>
+      </p:nvGrpSpPr>
+      <p:grpSpPr bwMode="auto">
+        <a:xfrm>
+          <a:off x="0" y="0"/>
+          <a:ext cx="0" cy="0"/>
+          <a:chOff x="0" y="0"/>
+          <a:chExt cx="0" cy="0"/>
+        </a:xfrm>
+      </p:grpSpPr>
+      <p:sp>
+        <p:nvSpPr>
+          <p:cNvPr id="2" name="Slide Image Placeholder 1"/>
+          <p:cNvSpPr>
+            <a:spLocks noChangeAspect="1" noGrp="1" noRot="1"/>
+          </p:cNvSpPr>
+          <p:nvPr>
+            <p:ph type="sldImg"/>
+          </p:nvPr>
+        </p:nvSpPr>
+        <p:spPr bwMode="auto"/>
+      </p:sp>
+      <p:sp>
+        <p:nvSpPr>
+          <p:cNvPr id="3" name="Notes Placeholder 2"/>
+          <p:cNvSpPr>
+            <a:spLocks noGrp="1"/>
+          </p:cNvSpPr>
+          <p:nvPr>
+            <p:ph type="body" idx="1"/>
+          </p:nvPr>
+        </p:nvSpPr>
+        <p:spPr bwMode="auto"/>
+        <p:txBody>
+          <a:bodyPr/>
+          <a:lstStyle/>
+          <a:p>
+            <a:pPr>
+              <a:defRPr/>
+            </a:pPr>
+            <a:endParaRPr/>
+          </a:p>
+        </p:txBody>
+      </p:sp>
+      <p:sp>
+        <p:nvSpPr>
+          <p:cNvPr id="4" name="Slide Number Placeholder 3"/>
+          <p:cNvSpPr>
+            <a:spLocks noGrp="1"/>
+          </p:cNvSpPr>
+          <p:nvPr>
+            <p:ph type="sldNum" sz="quarter" idx="10"/>
+          </p:nvPr>
+        </p:nvSpPr>
+        <p:spPr bwMode="auto"/>
+        <p:txBody>
+          <a:bodyPr/>
+          <a:lstStyle/>
+          <a:p>
+            <a:pPr>
+              <a:defRPr/>
+            </a:pPr>
+            <a:fld id="{B4EF3234-2571-9A60-CB33-2FB34E2DEECB}" type="slidenum">
+              <a:rPr/>
+              <a:t/>
+            </a:fld>
+            <a:endParaRPr/>
+          </a:p>
+        </p:txBody>
+      </p:sp>
+    </p:spTree>
+  </p:cSld>
+</p:notes>
+</file>
+
+<file path=ppt/notesSlides/notesSlide8.xml><?xml version="1.0" encoding="utf-8"?>
+<p:notes xmlns:a="http://schemas.openxmlformats.org/drawingml/2006/main" xmlns:r="http://schemas.openxmlformats.org/officeDocument/2006/relationships" xmlns:p="http://schemas.openxmlformats.org/presentationml/2006/main" xmlns:m="http://schemas.openxmlformats.org/officeDocument/2006/math" xmlns:w="http://schemas.openxmlformats.org/wordprocessingml/2006/main">
+  <p:cSld name="">
+    <p:spTree>
+      <p:nvGrpSpPr>
+        <p:cNvPr id="1" name=""/>
+        <p:cNvGrpSpPr/>
+        <p:nvPr/>
+      </p:nvGrpSpPr>
+      <p:grpSpPr bwMode="auto">
+        <a:xfrm>
+          <a:off x="0" y="0"/>
+          <a:ext cx="0" cy="0"/>
+          <a:chOff x="0" y="0"/>
+          <a:chExt cx="0" cy="0"/>
+        </a:xfrm>
+      </p:grpSpPr>
+      <p:sp>
+        <p:nvSpPr>
+          <p:cNvPr id="2" name="Slide Image Placeholder 1"/>
+          <p:cNvSpPr>
+            <a:spLocks noChangeAspect="1" noGrp="1" noRot="1"/>
+          </p:cNvSpPr>
+          <p:nvPr>
+            <p:ph type="sldImg"/>
+          </p:nvPr>
+        </p:nvSpPr>
+        <p:spPr bwMode="auto"/>
+      </p:sp>
+      <p:sp>
+        <p:nvSpPr>
+          <p:cNvPr id="3" name="Notes Placeholder 2"/>
+          <p:cNvSpPr>
+            <a:spLocks noGrp="1"/>
+          </p:cNvSpPr>
+          <p:nvPr>
+            <p:ph type="body" idx="1"/>
+          </p:nvPr>
+        </p:nvSpPr>
+        <p:spPr bwMode="auto"/>
+        <p:txBody>
+          <a:bodyPr/>
+          <a:lstStyle/>
+          <a:p>
+            <a:pPr>
+              <a:defRPr/>
+            </a:pPr>
+            <a:endParaRPr/>
+          </a:p>
+        </p:txBody>
+      </p:sp>
+      <p:sp>
+        <p:nvSpPr>
+          <p:cNvPr id="4" name="Slide Number Placeholder 3"/>
+          <p:cNvSpPr>
+            <a:spLocks noGrp="1"/>
+          </p:cNvSpPr>
+          <p:nvPr>
+            <p:ph type="sldNum" sz="quarter" idx="10"/>
+          </p:nvPr>
+        </p:nvSpPr>
+        <p:spPr bwMode="auto"/>
+        <p:txBody>
+          <a:bodyPr/>
+          <a:lstStyle/>
+          <a:p>
+            <a:pPr>
+              <a:defRPr/>
+            </a:pPr>
+            <a:fld id="{EC1791D0-95B8-9FED-5998-29D6ED763965}" type="slidenum">
+              <a:rPr/>
+              <a:t/>
+            </a:fld>
+            <a:endParaRPr/>
+          </a:p>
+        </p:txBody>
+      </p:sp>
+    </p:spTree>
+  </p:cSld>
+</p:notes>
+</file>
+
 <file path=ppt/slideLayouts/slideLayout1.xml><?xml version="1.0" encoding="utf-8"?>
-<p:sldLayout xmlns:a="http://schemas.openxmlformats.org/drawingml/2006/main" xmlns:r="http://schemas.openxmlformats.org/officeDocument/2006/relationships" xmlns:p="http://schemas.openxmlformats.org/presentationml/2006/main" type="title" preserve="1">
+<p:sldLayout xmlns:a="http://schemas.openxmlformats.org/drawingml/2006/main" xmlns:r="http://schemas.openxmlformats.org/officeDocument/2006/relationships" xmlns:p="http://schemas.openxmlformats.org/presentationml/2006/main" xmlns:m="http://schemas.openxmlformats.org/officeDocument/2006/math" xmlns:w="http://schemas.openxmlformats.org/wordprocessingml/2006/main" matchingName="" preserve="1" showMasterPhAnim="0" showMasterSp="1" type="title" userDrawn="1">
   <p:cSld name="Титульный слайд">
     <p:spTree>
       <p:nvGrpSpPr>
@@ -123,7 +1102,7 @@
         <p:cNvGrpSpPr/>
         <p:nvPr/>
       </p:nvGrpSpPr>
-      <p:grpSpPr>
+      <p:grpSpPr bwMode="auto">
         <a:xfrm>
           <a:off x="0" y="0"/>
           <a:ext cx="0" cy="0"/>
@@ -141,7 +1120,7 @@
             <p:ph type="ctrTitle"/>
           </p:nvPr>
         </p:nvSpPr>
-        <p:spPr>
+        <p:spPr bwMode="auto">
           <a:xfrm>
             <a:off x="2417779" y="802298"/>
             <a:ext cx="8637073" cy="2541431"/>
@@ -157,11 +1136,14 @@
             </a:lvl1pPr>
           </a:lstStyle>
           <a:p>
+            <a:pPr>
+              <a:defRPr/>
+            </a:pPr>
             <a:r>
               <a:rPr lang="ru-RU"/>
               <a:t>Образец заголовка</a:t>
             </a:r>
-            <a:endParaRPr lang="en-US" dirty="0"/>
+            <a:endParaRPr lang="en-US"/>
           </a:p>
         </p:txBody>
       </p:sp>
@@ -175,7 +1157,7 @@
             <p:ph type="subTitle" idx="1"/>
           </p:nvPr>
         </p:nvSpPr>
-        <p:spPr>
+        <p:spPr bwMode="auto">
           <a:xfrm>
             <a:off x="2417780" y="3531204"/>
             <a:ext cx="8637072" cy="977621"/>
@@ -188,7 +1170,7 @@
           <a:lstStyle>
             <a:lvl1pPr marL="0" indent="0" algn="l">
               <a:buNone/>
-              <a:defRPr sz="1800" b="0" cap="all" baseline="0">
+              <a:defRPr sz="1800" b="0" cap="all">
                 <a:solidFill>
                   <a:schemeClr val="tx1"/>
                 </a:solidFill>
@@ -228,11 +1210,14 @@
             </a:lvl9pPr>
           </a:lstStyle>
           <a:p>
+            <a:pPr>
+              <a:defRPr/>
+            </a:pPr>
             <a:r>
               <a:rPr lang="ru-RU"/>
               <a:t>Образец подзаголовка</a:t>
             </a:r>
-            <a:endParaRPr lang="en-US" dirty="0"/>
+            <a:endParaRPr lang="en-US"/>
           </a:p>
         </p:txBody>
       </p:sp>
@@ -246,16 +1231,19 @@
             <p:ph type="dt" sz="half" idx="10"/>
           </p:nvPr>
         </p:nvSpPr>
-        <p:spPr/>
-        <p:txBody>
-          <a:bodyPr/>
-          <a:lstStyle/>
-          <a:p>
+        <p:spPr bwMode="auto"/>
+        <p:txBody>
+          <a:bodyPr/>
+          <a:lstStyle/>
+          <a:p>
+            <a:pPr>
+              <a:defRPr/>
+            </a:pPr>
             <a:fld id="{48A87A34-81AB-432B-8DAE-1953F412C126}" type="datetimeFigureOut">
-              <a:rPr lang="en-US" dirty="0"/>
+              <a:rPr lang="en-US"/>
               <a:t>9/3/2024</a:t>
             </a:fld>
-            <a:endParaRPr lang="en-US" dirty="0"/>
+            <a:endParaRPr lang="en-US"/>
           </a:p>
         </p:txBody>
       </p:sp>
@@ -269,7 +1257,7 @@
             <p:ph type="ftr" sz="quarter" idx="11"/>
           </p:nvPr>
         </p:nvSpPr>
-        <p:spPr>
+        <p:spPr bwMode="auto">
           <a:xfrm>
             <a:off x="2416500" y="329307"/>
             <a:ext cx="4973915" cy="309201"/>
@@ -279,7 +1267,10 @@
           <a:bodyPr/>
           <a:lstStyle/>
           <a:p>
-            <a:endParaRPr lang="en-US" dirty="0"/>
+            <a:pPr>
+              <a:defRPr/>
+            </a:pPr>
+            <a:endParaRPr lang="en-US"/>
           </a:p>
         </p:txBody>
       </p:sp>
@@ -293,7 +1284,7 @@
             <p:ph type="sldNum" sz="quarter" idx="12"/>
           </p:nvPr>
         </p:nvSpPr>
-        <p:spPr>
+        <p:spPr bwMode="auto">
           <a:xfrm>
             <a:off x="1437664" y="798973"/>
             <a:ext cx="811019" cy="503578"/>
@@ -303,23 +1294,28 @@
           <a:bodyPr/>
           <a:lstStyle/>
           <a:p>
+            <a:pPr>
+              <a:defRPr/>
+            </a:pPr>
             <a:fld id="{6D22F896-40B5-4ADD-8801-0D06FADFA095}" type="slidenum">
-              <a:rPr lang="en-US" dirty="0"/>
+              <a:rPr lang="en-US"/>
               <a:t>‹#›</a:t>
             </a:fld>
-            <a:endParaRPr lang="en-US" dirty="0"/>
+            <a:endParaRPr lang="en-US"/>
           </a:p>
         </p:txBody>
       </p:sp>
       <p:cxnSp>
         <p:nvCxnSpPr>
           <p:cNvPr id="15" name="Straight Connector 14"/>
-          <p:cNvCxnSpPr/>
+          <p:cNvCxnSpPr>
+            <a:cxnSpLocks/>
+          </p:cNvCxnSpPr>
           <p:nvPr/>
         </p:nvCxnSpPr>
-        <p:spPr>
+        <p:spPr bwMode="auto">
           <a:xfrm>
-            <a:off x="2417780" y="3528542"/>
+            <a:off x="2417780" y="3528541"/>
             <a:ext cx="8637072" cy="0"/>
           </a:xfrm>
           <a:prstGeom prst="line">
@@ -351,7 +1347,7 @@
 </file>
 
 <file path=ppt/slideLayouts/slideLayout10.xml><?xml version="1.0" encoding="utf-8"?>
-<p:sldLayout xmlns:a="http://schemas.openxmlformats.org/drawingml/2006/main" xmlns:r="http://schemas.openxmlformats.org/officeDocument/2006/relationships" xmlns:p="http://schemas.openxmlformats.org/presentationml/2006/main" type="vertTx" preserve="1">
+<p:sldLayout xmlns:a="http://schemas.openxmlformats.org/drawingml/2006/main" xmlns:r="http://schemas.openxmlformats.org/officeDocument/2006/relationships" xmlns:p="http://schemas.openxmlformats.org/presentationml/2006/main" xmlns:m="http://schemas.openxmlformats.org/officeDocument/2006/math" xmlns:w="http://schemas.openxmlformats.org/wordprocessingml/2006/main" matchingName="" preserve="1" showMasterPhAnim="0" showMasterSp="1" type="vertTx" userDrawn="1">
   <p:cSld name="Заголовок и вертикальный текст">
     <p:spTree>
       <p:nvGrpSpPr>
@@ -359,7 +1355,7 @@
         <p:cNvGrpSpPr/>
         <p:nvPr/>
       </p:nvGrpSpPr>
-      <p:grpSpPr>
+      <p:grpSpPr bwMode="auto">
         <a:xfrm>
           <a:off x="0" y="0"/>
           <a:ext cx="0" cy="0"/>
@@ -377,16 +1373,19 @@
             <p:ph type="title"/>
           </p:nvPr>
         </p:nvSpPr>
-        <p:spPr/>
-        <p:txBody>
-          <a:bodyPr/>
-          <a:lstStyle/>
-          <a:p>
+        <p:spPr bwMode="auto"/>
+        <p:txBody>
+          <a:bodyPr/>
+          <a:lstStyle/>
+          <a:p>
+            <a:pPr>
+              <a:defRPr/>
+            </a:pPr>
             <a:r>
               <a:rPr lang="ru-RU"/>
               <a:t>Образец заголовка</a:t>
             </a:r>
-            <a:endParaRPr lang="en-US" dirty="0"/>
+            <a:endParaRPr lang="en-US"/>
           </a:p>
         </p:txBody>
       </p:sp>
@@ -400,45 +1399,59 @@
             <p:ph type="body" orient="vert" idx="1"/>
           </p:nvPr>
         </p:nvSpPr>
-        <p:spPr/>
+        <p:spPr bwMode="auto"/>
         <p:txBody>
           <a:bodyPr vert="eaVert"/>
           <a:lstStyle/>
           <a:p>
-            <a:pPr lvl="0"/>
+            <a:pPr lvl="0">
+              <a:defRPr/>
+            </a:pPr>
             <a:r>
               <a:rPr lang="ru-RU"/>
               <a:t>Образец текста</a:t>
             </a:r>
-          </a:p>
-          <a:p>
-            <a:pPr lvl="1"/>
+            <a:endParaRPr/>
+          </a:p>
+          <a:p>
+            <a:pPr lvl="1">
+              <a:defRPr/>
+            </a:pPr>
             <a:r>
               <a:rPr lang="ru-RU"/>
               <a:t>Второй уровень</a:t>
             </a:r>
-          </a:p>
-          <a:p>
-            <a:pPr lvl="2"/>
+            <a:endParaRPr/>
+          </a:p>
+          <a:p>
+            <a:pPr lvl="2">
+              <a:defRPr/>
+            </a:pPr>
             <a:r>
               <a:rPr lang="ru-RU"/>
               <a:t>Третий уровень</a:t>
             </a:r>
-          </a:p>
-          <a:p>
-            <a:pPr lvl="3"/>
+            <a:endParaRPr/>
+          </a:p>
+          <a:p>
+            <a:pPr lvl="3">
+              <a:defRPr/>
+            </a:pPr>
             <a:r>
               <a:rPr lang="ru-RU"/>
               <a:t>Четвертый уровень</a:t>
             </a:r>
-          </a:p>
-          <a:p>
-            <a:pPr lvl="4"/>
+            <a:endParaRPr/>
+          </a:p>
+          <a:p>
+            <a:pPr lvl="4">
+              <a:defRPr/>
+            </a:pPr>
             <a:r>
               <a:rPr lang="ru-RU"/>
               <a:t>Пятый уровень</a:t>
             </a:r>
-            <a:endParaRPr lang="en-US" dirty="0"/>
+            <a:endParaRPr lang="en-US"/>
           </a:p>
         </p:txBody>
       </p:sp>
@@ -452,16 +1465,19 @@
             <p:ph type="dt" sz="half" idx="10"/>
           </p:nvPr>
         </p:nvSpPr>
-        <p:spPr/>
-        <p:txBody>
-          <a:bodyPr/>
-          <a:lstStyle/>
-          <a:p>
+        <p:spPr bwMode="auto"/>
+        <p:txBody>
+          <a:bodyPr/>
+          <a:lstStyle/>
+          <a:p>
+            <a:pPr>
+              <a:defRPr/>
+            </a:pPr>
             <a:fld id="{48A87A34-81AB-432B-8DAE-1953F412C126}" type="datetimeFigureOut">
-              <a:rPr lang="en-US" dirty="0"/>
+              <a:rPr lang="en-US"/>
               <a:t>9/3/2024</a:t>
             </a:fld>
-            <a:endParaRPr lang="en-US" dirty="0"/>
+            <a:endParaRPr lang="en-US"/>
           </a:p>
         </p:txBody>
       </p:sp>
@@ -475,12 +1491,15 @@
             <p:ph type="ftr" sz="quarter" idx="11"/>
           </p:nvPr>
         </p:nvSpPr>
-        <p:spPr/>
-        <p:txBody>
-          <a:bodyPr/>
-          <a:lstStyle/>
-          <a:p>
-            <a:endParaRPr lang="en-US" dirty="0"/>
+        <p:spPr bwMode="auto"/>
+        <p:txBody>
+          <a:bodyPr/>
+          <a:lstStyle/>
+          <a:p>
+            <a:pPr>
+              <a:defRPr/>
+            </a:pPr>
+            <a:endParaRPr lang="en-US"/>
           </a:p>
         </p:txBody>
       </p:sp>
@@ -494,29 +1513,34 @@
             <p:ph type="sldNum" sz="quarter" idx="12"/>
           </p:nvPr>
         </p:nvSpPr>
-        <p:spPr/>
-        <p:txBody>
-          <a:bodyPr/>
-          <a:lstStyle/>
-          <a:p>
+        <p:spPr bwMode="auto"/>
+        <p:txBody>
+          <a:bodyPr/>
+          <a:lstStyle/>
+          <a:p>
+            <a:pPr>
+              <a:defRPr/>
+            </a:pPr>
             <a:fld id="{6D22F896-40B5-4ADD-8801-0D06FADFA095}" type="slidenum">
-              <a:rPr lang="en-US" dirty="0"/>
+              <a:rPr lang="en-US"/>
               <a:t>‹#›</a:t>
             </a:fld>
-            <a:endParaRPr lang="en-US" dirty="0"/>
+            <a:endParaRPr lang="en-US"/>
           </a:p>
         </p:txBody>
       </p:sp>
       <p:cxnSp>
         <p:nvCxnSpPr>
           <p:cNvPr id="26" name="Straight Connector 25"/>
-          <p:cNvCxnSpPr/>
+          <p:cNvCxnSpPr>
+            <a:cxnSpLocks/>
+          </p:cNvCxnSpPr>
           <p:nvPr/>
         </p:nvCxnSpPr>
-        <p:spPr>
+        <p:spPr bwMode="auto">
           <a:xfrm>
             <a:off x="1453896" y="1847088"/>
-            <a:ext cx="9607522" cy="0"/>
+            <a:ext cx="9607521" cy="0"/>
           </a:xfrm>
           <a:prstGeom prst="line">
             <a:avLst/>
@@ -547,7 +1571,7 @@
 </file>
 
 <file path=ppt/slideLayouts/slideLayout11.xml><?xml version="1.0" encoding="utf-8"?>
-<p:sldLayout xmlns:a="http://schemas.openxmlformats.org/drawingml/2006/main" xmlns:r="http://schemas.openxmlformats.org/officeDocument/2006/relationships" xmlns:p="http://schemas.openxmlformats.org/presentationml/2006/main" type="vertTitleAndTx" preserve="1">
+<p:sldLayout xmlns:a="http://schemas.openxmlformats.org/drawingml/2006/main" xmlns:r="http://schemas.openxmlformats.org/officeDocument/2006/relationships" xmlns:p="http://schemas.openxmlformats.org/presentationml/2006/main" xmlns:m="http://schemas.openxmlformats.org/officeDocument/2006/math" xmlns:w="http://schemas.openxmlformats.org/wordprocessingml/2006/main" matchingName="" preserve="1" showMasterPhAnim="0" showMasterSp="1" type="vertTitleAndTx" userDrawn="1">
   <p:cSld name="Вертикальный заголовок и текст">
     <p:spTree>
       <p:nvGrpSpPr>
@@ -555,7 +1579,7 @@
         <p:cNvGrpSpPr/>
         <p:nvPr/>
       </p:nvGrpSpPr>
-      <p:grpSpPr>
+      <p:grpSpPr bwMode="auto">
         <a:xfrm>
           <a:off x="0" y="0"/>
           <a:ext cx="0" cy="0"/>
@@ -573,7 +1597,7 @@
             <p:ph type="title" orient="vert"/>
           </p:nvPr>
         </p:nvSpPr>
-        <p:spPr>
+        <p:spPr bwMode="auto">
           <a:xfrm>
             <a:off x="9439111" y="798973"/>
             <a:ext cx="1615742" cy="4659889"/>
@@ -587,11 +1611,14 @@
             </a:lvl1pPr>
           </a:lstStyle>
           <a:p>
+            <a:pPr>
+              <a:defRPr/>
+            </a:pPr>
             <a:r>
               <a:rPr lang="ru-RU"/>
               <a:t>Образец заголовка</a:t>
             </a:r>
-            <a:endParaRPr lang="en-US" dirty="0"/>
+            <a:endParaRPr lang="en-US"/>
           </a:p>
         </p:txBody>
       </p:sp>
@@ -605,7 +1632,7 @@
             <p:ph type="body" orient="vert" idx="1"/>
           </p:nvPr>
         </p:nvSpPr>
-        <p:spPr>
+        <p:spPr bwMode="auto">
           <a:xfrm>
             <a:off x="1444672" y="798973"/>
             <a:ext cx="7828830" cy="4659889"/>
@@ -615,40 +1642,54 @@
           <a:bodyPr vert="eaVert"/>
           <a:lstStyle/>
           <a:p>
-            <a:pPr lvl="0"/>
+            <a:pPr lvl="0">
+              <a:defRPr/>
+            </a:pPr>
             <a:r>
               <a:rPr lang="ru-RU"/>
               <a:t>Образец текста</a:t>
             </a:r>
-          </a:p>
-          <a:p>
-            <a:pPr lvl="1"/>
+            <a:endParaRPr/>
+          </a:p>
+          <a:p>
+            <a:pPr lvl="1">
+              <a:defRPr/>
+            </a:pPr>
             <a:r>
               <a:rPr lang="ru-RU"/>
               <a:t>Второй уровень</a:t>
             </a:r>
-          </a:p>
-          <a:p>
-            <a:pPr lvl="2"/>
+            <a:endParaRPr/>
+          </a:p>
+          <a:p>
+            <a:pPr lvl="2">
+              <a:defRPr/>
+            </a:pPr>
             <a:r>
               <a:rPr lang="ru-RU"/>
               <a:t>Третий уровень</a:t>
             </a:r>
-          </a:p>
-          <a:p>
-            <a:pPr lvl="3"/>
+            <a:endParaRPr/>
+          </a:p>
+          <a:p>
+            <a:pPr lvl="3">
+              <a:defRPr/>
+            </a:pPr>
             <a:r>
               <a:rPr lang="ru-RU"/>
               <a:t>Четвертый уровень</a:t>
             </a:r>
-          </a:p>
-          <a:p>
-            <a:pPr lvl="4"/>
+            <a:endParaRPr/>
+          </a:p>
+          <a:p>
+            <a:pPr lvl="4">
+              <a:defRPr/>
+            </a:pPr>
             <a:r>
               <a:rPr lang="ru-RU"/>
               <a:t>Пятый уровень</a:t>
             </a:r>
-            <a:endParaRPr lang="en-US" dirty="0"/>
+            <a:endParaRPr lang="en-US"/>
           </a:p>
         </p:txBody>
       </p:sp>
@@ -662,16 +1703,19 @@
             <p:ph type="dt" sz="half" idx="10"/>
           </p:nvPr>
         </p:nvSpPr>
-        <p:spPr/>
-        <p:txBody>
-          <a:bodyPr/>
-          <a:lstStyle/>
-          <a:p>
+        <p:spPr bwMode="auto"/>
+        <p:txBody>
+          <a:bodyPr/>
+          <a:lstStyle/>
+          <a:p>
+            <a:pPr>
+              <a:defRPr/>
+            </a:pPr>
             <a:fld id="{48A87A34-81AB-432B-8DAE-1953F412C126}" type="datetimeFigureOut">
-              <a:rPr lang="en-US" dirty="0"/>
+              <a:rPr lang="en-US"/>
               <a:t>9/3/2024</a:t>
             </a:fld>
-            <a:endParaRPr lang="en-US" dirty="0"/>
+            <a:endParaRPr lang="en-US"/>
           </a:p>
         </p:txBody>
       </p:sp>
@@ -685,12 +1729,15 @@
             <p:ph type="ftr" sz="quarter" idx="11"/>
           </p:nvPr>
         </p:nvSpPr>
-        <p:spPr/>
-        <p:txBody>
-          <a:bodyPr/>
-          <a:lstStyle/>
-          <a:p>
-            <a:endParaRPr lang="en-US" dirty="0"/>
+        <p:spPr bwMode="auto"/>
+        <p:txBody>
+          <a:bodyPr/>
+          <a:lstStyle/>
+          <a:p>
+            <a:pPr>
+              <a:defRPr/>
+            </a:pPr>
+            <a:endParaRPr lang="en-US"/>
           </a:p>
         </p:txBody>
       </p:sp>
@@ -704,26 +1751,31 @@
             <p:ph type="sldNum" sz="quarter" idx="12"/>
           </p:nvPr>
         </p:nvSpPr>
-        <p:spPr/>
-        <p:txBody>
-          <a:bodyPr/>
-          <a:lstStyle/>
-          <a:p>
+        <p:spPr bwMode="auto"/>
+        <p:txBody>
+          <a:bodyPr/>
+          <a:lstStyle/>
+          <a:p>
+            <a:pPr>
+              <a:defRPr/>
+            </a:pPr>
             <a:fld id="{6D22F896-40B5-4ADD-8801-0D06FADFA095}" type="slidenum">
-              <a:rPr lang="en-US" dirty="0"/>
+              <a:rPr lang="en-US"/>
               <a:t>‹#›</a:t>
             </a:fld>
-            <a:endParaRPr lang="en-US" dirty="0"/>
+            <a:endParaRPr lang="en-US"/>
           </a:p>
         </p:txBody>
       </p:sp>
       <p:cxnSp>
         <p:nvCxnSpPr>
           <p:cNvPr id="15" name="Straight Connector 14"/>
-          <p:cNvCxnSpPr/>
+          <p:cNvCxnSpPr>
+            <a:cxnSpLocks/>
+          </p:cNvCxnSpPr>
           <p:nvPr/>
         </p:nvCxnSpPr>
-        <p:spPr>
+        <p:spPr bwMode="auto">
           <a:xfrm>
             <a:off x="9439111" y="798973"/>
             <a:ext cx="0" cy="4659889"/>
@@ -757,7 +1809,7 @@
 </file>
 
 <file path=ppt/slideLayouts/slideLayout2.xml><?xml version="1.0" encoding="utf-8"?>
-<p:sldLayout xmlns:a="http://schemas.openxmlformats.org/drawingml/2006/main" xmlns:r="http://schemas.openxmlformats.org/officeDocument/2006/relationships" xmlns:p="http://schemas.openxmlformats.org/presentationml/2006/main" type="obj" preserve="1">
+<p:sldLayout xmlns:a="http://schemas.openxmlformats.org/drawingml/2006/main" xmlns:r="http://schemas.openxmlformats.org/officeDocument/2006/relationships" xmlns:p="http://schemas.openxmlformats.org/presentationml/2006/main" xmlns:m="http://schemas.openxmlformats.org/officeDocument/2006/math" xmlns:w="http://schemas.openxmlformats.org/wordprocessingml/2006/main" matchingName="" preserve="1" showMasterPhAnim="0" showMasterSp="1" type="obj" userDrawn="1">
   <p:cSld name="Заголовок и объект">
     <p:spTree>
       <p:nvGrpSpPr>
@@ -765,7 +1817,7 @@
         <p:cNvGrpSpPr/>
         <p:nvPr/>
       </p:nvGrpSpPr>
-      <p:grpSpPr>
+      <p:grpSpPr bwMode="auto">
         <a:xfrm>
           <a:off x="0" y="0"/>
           <a:ext cx="0" cy="0"/>
@@ -783,16 +1835,19 @@
             <p:ph type="title"/>
           </p:nvPr>
         </p:nvSpPr>
-        <p:spPr/>
-        <p:txBody>
-          <a:bodyPr/>
-          <a:lstStyle/>
-          <a:p>
+        <p:spPr bwMode="auto"/>
+        <p:txBody>
+          <a:bodyPr/>
+          <a:lstStyle/>
+          <a:p>
+            <a:pPr>
+              <a:defRPr/>
+            </a:pPr>
             <a:r>
               <a:rPr lang="ru-RU"/>
               <a:t>Образец заголовка</a:t>
             </a:r>
-            <a:endParaRPr lang="en-US" dirty="0"/>
+            <a:endParaRPr lang="en-US"/>
           </a:p>
         </p:txBody>
       </p:sp>
@@ -806,45 +1861,59 @@
             <p:ph idx="1"/>
           </p:nvPr>
         </p:nvSpPr>
-        <p:spPr/>
+        <p:spPr bwMode="auto"/>
         <p:txBody>
           <a:bodyPr anchor="t"/>
           <a:lstStyle/>
           <a:p>
-            <a:pPr lvl="0"/>
+            <a:pPr lvl="0">
+              <a:defRPr/>
+            </a:pPr>
             <a:r>
               <a:rPr lang="ru-RU"/>
               <a:t>Образец текста</a:t>
             </a:r>
-          </a:p>
-          <a:p>
-            <a:pPr lvl="1"/>
+            <a:endParaRPr/>
+          </a:p>
+          <a:p>
+            <a:pPr lvl="1">
+              <a:defRPr/>
+            </a:pPr>
             <a:r>
               <a:rPr lang="ru-RU"/>
               <a:t>Второй уровень</a:t>
             </a:r>
-          </a:p>
-          <a:p>
-            <a:pPr lvl="2"/>
+            <a:endParaRPr/>
+          </a:p>
+          <a:p>
+            <a:pPr lvl="2">
+              <a:defRPr/>
+            </a:pPr>
             <a:r>
               <a:rPr lang="ru-RU"/>
               <a:t>Третий уровень</a:t>
             </a:r>
-          </a:p>
-          <a:p>
-            <a:pPr lvl="3"/>
+            <a:endParaRPr/>
+          </a:p>
+          <a:p>
+            <a:pPr lvl="3">
+              <a:defRPr/>
+            </a:pPr>
             <a:r>
               <a:rPr lang="ru-RU"/>
               <a:t>Четвертый уровень</a:t>
             </a:r>
-          </a:p>
-          <a:p>
-            <a:pPr lvl="4"/>
+            <a:endParaRPr/>
+          </a:p>
+          <a:p>
+            <a:pPr lvl="4">
+              <a:defRPr/>
+            </a:pPr>
             <a:r>
               <a:rPr lang="ru-RU"/>
               <a:t>Пятый уровень</a:t>
             </a:r>
-            <a:endParaRPr lang="en-US" dirty="0"/>
+            <a:endParaRPr lang="en-US"/>
           </a:p>
         </p:txBody>
       </p:sp>
@@ -858,16 +1927,19 @@
             <p:ph type="dt" sz="half" idx="10"/>
           </p:nvPr>
         </p:nvSpPr>
-        <p:spPr/>
-        <p:txBody>
-          <a:bodyPr/>
-          <a:lstStyle/>
-          <a:p>
+        <p:spPr bwMode="auto"/>
+        <p:txBody>
+          <a:bodyPr/>
+          <a:lstStyle/>
+          <a:p>
+            <a:pPr>
+              <a:defRPr/>
+            </a:pPr>
             <a:fld id="{48A87A34-81AB-432B-8DAE-1953F412C126}" type="datetimeFigureOut">
-              <a:rPr lang="en-US" dirty="0"/>
+              <a:rPr lang="en-US"/>
               <a:t>9/3/2024</a:t>
             </a:fld>
-            <a:endParaRPr lang="en-US" dirty="0"/>
+            <a:endParaRPr lang="en-US"/>
           </a:p>
         </p:txBody>
       </p:sp>
@@ -881,12 +1953,15 @@
             <p:ph type="ftr" sz="quarter" idx="11"/>
           </p:nvPr>
         </p:nvSpPr>
-        <p:spPr/>
-        <p:txBody>
-          <a:bodyPr/>
-          <a:lstStyle/>
-          <a:p>
-            <a:endParaRPr lang="en-US" dirty="0"/>
+        <p:spPr bwMode="auto"/>
+        <p:txBody>
+          <a:bodyPr/>
+          <a:lstStyle/>
+          <a:p>
+            <a:pPr>
+              <a:defRPr/>
+            </a:pPr>
+            <a:endParaRPr lang="en-US"/>
           </a:p>
         </p:txBody>
       </p:sp>
@@ -900,29 +1975,34 @@
             <p:ph type="sldNum" sz="quarter" idx="12"/>
           </p:nvPr>
         </p:nvSpPr>
-        <p:spPr/>
-        <p:txBody>
-          <a:bodyPr/>
-          <a:lstStyle/>
-          <a:p>
+        <p:spPr bwMode="auto"/>
+        <p:txBody>
+          <a:bodyPr/>
+          <a:lstStyle/>
+          <a:p>
+            <a:pPr>
+              <a:defRPr/>
+            </a:pPr>
             <a:fld id="{6D22F896-40B5-4ADD-8801-0D06FADFA095}" type="slidenum">
-              <a:rPr lang="en-US" dirty="0"/>
+              <a:rPr lang="en-US"/>
               <a:t>‹#›</a:t>
             </a:fld>
-            <a:endParaRPr lang="en-US" dirty="0"/>
+            <a:endParaRPr lang="en-US"/>
           </a:p>
         </p:txBody>
       </p:sp>
       <p:cxnSp>
         <p:nvCxnSpPr>
           <p:cNvPr id="33" name="Straight Connector 32"/>
-          <p:cNvCxnSpPr/>
+          <p:cNvCxnSpPr>
+            <a:cxnSpLocks/>
+          </p:cNvCxnSpPr>
           <p:nvPr/>
         </p:nvCxnSpPr>
-        <p:spPr>
+        <p:spPr bwMode="auto">
           <a:xfrm>
             <a:off x="1453896" y="1847088"/>
-            <a:ext cx="9607522" cy="0"/>
+            <a:ext cx="9607521" cy="0"/>
           </a:xfrm>
           <a:prstGeom prst="line">
             <a:avLst/>
@@ -953,7 +2033,7 @@
 </file>
 
 <file path=ppt/slideLayouts/slideLayout3.xml><?xml version="1.0" encoding="utf-8"?>
-<p:sldLayout xmlns:a="http://schemas.openxmlformats.org/drawingml/2006/main" xmlns:r="http://schemas.openxmlformats.org/officeDocument/2006/relationships" xmlns:p="http://schemas.openxmlformats.org/presentationml/2006/main" type="secHead" preserve="1">
+<p:sldLayout xmlns:a="http://schemas.openxmlformats.org/drawingml/2006/main" xmlns:r="http://schemas.openxmlformats.org/officeDocument/2006/relationships" xmlns:p="http://schemas.openxmlformats.org/presentationml/2006/main" xmlns:m="http://schemas.openxmlformats.org/officeDocument/2006/math" xmlns:w="http://schemas.openxmlformats.org/wordprocessingml/2006/main" matchingName="" preserve="1" showMasterPhAnim="0" showMasterSp="1" type="secHead" userDrawn="1">
   <p:cSld name="Заголовок раздела">
     <p:spTree>
       <p:nvGrpSpPr>
@@ -961,7 +2041,7 @@
         <p:cNvGrpSpPr/>
         <p:nvPr/>
       </p:nvGrpSpPr>
-      <p:grpSpPr>
+      <p:grpSpPr bwMode="auto">
         <a:xfrm>
           <a:off x="0" y="0"/>
           <a:ext cx="0" cy="0"/>
@@ -979,7 +2059,7 @@
             <p:ph type="title"/>
           </p:nvPr>
         </p:nvSpPr>
-        <p:spPr>
+        <p:spPr bwMode="auto">
           <a:xfrm>
             <a:off x="1454239" y="1756130"/>
             <a:ext cx="8643154" cy="1887950"/>
@@ -995,11 +2075,14 @@
             </a:lvl1pPr>
           </a:lstStyle>
           <a:p>
+            <a:pPr>
+              <a:defRPr/>
+            </a:pPr>
             <a:r>
               <a:rPr lang="ru-RU"/>
               <a:t>Образец заголовка</a:t>
             </a:r>
-            <a:endParaRPr lang="en-US" dirty="0"/>
+            <a:endParaRPr lang="en-US"/>
           </a:p>
         </p:txBody>
       </p:sp>
@@ -1013,7 +2096,7 @@
             <p:ph type="body" idx="1"/>
           </p:nvPr>
         </p:nvSpPr>
-        <p:spPr>
+        <p:spPr bwMode="auto">
           <a:xfrm>
             <a:off x="1454239" y="3806195"/>
             <a:ext cx="8630446" cy="1012929"/>
@@ -1114,11 +2197,14 @@
             </a:lvl9pPr>
           </a:lstStyle>
           <a:p>
-            <a:pPr lvl="0"/>
+            <a:pPr lvl="0">
+              <a:defRPr/>
+            </a:pPr>
             <a:r>
               <a:rPr lang="ru-RU"/>
               <a:t>Образец текста</a:t>
             </a:r>
+            <a:endParaRPr/>
           </a:p>
         </p:txBody>
       </p:sp>
@@ -1132,16 +2218,19 @@
             <p:ph type="dt" sz="half" idx="10"/>
           </p:nvPr>
         </p:nvSpPr>
-        <p:spPr/>
-        <p:txBody>
-          <a:bodyPr/>
-          <a:lstStyle/>
-          <a:p>
+        <p:spPr bwMode="auto"/>
+        <p:txBody>
+          <a:bodyPr/>
+          <a:lstStyle/>
+          <a:p>
+            <a:pPr>
+              <a:defRPr/>
+            </a:pPr>
             <a:fld id="{48A87A34-81AB-432B-8DAE-1953F412C126}" type="datetimeFigureOut">
-              <a:rPr lang="en-US" dirty="0"/>
+              <a:rPr lang="en-US"/>
               <a:t>9/3/2024</a:t>
             </a:fld>
-            <a:endParaRPr lang="en-US" dirty="0"/>
+            <a:endParaRPr lang="en-US"/>
           </a:p>
         </p:txBody>
       </p:sp>
@@ -1155,12 +2244,15 @@
             <p:ph type="ftr" sz="quarter" idx="11"/>
           </p:nvPr>
         </p:nvSpPr>
-        <p:spPr/>
-        <p:txBody>
-          <a:bodyPr/>
-          <a:lstStyle/>
-          <a:p>
-            <a:endParaRPr lang="en-US" dirty="0"/>
+        <p:spPr bwMode="auto"/>
+        <p:txBody>
+          <a:bodyPr/>
+          <a:lstStyle/>
+          <a:p>
+            <a:pPr>
+              <a:defRPr/>
+            </a:pPr>
+            <a:endParaRPr lang="en-US"/>
           </a:p>
         </p:txBody>
       </p:sp>
@@ -1174,26 +2266,31 @@
             <p:ph type="sldNum" sz="quarter" idx="12"/>
           </p:nvPr>
         </p:nvSpPr>
-        <p:spPr/>
-        <p:txBody>
-          <a:bodyPr/>
-          <a:lstStyle/>
-          <a:p>
+        <p:spPr bwMode="auto"/>
+        <p:txBody>
+          <a:bodyPr/>
+          <a:lstStyle/>
+          <a:p>
+            <a:pPr>
+              <a:defRPr/>
+            </a:pPr>
             <a:fld id="{6D22F896-40B5-4ADD-8801-0D06FADFA095}" type="slidenum">
-              <a:rPr lang="en-US" dirty="0"/>
+              <a:rPr lang="en-US"/>
               <a:t>‹#›</a:t>
             </a:fld>
-            <a:endParaRPr lang="en-US" dirty="0"/>
+            <a:endParaRPr lang="en-US"/>
           </a:p>
         </p:txBody>
       </p:sp>
       <p:cxnSp>
         <p:nvCxnSpPr>
           <p:cNvPr id="15" name="Straight Connector 14"/>
-          <p:cNvCxnSpPr/>
+          <p:cNvCxnSpPr>
+            <a:cxnSpLocks/>
+          </p:cNvCxnSpPr>
           <p:nvPr/>
         </p:nvCxnSpPr>
-        <p:spPr>
+        <p:spPr bwMode="auto">
           <a:xfrm>
             <a:off x="1454239" y="3804985"/>
             <a:ext cx="8630446" cy="0"/>
@@ -1227,7 +2324,7 @@
 </file>
 
 <file path=ppt/slideLayouts/slideLayout4.xml><?xml version="1.0" encoding="utf-8"?>
-<p:sldLayout xmlns:a="http://schemas.openxmlformats.org/drawingml/2006/main" xmlns:r="http://schemas.openxmlformats.org/officeDocument/2006/relationships" xmlns:p="http://schemas.openxmlformats.org/presentationml/2006/main" type="twoObj" preserve="1">
+<p:sldLayout xmlns:a="http://schemas.openxmlformats.org/drawingml/2006/main" xmlns:r="http://schemas.openxmlformats.org/officeDocument/2006/relationships" xmlns:p="http://schemas.openxmlformats.org/presentationml/2006/main" xmlns:m="http://schemas.openxmlformats.org/officeDocument/2006/math" xmlns:w="http://schemas.openxmlformats.org/wordprocessingml/2006/main" matchingName="" preserve="1" showMasterPhAnim="0" showMasterSp="1" type="twoObj" userDrawn="1">
   <p:cSld name="Два объекта">
     <p:spTree>
       <p:nvGrpSpPr>
@@ -1235,7 +2332,7 @@
         <p:cNvGrpSpPr/>
         <p:nvPr/>
       </p:nvGrpSpPr>
-      <p:grpSpPr>
+      <p:grpSpPr bwMode="auto">
         <a:xfrm>
           <a:off x="0" y="0"/>
           <a:ext cx="0" cy="0"/>
@@ -1253,7 +2350,7 @@
             <p:ph type="title"/>
           </p:nvPr>
         </p:nvSpPr>
-        <p:spPr>
+        <p:spPr bwMode="auto">
           <a:xfrm>
             <a:off x="1449217" y="804889"/>
             <a:ext cx="9605635" cy="1059305"/>
@@ -1263,11 +2360,14 @@
           <a:bodyPr/>
           <a:lstStyle/>
           <a:p>
+            <a:pPr>
+              <a:defRPr/>
+            </a:pPr>
             <a:r>
               <a:rPr lang="ru-RU"/>
               <a:t>Образец заголовка</a:t>
             </a:r>
-            <a:endParaRPr lang="en-US" dirty="0"/>
+            <a:endParaRPr lang="en-US"/>
           </a:p>
         </p:txBody>
       </p:sp>
@@ -1281,7 +2381,7 @@
             <p:ph sz="half" idx="1"/>
           </p:nvPr>
         </p:nvSpPr>
-        <p:spPr>
+        <p:spPr bwMode="auto">
           <a:xfrm>
             <a:off x="1447331" y="2010878"/>
             <a:ext cx="4645152" cy="3448595"/>
@@ -1291,40 +2391,54 @@
           <a:bodyPr/>
           <a:lstStyle/>
           <a:p>
-            <a:pPr lvl="0"/>
+            <a:pPr lvl="0">
+              <a:defRPr/>
+            </a:pPr>
             <a:r>
               <a:rPr lang="ru-RU"/>
               <a:t>Образец текста</a:t>
             </a:r>
-          </a:p>
-          <a:p>
-            <a:pPr lvl="1"/>
+            <a:endParaRPr/>
+          </a:p>
+          <a:p>
+            <a:pPr lvl="1">
+              <a:defRPr/>
+            </a:pPr>
             <a:r>
               <a:rPr lang="ru-RU"/>
               <a:t>Второй уровень</a:t>
             </a:r>
-          </a:p>
-          <a:p>
-            <a:pPr lvl="2"/>
+            <a:endParaRPr/>
+          </a:p>
+          <a:p>
+            <a:pPr lvl="2">
+              <a:defRPr/>
+            </a:pPr>
             <a:r>
               <a:rPr lang="ru-RU"/>
               <a:t>Третий уровень</a:t>
             </a:r>
-          </a:p>
-          <a:p>
-            <a:pPr lvl="3"/>
+            <a:endParaRPr/>
+          </a:p>
+          <a:p>
+            <a:pPr lvl="3">
+              <a:defRPr/>
+            </a:pPr>
             <a:r>
               <a:rPr lang="ru-RU"/>
               <a:t>Четвертый уровень</a:t>
             </a:r>
-          </a:p>
-          <a:p>
-            <a:pPr lvl="4"/>
+            <a:endParaRPr/>
+          </a:p>
+          <a:p>
+            <a:pPr lvl="4">
+              <a:defRPr/>
+            </a:pPr>
             <a:r>
               <a:rPr lang="ru-RU"/>
               <a:t>Пятый уровень</a:t>
             </a:r>
-            <a:endParaRPr lang="en-US" dirty="0"/>
+            <a:endParaRPr lang="en-US"/>
           </a:p>
         </p:txBody>
       </p:sp>
@@ -1338,7 +2452,7 @@
             <p:ph sz="half" idx="2"/>
           </p:nvPr>
         </p:nvSpPr>
-        <p:spPr>
+        <p:spPr bwMode="auto">
           <a:xfrm>
             <a:off x="6413771" y="2017343"/>
             <a:ext cx="4645152" cy="3441520"/>
@@ -1348,40 +2462,54 @@
           <a:bodyPr/>
           <a:lstStyle/>
           <a:p>
-            <a:pPr lvl="0"/>
+            <a:pPr lvl="0">
+              <a:defRPr/>
+            </a:pPr>
             <a:r>
               <a:rPr lang="ru-RU"/>
               <a:t>Образец текста</a:t>
             </a:r>
-          </a:p>
-          <a:p>
-            <a:pPr lvl="1"/>
+            <a:endParaRPr/>
+          </a:p>
+          <a:p>
+            <a:pPr lvl="1">
+              <a:defRPr/>
+            </a:pPr>
             <a:r>
               <a:rPr lang="ru-RU"/>
               <a:t>Второй уровень</a:t>
             </a:r>
-          </a:p>
-          <a:p>
-            <a:pPr lvl="2"/>
+            <a:endParaRPr/>
+          </a:p>
+          <a:p>
+            <a:pPr lvl="2">
+              <a:defRPr/>
+            </a:pPr>
             <a:r>
               <a:rPr lang="ru-RU"/>
               <a:t>Третий уровень</a:t>
             </a:r>
-          </a:p>
-          <a:p>
-            <a:pPr lvl="3"/>
+            <a:endParaRPr/>
+          </a:p>
+          <a:p>
+            <a:pPr lvl="3">
+              <a:defRPr/>
+            </a:pPr>
             <a:r>
               <a:rPr lang="ru-RU"/>
               <a:t>Четвертый уровень</a:t>
             </a:r>
-          </a:p>
-          <a:p>
-            <a:pPr lvl="4"/>
+            <a:endParaRPr/>
+          </a:p>
+          <a:p>
+            <a:pPr lvl="4">
+              <a:defRPr/>
+            </a:pPr>
             <a:r>
               <a:rPr lang="ru-RU"/>
               <a:t>Пятый уровень</a:t>
             </a:r>
-            <a:endParaRPr lang="en-US" dirty="0"/>
+            <a:endParaRPr lang="en-US"/>
           </a:p>
         </p:txBody>
       </p:sp>
@@ -1395,16 +2523,19 @@
             <p:ph type="dt" sz="half" idx="10"/>
           </p:nvPr>
         </p:nvSpPr>
-        <p:spPr/>
-        <p:txBody>
-          <a:bodyPr/>
-          <a:lstStyle/>
-          <a:p>
+        <p:spPr bwMode="auto"/>
+        <p:txBody>
+          <a:bodyPr/>
+          <a:lstStyle/>
+          <a:p>
+            <a:pPr>
+              <a:defRPr/>
+            </a:pPr>
             <a:fld id="{48A87A34-81AB-432B-8DAE-1953F412C126}" type="datetimeFigureOut">
-              <a:rPr lang="en-US" dirty="0"/>
+              <a:rPr lang="en-US"/>
               <a:t>9/3/2024</a:t>
             </a:fld>
-            <a:endParaRPr lang="en-US" dirty="0"/>
+            <a:endParaRPr lang="en-US"/>
           </a:p>
         </p:txBody>
       </p:sp>
@@ -1418,12 +2549,15 @@
             <p:ph type="ftr" sz="quarter" idx="11"/>
           </p:nvPr>
         </p:nvSpPr>
-        <p:spPr/>
-        <p:txBody>
-          <a:bodyPr/>
-          <a:lstStyle/>
-          <a:p>
-            <a:endParaRPr lang="en-US" dirty="0"/>
+        <p:spPr bwMode="auto"/>
+        <p:txBody>
+          <a:bodyPr/>
+          <a:lstStyle/>
+          <a:p>
+            <a:pPr>
+              <a:defRPr/>
+            </a:pPr>
+            <a:endParaRPr lang="en-US"/>
           </a:p>
         </p:txBody>
       </p:sp>
@@ -1437,29 +2571,34 @@
             <p:ph type="sldNum" sz="quarter" idx="12"/>
           </p:nvPr>
         </p:nvSpPr>
-        <p:spPr/>
-        <p:txBody>
-          <a:bodyPr/>
-          <a:lstStyle/>
-          <a:p>
+        <p:spPr bwMode="auto"/>
+        <p:txBody>
+          <a:bodyPr/>
+          <a:lstStyle/>
+          <a:p>
+            <a:pPr>
+              <a:defRPr/>
+            </a:pPr>
             <a:fld id="{6D22F896-40B5-4ADD-8801-0D06FADFA095}" type="slidenum">
-              <a:rPr lang="en-US" dirty="0"/>
+              <a:rPr lang="en-US"/>
               <a:t>‹#›</a:t>
             </a:fld>
-            <a:endParaRPr lang="en-US" dirty="0"/>
+            <a:endParaRPr lang="en-US"/>
           </a:p>
         </p:txBody>
       </p:sp>
       <p:cxnSp>
         <p:nvCxnSpPr>
           <p:cNvPr id="35" name="Straight Connector 34"/>
-          <p:cNvCxnSpPr/>
+          <p:cNvCxnSpPr>
+            <a:cxnSpLocks/>
+          </p:cNvCxnSpPr>
           <p:nvPr/>
         </p:nvCxnSpPr>
-        <p:spPr>
+        <p:spPr bwMode="auto">
           <a:xfrm>
             <a:off x="1453896" y="1847088"/>
-            <a:ext cx="9607522" cy="0"/>
+            <a:ext cx="9607521" cy="0"/>
           </a:xfrm>
           <a:prstGeom prst="line">
             <a:avLst/>
@@ -1490,7 +2629,7 @@
 </file>
 
 <file path=ppt/slideLayouts/slideLayout5.xml><?xml version="1.0" encoding="utf-8"?>
-<p:sldLayout xmlns:a="http://schemas.openxmlformats.org/drawingml/2006/main" xmlns:r="http://schemas.openxmlformats.org/officeDocument/2006/relationships" xmlns:p="http://schemas.openxmlformats.org/presentationml/2006/main" type="twoTxTwoObj" preserve="1">
+<p:sldLayout xmlns:a="http://schemas.openxmlformats.org/drawingml/2006/main" xmlns:r="http://schemas.openxmlformats.org/officeDocument/2006/relationships" xmlns:p="http://schemas.openxmlformats.org/presentationml/2006/main" xmlns:m="http://schemas.openxmlformats.org/officeDocument/2006/math" xmlns:w="http://schemas.openxmlformats.org/wordprocessingml/2006/main" matchingName="" preserve="1" showMasterPhAnim="0" showMasterSp="1" type="twoTxTwoObj" userDrawn="1">
   <p:cSld name="Сравнение">
     <p:spTree>
       <p:nvGrpSpPr>
@@ -1498,7 +2637,7 @@
         <p:cNvGrpSpPr/>
         <p:nvPr/>
       </p:nvGrpSpPr>
-      <p:grpSpPr>
+      <p:grpSpPr bwMode="auto">
         <a:xfrm>
           <a:off x="0" y="0"/>
           <a:ext cx="0" cy="0"/>
@@ -1516,7 +2655,7 @@
             <p:ph type="title"/>
           </p:nvPr>
         </p:nvSpPr>
-        <p:spPr>
+        <p:spPr bwMode="auto">
           <a:xfrm>
             <a:off x="1447191" y="804163"/>
             <a:ext cx="9607661" cy="1056319"/>
@@ -1526,11 +2665,14 @@
           <a:bodyPr/>
           <a:lstStyle/>
           <a:p>
+            <a:pPr>
+              <a:defRPr/>
+            </a:pPr>
             <a:r>
               <a:rPr lang="ru-RU"/>
               <a:t>Образец заголовка</a:t>
             </a:r>
-            <a:endParaRPr lang="en-US" dirty="0"/>
+            <a:endParaRPr lang="en-US"/>
           </a:p>
         </p:txBody>
       </p:sp>
@@ -1544,7 +2686,7 @@
             <p:ph type="body" idx="1"/>
           </p:nvPr>
         </p:nvSpPr>
-        <p:spPr>
+        <p:spPr bwMode="auto">
           <a:xfrm>
             <a:off x="1447191" y="2019549"/>
             <a:ext cx="4645152" cy="801943"/>
@@ -1560,7 +2702,7 @@
                 <a:spcPct val="100000"/>
               </a:lnSpc>
               <a:buNone/>
-              <a:defRPr sz="2200" b="0" cap="all" baseline="0">
+              <a:defRPr sz="2200" b="0" cap="all">
                 <a:solidFill>
                   <a:schemeClr val="accent1"/>
                 </a:solidFill>
@@ -1600,11 +2742,14 @@
             </a:lvl9pPr>
           </a:lstStyle>
           <a:p>
-            <a:pPr lvl="0"/>
+            <a:pPr lvl="0">
+              <a:defRPr/>
+            </a:pPr>
             <a:r>
               <a:rPr lang="ru-RU"/>
               <a:t>Образец текста</a:t>
             </a:r>
+            <a:endParaRPr/>
           </a:p>
         </p:txBody>
       </p:sp>
@@ -1618,7 +2763,7 @@
             <p:ph sz="half" idx="2"/>
           </p:nvPr>
         </p:nvSpPr>
-        <p:spPr>
+        <p:spPr bwMode="auto">
           <a:xfrm>
             <a:off x="1447191" y="2824269"/>
             <a:ext cx="4645152" cy="2644457"/>
@@ -1628,40 +2773,54 @@
           <a:bodyPr/>
           <a:lstStyle/>
           <a:p>
-            <a:pPr lvl="0"/>
+            <a:pPr lvl="0">
+              <a:defRPr/>
+            </a:pPr>
             <a:r>
               <a:rPr lang="ru-RU"/>
               <a:t>Образец текста</a:t>
             </a:r>
-          </a:p>
-          <a:p>
-            <a:pPr lvl="1"/>
+            <a:endParaRPr/>
+          </a:p>
+          <a:p>
+            <a:pPr lvl="1">
+              <a:defRPr/>
+            </a:pPr>
             <a:r>
               <a:rPr lang="ru-RU"/>
               <a:t>Второй уровень</a:t>
             </a:r>
-          </a:p>
-          <a:p>
-            <a:pPr lvl="2"/>
+            <a:endParaRPr/>
+          </a:p>
+          <a:p>
+            <a:pPr lvl="2">
+              <a:defRPr/>
+            </a:pPr>
             <a:r>
               <a:rPr lang="ru-RU"/>
               <a:t>Третий уровень</a:t>
             </a:r>
-          </a:p>
-          <a:p>
-            <a:pPr lvl="3"/>
+            <a:endParaRPr/>
+          </a:p>
+          <a:p>
+            <a:pPr lvl="3">
+              <a:defRPr/>
+            </a:pPr>
             <a:r>
               <a:rPr lang="ru-RU"/>
               <a:t>Четвертый уровень</a:t>
             </a:r>
-          </a:p>
-          <a:p>
-            <a:pPr lvl="4"/>
+            <a:endParaRPr/>
+          </a:p>
+          <a:p>
+            <a:pPr lvl="4">
+              <a:defRPr/>
+            </a:pPr>
             <a:r>
               <a:rPr lang="ru-RU"/>
               <a:t>Пятый уровень</a:t>
             </a:r>
-            <a:endParaRPr lang="en-US" dirty="0"/>
+            <a:endParaRPr lang="en-US"/>
           </a:p>
         </p:txBody>
       </p:sp>
@@ -1675,9 +2834,9 @@
             <p:ph type="body" sz="quarter" idx="3"/>
           </p:nvPr>
         </p:nvSpPr>
-        <p:spPr>
+        <p:spPr bwMode="auto">
           <a:xfrm>
-            <a:off x="6412362" y="2023003"/>
+            <a:off x="6412361" y="2023003"/>
             <a:ext cx="4645152" cy="802237"/>
           </a:xfrm>
         </p:spPr>
@@ -1691,7 +2850,7 @@
                 <a:spcPct val="100000"/>
               </a:lnSpc>
               <a:buNone/>
-              <a:defRPr sz="2200" b="0" cap="all" baseline="0">
+              <a:defRPr sz="2200" b="0" cap="all">
                 <a:solidFill>
                   <a:schemeClr val="accent1"/>
                 </a:solidFill>
@@ -1731,11 +2890,14 @@
             </a:lvl9pPr>
           </a:lstStyle>
           <a:p>
-            <a:pPr lvl="0"/>
+            <a:pPr lvl="0">
+              <a:defRPr/>
+            </a:pPr>
             <a:r>
               <a:rPr lang="ru-RU"/>
               <a:t>Образец текста</a:t>
             </a:r>
+            <a:endParaRPr/>
           </a:p>
         </p:txBody>
       </p:sp>
@@ -1749,9 +2911,9 @@
             <p:ph sz="quarter" idx="4"/>
           </p:nvPr>
         </p:nvSpPr>
-        <p:spPr>
+        <p:spPr bwMode="auto">
           <a:xfrm>
-            <a:off x="6412362" y="2821491"/>
+            <a:off x="6412361" y="2821491"/>
             <a:ext cx="4645152" cy="2637371"/>
           </a:xfrm>
         </p:spPr>
@@ -1759,40 +2921,54 @@
           <a:bodyPr/>
           <a:lstStyle/>
           <a:p>
-            <a:pPr lvl="0"/>
+            <a:pPr lvl="0">
+              <a:defRPr/>
+            </a:pPr>
             <a:r>
               <a:rPr lang="ru-RU"/>
               <a:t>Образец текста</a:t>
             </a:r>
-          </a:p>
-          <a:p>
-            <a:pPr lvl="1"/>
+            <a:endParaRPr/>
+          </a:p>
+          <a:p>
+            <a:pPr lvl="1">
+              <a:defRPr/>
+            </a:pPr>
             <a:r>
               <a:rPr lang="ru-RU"/>
               <a:t>Второй уровень</a:t>
             </a:r>
-          </a:p>
-          <a:p>
-            <a:pPr lvl="2"/>
+            <a:endParaRPr/>
+          </a:p>
+          <a:p>
+            <a:pPr lvl="2">
+              <a:defRPr/>
+            </a:pPr>
             <a:r>
               <a:rPr lang="ru-RU"/>
               <a:t>Третий уровень</a:t>
             </a:r>
-          </a:p>
-          <a:p>
-            <a:pPr lvl="3"/>
+            <a:endParaRPr/>
+          </a:p>
+          <a:p>
+            <a:pPr lvl="3">
+              <a:defRPr/>
+            </a:pPr>
             <a:r>
               <a:rPr lang="ru-RU"/>
               <a:t>Четвертый уровень</a:t>
             </a:r>
-          </a:p>
-          <a:p>
-            <a:pPr lvl="4"/>
+            <a:endParaRPr/>
+          </a:p>
+          <a:p>
+            <a:pPr lvl="4">
+              <a:defRPr/>
+            </a:pPr>
             <a:r>
               <a:rPr lang="ru-RU"/>
               <a:t>Пятый уровень</a:t>
             </a:r>
-            <a:endParaRPr lang="en-US" dirty="0"/>
+            <a:endParaRPr lang="en-US"/>
           </a:p>
         </p:txBody>
       </p:sp>
@@ -1806,16 +2982,19 @@
             <p:ph type="dt" sz="half" idx="10"/>
           </p:nvPr>
         </p:nvSpPr>
-        <p:spPr/>
-        <p:txBody>
-          <a:bodyPr/>
-          <a:lstStyle/>
-          <a:p>
+        <p:spPr bwMode="auto"/>
+        <p:txBody>
+          <a:bodyPr/>
+          <a:lstStyle/>
+          <a:p>
+            <a:pPr>
+              <a:defRPr/>
+            </a:pPr>
             <a:fld id="{48A87A34-81AB-432B-8DAE-1953F412C126}" type="datetimeFigureOut">
-              <a:rPr lang="en-US" dirty="0"/>
+              <a:rPr lang="en-US"/>
               <a:t>9/3/2024</a:t>
             </a:fld>
-            <a:endParaRPr lang="en-US" dirty="0"/>
+            <a:endParaRPr lang="en-US"/>
           </a:p>
         </p:txBody>
       </p:sp>
@@ -1829,12 +3008,15 @@
             <p:ph type="ftr" sz="quarter" idx="11"/>
           </p:nvPr>
         </p:nvSpPr>
-        <p:spPr/>
-        <p:txBody>
-          <a:bodyPr/>
-          <a:lstStyle/>
-          <a:p>
-            <a:endParaRPr lang="en-US" dirty="0"/>
+        <p:spPr bwMode="auto"/>
+        <p:txBody>
+          <a:bodyPr/>
+          <a:lstStyle/>
+          <a:p>
+            <a:pPr>
+              <a:defRPr/>
+            </a:pPr>
+            <a:endParaRPr lang="en-US"/>
           </a:p>
         </p:txBody>
       </p:sp>
@@ -1848,29 +3030,34 @@
             <p:ph type="sldNum" sz="quarter" idx="12"/>
           </p:nvPr>
         </p:nvSpPr>
-        <p:spPr/>
-        <p:txBody>
-          <a:bodyPr/>
-          <a:lstStyle/>
-          <a:p>
+        <p:spPr bwMode="auto"/>
+        <p:txBody>
+          <a:bodyPr/>
+          <a:lstStyle/>
+          <a:p>
+            <a:pPr>
+              <a:defRPr/>
+            </a:pPr>
             <a:fld id="{6D22F896-40B5-4ADD-8801-0D06FADFA095}" type="slidenum">
-              <a:rPr lang="en-US" dirty="0"/>
+              <a:rPr lang="en-US"/>
               <a:t>‹#›</a:t>
             </a:fld>
-            <a:endParaRPr lang="en-US" dirty="0"/>
+            <a:endParaRPr lang="en-US"/>
           </a:p>
         </p:txBody>
       </p:sp>
       <p:cxnSp>
         <p:nvCxnSpPr>
           <p:cNvPr id="29" name="Straight Connector 28"/>
-          <p:cNvCxnSpPr/>
+          <p:cNvCxnSpPr>
+            <a:cxnSpLocks/>
+          </p:cNvCxnSpPr>
           <p:nvPr/>
         </p:nvCxnSpPr>
-        <p:spPr>
+        <p:spPr bwMode="auto">
           <a:xfrm>
             <a:off x="1453896" y="1847088"/>
-            <a:ext cx="9607522" cy="0"/>
+            <a:ext cx="9607521" cy="0"/>
           </a:xfrm>
           <a:prstGeom prst="line">
             <a:avLst/>
@@ -1901,7 +3088,7 @@
 </file>
 
 <file path=ppt/slideLayouts/slideLayout6.xml><?xml version="1.0" encoding="utf-8"?>
-<p:sldLayout xmlns:a="http://schemas.openxmlformats.org/drawingml/2006/main" xmlns:r="http://schemas.openxmlformats.org/officeDocument/2006/relationships" xmlns:p="http://schemas.openxmlformats.org/presentationml/2006/main" type="titleOnly" preserve="1">
+<p:sldLayout xmlns:a="http://schemas.openxmlformats.org/drawingml/2006/main" xmlns:r="http://schemas.openxmlformats.org/officeDocument/2006/relationships" xmlns:p="http://schemas.openxmlformats.org/presentationml/2006/main" xmlns:m="http://schemas.openxmlformats.org/officeDocument/2006/math" xmlns:w="http://schemas.openxmlformats.org/wordprocessingml/2006/main" matchingName="" preserve="1" showMasterPhAnim="0" showMasterSp="1" type="titleOnly" userDrawn="1">
   <p:cSld name="Только заголовок">
     <p:spTree>
       <p:nvGrpSpPr>
@@ -1909,7 +3096,7 @@
         <p:cNvGrpSpPr/>
         <p:nvPr/>
       </p:nvGrpSpPr>
-      <p:grpSpPr>
+      <p:grpSpPr bwMode="auto">
         <a:xfrm>
           <a:off x="0" y="0"/>
           <a:ext cx="0" cy="0"/>
@@ -1927,16 +3114,19 @@
             <p:ph type="title"/>
           </p:nvPr>
         </p:nvSpPr>
-        <p:spPr/>
-        <p:txBody>
-          <a:bodyPr/>
-          <a:lstStyle/>
-          <a:p>
+        <p:spPr bwMode="auto"/>
+        <p:txBody>
+          <a:bodyPr/>
+          <a:lstStyle/>
+          <a:p>
+            <a:pPr>
+              <a:defRPr/>
+            </a:pPr>
             <a:r>
               <a:rPr lang="ru-RU"/>
               <a:t>Образец заголовка</a:t>
             </a:r>
-            <a:endParaRPr lang="en-US" dirty="0"/>
+            <a:endParaRPr lang="en-US"/>
           </a:p>
         </p:txBody>
       </p:sp>
@@ -1950,16 +3140,19 @@
             <p:ph type="dt" sz="half" idx="10"/>
           </p:nvPr>
         </p:nvSpPr>
-        <p:spPr/>
-        <p:txBody>
-          <a:bodyPr/>
-          <a:lstStyle/>
-          <a:p>
+        <p:spPr bwMode="auto"/>
+        <p:txBody>
+          <a:bodyPr/>
+          <a:lstStyle/>
+          <a:p>
+            <a:pPr>
+              <a:defRPr/>
+            </a:pPr>
             <a:fld id="{48A87A34-81AB-432B-8DAE-1953F412C126}" type="datetimeFigureOut">
-              <a:rPr lang="en-US" dirty="0"/>
+              <a:rPr lang="en-US"/>
               <a:t>9/3/2024</a:t>
             </a:fld>
-            <a:endParaRPr lang="en-US" dirty="0"/>
+            <a:endParaRPr lang="en-US"/>
           </a:p>
         </p:txBody>
       </p:sp>
@@ -1973,12 +3166,15 @@
             <p:ph type="ftr" sz="quarter" idx="11"/>
           </p:nvPr>
         </p:nvSpPr>
-        <p:spPr/>
-        <p:txBody>
-          <a:bodyPr/>
-          <a:lstStyle/>
-          <a:p>
-            <a:endParaRPr lang="en-US" dirty="0"/>
+        <p:spPr bwMode="auto"/>
+        <p:txBody>
+          <a:bodyPr/>
+          <a:lstStyle/>
+          <a:p>
+            <a:pPr>
+              <a:defRPr/>
+            </a:pPr>
+            <a:endParaRPr lang="en-US"/>
           </a:p>
         </p:txBody>
       </p:sp>
@@ -1992,29 +3188,34 @@
             <p:ph type="sldNum" sz="quarter" idx="12"/>
           </p:nvPr>
         </p:nvSpPr>
-        <p:spPr/>
-        <p:txBody>
-          <a:bodyPr/>
-          <a:lstStyle/>
-          <a:p>
+        <p:spPr bwMode="auto"/>
+        <p:txBody>
+          <a:bodyPr/>
+          <a:lstStyle/>
+          <a:p>
+            <a:pPr>
+              <a:defRPr/>
+            </a:pPr>
             <a:fld id="{6D22F896-40B5-4ADD-8801-0D06FADFA095}" type="slidenum">
-              <a:rPr lang="en-US" dirty="0"/>
+              <a:rPr lang="en-US"/>
               <a:t>‹#›</a:t>
             </a:fld>
-            <a:endParaRPr lang="en-US" dirty="0"/>
+            <a:endParaRPr lang="en-US"/>
           </a:p>
         </p:txBody>
       </p:sp>
       <p:cxnSp>
         <p:nvCxnSpPr>
           <p:cNvPr id="25" name="Straight Connector 24"/>
-          <p:cNvCxnSpPr/>
+          <p:cNvCxnSpPr>
+            <a:cxnSpLocks/>
+          </p:cNvCxnSpPr>
           <p:nvPr/>
         </p:nvCxnSpPr>
-        <p:spPr>
+        <p:spPr bwMode="auto">
           <a:xfrm>
             <a:off x="1453896" y="1847088"/>
-            <a:ext cx="9607522" cy="0"/>
+            <a:ext cx="9607521" cy="0"/>
           </a:xfrm>
           <a:prstGeom prst="line">
             <a:avLst/>
@@ -2045,7 +3246,7 @@
 </file>
 
 <file path=ppt/slideLayouts/slideLayout7.xml><?xml version="1.0" encoding="utf-8"?>
-<p:sldLayout xmlns:a="http://schemas.openxmlformats.org/drawingml/2006/main" xmlns:r="http://schemas.openxmlformats.org/officeDocument/2006/relationships" xmlns:p="http://schemas.openxmlformats.org/presentationml/2006/main" type="blank" preserve="1">
+<p:sldLayout xmlns:a="http://schemas.openxmlformats.org/drawingml/2006/main" xmlns:r="http://schemas.openxmlformats.org/officeDocument/2006/relationships" xmlns:p="http://schemas.openxmlformats.org/presentationml/2006/main" xmlns:m="http://schemas.openxmlformats.org/officeDocument/2006/math" xmlns:w="http://schemas.openxmlformats.org/wordprocessingml/2006/main" matchingName="" preserve="1" showMasterPhAnim="0" showMasterSp="1" type="blank" userDrawn="1">
   <p:cSld name="Пустой слайд">
     <p:spTree>
       <p:nvGrpSpPr>
@@ -2053,7 +3254,7 @@
         <p:cNvGrpSpPr/>
         <p:nvPr/>
       </p:nvGrpSpPr>
-      <p:grpSpPr>
+      <p:grpSpPr bwMode="auto">
         <a:xfrm>
           <a:off x="0" y="0"/>
           <a:ext cx="0" cy="0"/>
@@ -2071,16 +3272,19 @@
             <p:ph type="dt" sz="half" idx="10"/>
           </p:nvPr>
         </p:nvSpPr>
-        <p:spPr/>
-        <p:txBody>
-          <a:bodyPr/>
-          <a:lstStyle/>
-          <a:p>
+        <p:spPr bwMode="auto"/>
+        <p:txBody>
+          <a:bodyPr/>
+          <a:lstStyle/>
+          <a:p>
+            <a:pPr>
+              <a:defRPr/>
+            </a:pPr>
             <a:fld id="{48A87A34-81AB-432B-8DAE-1953F412C126}" type="datetimeFigureOut">
-              <a:rPr lang="en-US" dirty="0"/>
+              <a:rPr lang="en-US"/>
               <a:t>9/3/2024</a:t>
             </a:fld>
-            <a:endParaRPr lang="en-US" dirty="0"/>
+            <a:endParaRPr lang="en-US"/>
           </a:p>
         </p:txBody>
       </p:sp>
@@ -2094,12 +3298,15 @@
             <p:ph type="ftr" sz="quarter" idx="11"/>
           </p:nvPr>
         </p:nvSpPr>
-        <p:spPr/>
-        <p:txBody>
-          <a:bodyPr/>
-          <a:lstStyle/>
-          <a:p>
-            <a:endParaRPr lang="en-US" dirty="0"/>
+        <p:spPr bwMode="auto"/>
+        <p:txBody>
+          <a:bodyPr/>
+          <a:lstStyle/>
+          <a:p>
+            <a:pPr>
+              <a:defRPr/>
+            </a:pPr>
+            <a:endParaRPr lang="en-US"/>
           </a:p>
         </p:txBody>
       </p:sp>
@@ -2113,16 +3320,19 @@
             <p:ph type="sldNum" sz="quarter" idx="12"/>
           </p:nvPr>
         </p:nvSpPr>
-        <p:spPr/>
-        <p:txBody>
-          <a:bodyPr/>
-          <a:lstStyle/>
-          <a:p>
+        <p:spPr bwMode="auto"/>
+        <p:txBody>
+          <a:bodyPr/>
+          <a:lstStyle/>
+          <a:p>
+            <a:pPr>
+              <a:defRPr/>
+            </a:pPr>
             <a:fld id="{6D22F896-40B5-4ADD-8801-0D06FADFA095}" type="slidenum">
-              <a:rPr lang="en-US" dirty="0"/>
+              <a:rPr lang="en-US"/>
               <a:t>‹#›</a:t>
             </a:fld>
-            <a:endParaRPr lang="en-US" dirty="0"/>
+            <a:endParaRPr lang="en-US"/>
           </a:p>
         </p:txBody>
       </p:sp>
@@ -2135,7 +3345,7 @@
 </file>
 
 <file path=ppt/slideLayouts/slideLayout8.xml><?xml version="1.0" encoding="utf-8"?>
-<p:sldLayout xmlns:a="http://schemas.openxmlformats.org/drawingml/2006/main" xmlns:r="http://schemas.openxmlformats.org/officeDocument/2006/relationships" xmlns:p="http://schemas.openxmlformats.org/presentationml/2006/main" type="objTx" preserve="1">
+<p:sldLayout xmlns:a="http://schemas.openxmlformats.org/drawingml/2006/main" xmlns:r="http://schemas.openxmlformats.org/officeDocument/2006/relationships" xmlns:p="http://schemas.openxmlformats.org/presentationml/2006/main" xmlns:m="http://schemas.openxmlformats.org/officeDocument/2006/math" xmlns:w="http://schemas.openxmlformats.org/wordprocessingml/2006/main" matchingName="" preserve="1" showMasterPhAnim="0" showMasterSp="1" type="objTx" userDrawn="1">
   <p:cSld name="Объект с подписью">
     <p:spTree>
       <p:nvGrpSpPr>
@@ -2143,7 +3353,7 @@
         <p:cNvGrpSpPr/>
         <p:nvPr/>
       </p:nvGrpSpPr>
-      <p:grpSpPr>
+      <p:grpSpPr bwMode="auto">
         <a:xfrm>
           <a:off x="0" y="0"/>
           <a:ext cx="0" cy="0"/>
@@ -2161,7 +3371,7 @@
             <p:ph type="title"/>
           </p:nvPr>
         </p:nvSpPr>
-        <p:spPr>
+        <p:spPr bwMode="auto">
           <a:xfrm>
             <a:off x="1444671" y="798973"/>
             <a:ext cx="3273099" cy="2247117"/>
@@ -2177,11 +3387,14 @@
             </a:lvl1pPr>
           </a:lstStyle>
           <a:p>
+            <a:pPr>
+              <a:defRPr/>
+            </a:pPr>
             <a:r>
               <a:rPr lang="ru-RU"/>
               <a:t>Образец заголовка</a:t>
             </a:r>
-            <a:endParaRPr lang="en-US" dirty="0"/>
+            <a:endParaRPr lang="en-US"/>
           </a:p>
         </p:txBody>
       </p:sp>
@@ -2195,7 +3408,7 @@
             <p:ph idx="1"/>
           </p:nvPr>
         </p:nvSpPr>
-        <p:spPr>
+        <p:spPr bwMode="auto">
           <a:xfrm>
             <a:off x="5043714" y="798974"/>
             <a:ext cx="6012470" cy="4658826"/>
@@ -2205,40 +3418,54 @@
           <a:bodyPr anchor="ctr"/>
           <a:lstStyle/>
           <a:p>
-            <a:pPr lvl="0"/>
+            <a:pPr lvl="0">
+              <a:defRPr/>
+            </a:pPr>
             <a:r>
               <a:rPr lang="ru-RU"/>
               <a:t>Образец текста</a:t>
             </a:r>
-          </a:p>
-          <a:p>
-            <a:pPr lvl="1"/>
+            <a:endParaRPr/>
+          </a:p>
+          <a:p>
+            <a:pPr lvl="1">
+              <a:defRPr/>
+            </a:pPr>
             <a:r>
               <a:rPr lang="ru-RU"/>
               <a:t>Второй уровень</a:t>
             </a:r>
-          </a:p>
-          <a:p>
-            <a:pPr lvl="2"/>
+            <a:endParaRPr/>
+          </a:p>
+          <a:p>
+            <a:pPr lvl="2">
+              <a:defRPr/>
+            </a:pPr>
             <a:r>
               <a:rPr lang="ru-RU"/>
               <a:t>Третий уровень</a:t>
             </a:r>
-          </a:p>
-          <a:p>
-            <a:pPr lvl="3"/>
+            <a:endParaRPr/>
+          </a:p>
+          <a:p>
+            <a:pPr lvl="3">
+              <a:defRPr/>
+            </a:pPr>
             <a:r>
               <a:rPr lang="ru-RU"/>
               <a:t>Четвертый уровень</a:t>
             </a:r>
-          </a:p>
-          <a:p>
-            <a:pPr lvl="4"/>
+            <a:endParaRPr/>
+          </a:p>
+          <a:p>
+            <a:pPr lvl="4">
+              <a:defRPr/>
+            </a:pPr>
             <a:r>
               <a:rPr lang="ru-RU"/>
               <a:t>Пятый уровень</a:t>
             </a:r>
-            <a:endParaRPr lang="en-US" dirty="0"/>
+            <a:endParaRPr lang="en-US"/>
           </a:p>
         </p:txBody>
       </p:sp>
@@ -2252,7 +3479,7 @@
             <p:ph type="body" sz="half" idx="2"/>
           </p:nvPr>
         </p:nvSpPr>
-        <p:spPr>
+        <p:spPr bwMode="auto">
           <a:xfrm>
             <a:off x="1444671" y="3205491"/>
             <a:ext cx="3275013" cy="2248181"/>
@@ -2299,11 +3526,14 @@
             </a:lvl9pPr>
           </a:lstStyle>
           <a:p>
-            <a:pPr lvl="0"/>
+            <a:pPr lvl="0">
+              <a:defRPr/>
+            </a:pPr>
             <a:r>
               <a:rPr lang="ru-RU"/>
               <a:t>Образец текста</a:t>
             </a:r>
+            <a:endParaRPr/>
           </a:p>
         </p:txBody>
       </p:sp>
@@ -2317,16 +3547,19 @@
             <p:ph type="dt" sz="half" idx="10"/>
           </p:nvPr>
         </p:nvSpPr>
-        <p:spPr/>
-        <p:txBody>
-          <a:bodyPr/>
-          <a:lstStyle/>
-          <a:p>
+        <p:spPr bwMode="auto"/>
+        <p:txBody>
+          <a:bodyPr/>
+          <a:lstStyle/>
+          <a:p>
+            <a:pPr>
+              <a:defRPr/>
+            </a:pPr>
             <a:fld id="{48A87A34-81AB-432B-8DAE-1953F412C126}" type="datetimeFigureOut">
-              <a:rPr lang="en-US" dirty="0"/>
+              <a:rPr lang="en-US"/>
               <a:t>9/3/2024</a:t>
             </a:fld>
-            <a:endParaRPr lang="en-US" dirty="0"/>
+            <a:endParaRPr lang="en-US"/>
           </a:p>
         </p:txBody>
       </p:sp>
@@ -2340,12 +3573,15 @@
             <p:ph type="ftr" sz="quarter" idx="11"/>
           </p:nvPr>
         </p:nvSpPr>
-        <p:spPr/>
-        <p:txBody>
-          <a:bodyPr/>
-          <a:lstStyle/>
-          <a:p>
-            <a:endParaRPr lang="en-US" dirty="0"/>
+        <p:spPr bwMode="auto"/>
+        <p:txBody>
+          <a:bodyPr/>
+          <a:lstStyle/>
+          <a:p>
+            <a:pPr>
+              <a:defRPr/>
+            </a:pPr>
+            <a:endParaRPr lang="en-US"/>
           </a:p>
         </p:txBody>
       </p:sp>
@@ -2359,26 +3595,31 @@
             <p:ph type="sldNum" sz="quarter" idx="12"/>
           </p:nvPr>
         </p:nvSpPr>
-        <p:spPr/>
-        <p:txBody>
-          <a:bodyPr/>
-          <a:lstStyle/>
-          <a:p>
+        <p:spPr bwMode="auto"/>
+        <p:txBody>
+          <a:bodyPr/>
+          <a:lstStyle/>
+          <a:p>
+            <a:pPr>
+              <a:defRPr/>
+            </a:pPr>
             <a:fld id="{6D22F896-40B5-4ADD-8801-0D06FADFA095}" type="slidenum">
-              <a:rPr lang="en-US" dirty="0"/>
+              <a:rPr lang="en-US"/>
               <a:t>‹#›</a:t>
             </a:fld>
-            <a:endParaRPr lang="en-US" dirty="0"/>
+            <a:endParaRPr lang="en-US"/>
           </a:p>
         </p:txBody>
       </p:sp>
       <p:cxnSp>
         <p:nvCxnSpPr>
           <p:cNvPr id="17" name="Straight Connector 16"/>
-          <p:cNvCxnSpPr/>
+          <p:cNvCxnSpPr>
+            <a:cxnSpLocks/>
+          </p:cNvCxnSpPr>
           <p:nvPr/>
         </p:nvCxnSpPr>
-        <p:spPr>
+        <p:spPr bwMode="auto">
           <a:xfrm>
             <a:off x="1448280" y="3205491"/>
             <a:ext cx="3269490" cy="0"/>
@@ -2412,7 +3653,7 @@
 </file>
 
 <file path=ppt/slideLayouts/slideLayout9.xml><?xml version="1.0" encoding="utf-8"?>
-<p:sldLayout xmlns:a="http://schemas.openxmlformats.org/drawingml/2006/main" xmlns:r="http://schemas.openxmlformats.org/officeDocument/2006/relationships" xmlns:p="http://schemas.openxmlformats.org/presentationml/2006/main" type="picTx" preserve="1">
+<p:sldLayout xmlns:a="http://schemas.openxmlformats.org/drawingml/2006/main" xmlns:r="http://schemas.openxmlformats.org/officeDocument/2006/relationships" xmlns:p="http://schemas.openxmlformats.org/presentationml/2006/main" xmlns:m="http://schemas.openxmlformats.org/officeDocument/2006/math" xmlns:w="http://schemas.openxmlformats.org/wordprocessingml/2006/main" matchingName="" preserve="1" showMasterPhAnim="0" showMasterSp="1" type="picTx" userDrawn="1">
   <p:cSld name="Рисунок с подписью">
     <p:spTree>
       <p:nvGrpSpPr>
@@ -2420,7 +3661,7 @@
         <p:cNvGrpSpPr/>
         <p:nvPr/>
       </p:nvGrpSpPr>
-      <p:grpSpPr>
+      <p:grpSpPr bwMode="auto">
         <a:xfrm>
           <a:off x="0" y="0"/>
           <a:ext cx="0" cy="0"/>
@@ -2434,11 +3675,11 @@
           <p:cNvGrpSpPr/>
           <p:nvPr/>
         </p:nvGrpSpPr>
-        <p:grpSpPr>
+        <p:grpSpPr bwMode="auto">
           <a:xfrm>
-            <a:off x="7477387" y="482170"/>
+            <a:off x="7477386" y="482170"/>
             <a:ext cx="4074533" cy="5149101"/>
-            <a:chOff x="7477387" y="482170"/>
+            <a:chOff x="7477386" y="482170"/>
             <a:chExt cx="4074533" cy="5149101"/>
           </a:xfrm>
         </p:grpSpPr>
@@ -2450,7 +3691,7 @@
           </p:nvSpPr>
           <p:spPr bwMode="black">
             <a:xfrm>
-              <a:off x="7477387" y="482170"/>
+              <a:off x="7477386" y="482170"/>
               <a:ext cx="4074533" cy="5149101"/>
             </a:xfrm>
             <a:prstGeom prst="rect">
@@ -2477,13 +3718,6 @@
                 </a:srgbClr>
               </a:outerShdw>
             </a:effectLst>
-            <a:scene3d>
-              <a:camera prst="orthographicFront"/>
-              <a:lightRig rig="threePt" dir="t"/>
-            </a:scene3d>
-            <a:sp3d>
-              <a:bevelT w="152400" h="50800" prst="softRound"/>
-            </a:sp3d>
           </p:spPr>
           <p:style>
             <a:lnRef idx="1">
@@ -2538,13 +3772,6 @@
                 </a:srgbClr>
               </a:innerShdw>
             </a:effectLst>
-            <a:scene3d>
-              <a:camera prst="orthographicFront"/>
-              <a:lightRig rig="threePt" dir="t"/>
-            </a:scene3d>
-            <a:sp3d>
-              <a:bevelT prst="relaxedInset"/>
-            </a:sp3d>
           </p:spPr>
           <p:style>
             <a:lnRef idx="1">
@@ -2572,7 +3799,7 @@
             <p:ph type="title"/>
           </p:nvPr>
         </p:nvSpPr>
-        <p:spPr>
+        <p:spPr bwMode="auto">
           <a:xfrm>
             <a:off x="1451206" y="1129513"/>
             <a:ext cx="5532328" cy="1830584"/>
@@ -2588,11 +3815,14 @@
             </a:lvl1pPr>
           </a:lstStyle>
           <a:p>
+            <a:pPr>
+              <a:defRPr/>
+            </a:pPr>
             <a:r>
               <a:rPr lang="ru-RU"/>
               <a:t>Образец заголовка</a:t>
             </a:r>
-            <a:endParaRPr lang="en-US" dirty="0"/>
+            <a:endParaRPr lang="en-US"/>
           </a:p>
         </p:txBody>
       </p:sp>
@@ -2600,17 +3830,20 @@
         <p:nvSpPr>
           <p:cNvPr id="3" name="Picture Placeholder 2"/>
           <p:cNvSpPr>
-            <a:spLocks noGrp="1" noChangeAspect="1"/>
+            <a:spLocks noChangeAspect="1" noGrp="1"/>
           </p:cNvSpPr>
           <p:nvPr>
             <p:ph type="pic" idx="1"/>
           </p:nvPr>
         </p:nvSpPr>
-        <p:spPr>
+        <p:spPr bwMode="auto">
           <a:xfrm>
             <a:off x="8124389" y="1122542"/>
             <a:ext cx="2791171" cy="3866327"/>
           </a:xfrm>
+          <a:prstGeom prst="rect">
+            <a:avLst/>
+          </a:prstGeom>
           <a:solidFill>
             <a:schemeClr val="bg1">
               <a:lumMod val="85000"/>
@@ -2663,11 +3896,14 @@
             </a:lvl9pPr>
           </a:lstStyle>
           <a:p>
+            <a:pPr>
+              <a:defRPr/>
+            </a:pPr>
             <a:r>
               <a:rPr lang="ru-RU"/>
               <a:t>Вставка рисунка</a:t>
             </a:r>
-            <a:endParaRPr lang="en-US" dirty="0"/>
+            <a:endParaRPr lang="en-US"/>
           </a:p>
         </p:txBody>
       </p:sp>
@@ -2681,7 +3917,7 @@
             <p:ph type="body" sz="half" idx="2"/>
           </p:nvPr>
         </p:nvSpPr>
-        <p:spPr>
+        <p:spPr bwMode="auto">
           <a:xfrm>
             <a:off x="1450329" y="3145992"/>
             <a:ext cx="5524404" cy="2003742"/>
@@ -2730,11 +3966,14 @@
             </a:lvl9pPr>
           </a:lstStyle>
           <a:p>
-            <a:pPr lvl="0"/>
+            <a:pPr lvl="0">
+              <a:defRPr/>
+            </a:pPr>
             <a:r>
               <a:rPr lang="ru-RU"/>
               <a:t>Образец текста</a:t>
             </a:r>
+            <a:endParaRPr/>
           </a:p>
         </p:txBody>
       </p:sp>
@@ -2748,7 +3987,7 @@
             <p:ph type="dt" sz="half" idx="10"/>
           </p:nvPr>
         </p:nvSpPr>
-        <p:spPr>
+        <p:spPr bwMode="auto">
           <a:xfrm>
             <a:off x="1447382" y="5469856"/>
             <a:ext cx="5527351" cy="320123"/>
@@ -2762,12 +4001,14 @@
             </a:lvl1pPr>
           </a:lstStyle>
           <a:p>
+            <a:pPr>
+              <a:defRPr/>
+            </a:pPr>
             <a:fld id="{48A87A34-81AB-432B-8DAE-1953F412C126}" type="datetimeFigureOut">
-              <a:rPr lang="en-US" dirty="0"/>
-              <a:pPr/>
+              <a:rPr lang="en-US"/>
               <a:t>9/3/2024</a:t>
             </a:fld>
-            <a:endParaRPr lang="en-US" dirty="0"/>
+            <a:endParaRPr lang="en-US"/>
           </a:p>
         </p:txBody>
       </p:sp>
@@ -2781,7 +4022,7 @@
             <p:ph type="ftr" sz="quarter" idx="11"/>
           </p:nvPr>
         </p:nvSpPr>
-        <p:spPr>
+        <p:spPr bwMode="auto">
           <a:xfrm>
             <a:off x="1447382" y="318640"/>
             <a:ext cx="5541004" cy="320931"/>
@@ -2791,7 +4032,10 @@
           <a:bodyPr/>
           <a:lstStyle/>
           <a:p>
-            <a:endParaRPr lang="en-US" dirty="0"/>
+            <a:pPr>
+              <a:defRPr/>
+            </a:pPr>
+            <a:endParaRPr lang="en-US"/>
           </a:p>
         </p:txBody>
       </p:sp>
@@ -2805,26 +4049,31 @@
             <p:ph type="sldNum" sz="quarter" idx="12"/>
           </p:nvPr>
         </p:nvSpPr>
-        <p:spPr/>
-        <p:txBody>
-          <a:bodyPr/>
-          <a:lstStyle/>
-          <a:p>
+        <p:spPr bwMode="auto"/>
+        <p:txBody>
+          <a:bodyPr/>
+          <a:lstStyle/>
+          <a:p>
+            <a:pPr>
+              <a:defRPr/>
+            </a:pPr>
             <a:fld id="{6D22F896-40B5-4ADD-8801-0D06FADFA095}" type="slidenum">
-              <a:rPr lang="en-US" dirty="0"/>
+              <a:rPr lang="en-US"/>
               <a:t>‹#›</a:t>
             </a:fld>
-            <a:endParaRPr lang="en-US" dirty="0"/>
+            <a:endParaRPr lang="en-US"/>
           </a:p>
         </p:txBody>
       </p:sp>
       <p:cxnSp>
         <p:nvCxnSpPr>
           <p:cNvPr id="31" name="Straight Connector 30"/>
-          <p:cNvCxnSpPr/>
+          <p:cNvCxnSpPr>
+            <a:cxnSpLocks/>
+          </p:cNvCxnSpPr>
           <p:nvPr/>
         </p:nvCxnSpPr>
-        <p:spPr>
+        <p:spPr bwMode="auto">
           <a:xfrm>
             <a:off x="1447382" y="3143605"/>
             <a:ext cx="5527351" cy="0"/>
@@ -2858,8 +4107,8 @@
 </file>
 
 <file path=ppt/slideMasters/slideMaster1.xml><?xml version="1.0" encoding="utf-8"?>
-<p:sldMaster xmlns:a="http://schemas.openxmlformats.org/drawingml/2006/main" xmlns:r="http://schemas.openxmlformats.org/officeDocument/2006/relationships" xmlns:p="http://schemas.openxmlformats.org/presentationml/2006/main">
-  <p:cSld>
+<p:sldMaster xmlns:a="http://schemas.openxmlformats.org/drawingml/2006/main" xmlns:r="http://schemas.openxmlformats.org/officeDocument/2006/relationships" xmlns:p="http://schemas.openxmlformats.org/presentationml/2006/main" xmlns:m="http://schemas.openxmlformats.org/officeDocument/2006/math" xmlns:w="http://schemas.openxmlformats.org/wordprocessingml/2006/main" preserve="0">
+  <p:cSld name="">
     <p:bg>
       <p:bgRef idx="1003">
         <a:schemeClr val="bg2"/>
@@ -2871,7 +4120,7 @@
         <p:cNvGrpSpPr/>
         <p:nvPr/>
       </p:nvGrpSpPr>
-      <p:grpSpPr>
+      <p:grpSpPr bwMode="auto">
         <a:xfrm>
           <a:off x="0" y="0"/>
           <a:ext cx="0" cy="0"/>
@@ -2885,7 +4134,7 @@
           <p:cNvSpPr/>
           <p:nvPr/>
         </p:nvSpPr>
-        <p:spPr>
+        <p:spPr bwMode="auto">
           <a:xfrm>
             <a:off x="0" y="2019476"/>
             <a:ext cx="12192000" cy="4105941"/>
@@ -2893,7 +4142,7 @@
           <a:prstGeom prst="rect">
             <a:avLst/>
           </a:prstGeom>
-          <a:gradFill flip="none" rotWithShape="1">
+          <a:gradFill>
             <a:gsLst>
               <a:gs pos="0">
                 <a:schemeClr val="bg2">
@@ -2905,7 +4154,6 @@
               </a:gs>
             </a:gsLst>
             <a:lin ang="5400000" scaled="0"/>
-            <a:tileRect/>
           </a:gradFill>
           <a:ln>
             <a:noFill/>
@@ -2936,15 +4184,9 @@
           </p:cNvPicPr>
           <p:nvPr/>
         </p:nvPicPr>
-        <p:blipFill rotWithShape="1">
-          <a:blip r:embed="rId13">
-            <a:extLst>
-              <a:ext uri="{28A0092B-C50C-407E-A947-70E740481C1C}">
-                <a14:useLocalDpi xmlns:a14="http://schemas.microsoft.com/office/drawing/2010/main" val="0"/>
-              </a:ext>
-            </a:extLst>
-          </a:blip>
-          <a:srcRect t="1538" b="-1538"/>
+        <p:blipFill>
+          <a:blip r:embed="rId13"/>
+          <a:srcRect l="0" t="1538" r="0" b="-1537"/>
           <a:stretch/>
         </p:blipFill>
         <p:spPr bwMode="black">
@@ -2967,7 +4209,7 @@
             <p:ph type="title"/>
           </p:nvPr>
         </p:nvSpPr>
-        <p:spPr>
+        <p:spPr bwMode="auto">
           <a:xfrm>
             <a:off x="1451579" y="804519"/>
             <a:ext cx="9603275" cy="1049235"/>
@@ -2982,11 +4224,14 @@
           </a:bodyPr>
           <a:lstStyle/>
           <a:p>
+            <a:pPr>
+              <a:defRPr/>
+            </a:pPr>
             <a:r>
               <a:rPr lang="ru-RU"/>
               <a:t>Образец заголовка</a:t>
             </a:r>
-            <a:endParaRPr lang="en-US" dirty="0"/>
+            <a:endParaRPr lang="en-US"/>
           </a:p>
         </p:txBody>
       </p:sp>
@@ -3000,7 +4245,7 @@
             <p:ph type="body" idx="1"/>
           </p:nvPr>
         </p:nvSpPr>
-        <p:spPr>
+        <p:spPr bwMode="auto">
           <a:xfrm>
             <a:off x="1451579" y="2015732"/>
             <a:ext cx="9603275" cy="3450613"/>
@@ -3015,40 +4260,54 @@
           </a:bodyPr>
           <a:lstStyle/>
           <a:p>
-            <a:pPr lvl="0"/>
+            <a:pPr lvl="0">
+              <a:defRPr/>
+            </a:pPr>
             <a:r>
               <a:rPr lang="ru-RU"/>
               <a:t>Образец текста</a:t>
             </a:r>
-          </a:p>
-          <a:p>
-            <a:pPr lvl="1"/>
+            <a:endParaRPr/>
+          </a:p>
+          <a:p>
+            <a:pPr lvl="1">
+              <a:defRPr/>
+            </a:pPr>
             <a:r>
               <a:rPr lang="ru-RU"/>
               <a:t>Второй уровень</a:t>
             </a:r>
-          </a:p>
-          <a:p>
-            <a:pPr lvl="2"/>
+            <a:endParaRPr/>
+          </a:p>
+          <a:p>
+            <a:pPr lvl="2">
+              <a:defRPr/>
+            </a:pPr>
             <a:r>
               <a:rPr lang="ru-RU"/>
               <a:t>Третий уровень</a:t>
             </a:r>
-          </a:p>
-          <a:p>
-            <a:pPr lvl="3"/>
+            <a:endParaRPr/>
+          </a:p>
+          <a:p>
+            <a:pPr lvl="3">
+              <a:defRPr/>
+            </a:pPr>
             <a:r>
               <a:rPr lang="ru-RU"/>
               <a:t>Четвертый уровень</a:t>
             </a:r>
-          </a:p>
-          <a:p>
-            <a:pPr lvl="4"/>
+            <a:endParaRPr/>
+          </a:p>
+          <a:p>
+            <a:pPr lvl="4">
+              <a:defRPr/>
+            </a:pPr>
             <a:r>
               <a:rPr lang="ru-RU"/>
               <a:t>Пятый уровень</a:t>
             </a:r>
-            <a:endParaRPr lang="en-US" dirty="0"/>
+            <a:endParaRPr lang="en-US"/>
           </a:p>
         </p:txBody>
       </p:sp>
@@ -3062,10 +4321,10 @@
             <p:ph type="dt" sz="half" idx="2"/>
           </p:nvPr>
         </p:nvSpPr>
-        <p:spPr>
+        <p:spPr bwMode="auto">
           <a:xfrm>
             <a:off x="7554138" y="330370"/>
-            <a:ext cx="3500715" cy="309201"/>
+            <a:ext cx="3500714" cy="309201"/>
           </a:xfrm>
           <a:prstGeom prst="rect">
             <a:avLst/>
@@ -3085,12 +4344,14 @@
             </a:lvl1pPr>
           </a:lstStyle>
           <a:p>
+            <a:pPr>
+              <a:defRPr/>
+            </a:pPr>
             <a:fld id="{48A87A34-81AB-432B-8DAE-1953F412C126}" type="datetimeFigureOut">
-              <a:rPr lang="en-US" dirty="0"/>
-              <a:pPr/>
+              <a:rPr lang="en-US"/>
               <a:t>9/3/2024</a:t>
             </a:fld>
-            <a:endParaRPr lang="en-US" dirty="0"/>
+            <a:endParaRPr lang="en-US"/>
           </a:p>
         </p:txBody>
       </p:sp>
@@ -3104,7 +4365,7 @@
             <p:ph type="ftr" sz="quarter" idx="3"/>
           </p:nvPr>
         </p:nvSpPr>
-        <p:spPr>
+        <p:spPr bwMode="auto">
           <a:xfrm>
             <a:off x="1451579" y="329307"/>
             <a:ext cx="5938836" cy="309201"/>
@@ -3127,7 +4388,10 @@
             </a:lvl1pPr>
           </a:lstStyle>
           <a:p>
-            <a:endParaRPr lang="en-US" dirty="0"/>
+            <a:pPr>
+              <a:defRPr/>
+            </a:pPr>
+            <a:endParaRPr lang="en-US"/>
           </a:p>
         </p:txBody>
       </p:sp>
@@ -3141,7 +4405,7 @@
             <p:ph type="sldNum" sz="quarter" idx="4"/>
           </p:nvPr>
         </p:nvSpPr>
-        <p:spPr>
+        <p:spPr bwMode="auto">
           <a:xfrm>
             <a:off x="480060" y="798973"/>
             <a:ext cx="811019" cy="503578"/>
@@ -3162,22 +4426,26 @@
             </a:lvl1pPr>
           </a:lstStyle>
           <a:p>
+            <a:pPr>
+              <a:defRPr/>
+            </a:pPr>
             <a:fld id="{6D22F896-40B5-4ADD-8801-0D06FADFA095}" type="slidenum">
-              <a:rPr lang="en-US" dirty="0"/>
-              <a:pPr/>
+              <a:rPr lang="en-US"/>
               <a:t>‹#›</a:t>
             </a:fld>
-            <a:endParaRPr lang="en-US" dirty="0"/>
+            <a:endParaRPr lang="en-US"/>
           </a:p>
         </p:txBody>
       </p:sp>
       <p:cxnSp>
         <p:nvCxnSpPr>
           <p:cNvPr id="10" name="Straight Connector 9"/>
-          <p:cNvCxnSpPr/>
+          <p:cNvCxnSpPr>
+            <a:cxnSpLocks/>
+          </p:cNvCxnSpPr>
           <p:nvPr/>
         </p:nvCxnSpPr>
-        <p:spPr>
+        <p:spPr bwMode="auto">
           <a:xfrm>
             <a:off x="0" y="6128413"/>
             <a:ext cx="12192000" cy="0"/>
@@ -3226,19 +4494,18 @@
   </p:sldLayoutIdLst>
   <p:txStyles>
     <p:titleStyle>
-      <a:lvl1pPr algn="l" defTabSz="914400" rtl="0" eaLnBrk="1" latinLnBrk="0" hangingPunct="1">
+      <a:lvl1pPr algn="l" defTabSz="914400">
         <a:lnSpc>
           <a:spcPct val="90000"/>
         </a:lnSpc>
         <a:spcBef>
-          <a:spcPct val="0"/>
+          <a:spcPts val="0"/>
         </a:spcBef>
         <a:buNone/>
-        <a:defRPr sz="3200" b="0" i="0" kern="1200" cap="all">
+        <a:defRPr sz="3200" b="0" i="0" cap="all">
           <a:solidFill>
             <a:schemeClr val="tx1"/>
           </a:solidFill>
-          <a:effectLst/>
           <a:latin typeface="+mj-lt"/>
           <a:ea typeface="+mj-ea"/>
           <a:cs typeface="+mj-cs"/>
@@ -3246,7 +4513,7 @@
       </a:lvl1pPr>
     </p:titleStyle>
     <p:bodyStyle>
-      <a:lvl1pPr marL="228600" indent="-228600" algn="l" defTabSz="914400" rtl="0" eaLnBrk="1" latinLnBrk="0" hangingPunct="1">
+      <a:lvl1pPr marL="228600" indent="-228600" algn="l" defTabSz="914400">
         <a:lnSpc>
           <a:spcPct val="120000"/>
         </a:lnSpc>
@@ -3257,19 +4524,18 @@
           <a:schemeClr val="accent1"/>
         </a:buClr>
         <a:buSzPct val="100000"/>
-        <a:buFont typeface="Arial" panose="020B0604020202020204" pitchFamily="34" charset="0"/>
+        <a:buFont typeface="Arial"/>
         <a:buChar char="•"/>
-        <a:defRPr sz="2000" kern="1200">
+        <a:defRPr sz="2000">
           <a:solidFill>
             <a:schemeClr val="tx1"/>
           </a:solidFill>
-          <a:effectLst/>
           <a:latin typeface="+mn-lt"/>
           <a:ea typeface="+mn-ea"/>
           <a:cs typeface="+mn-cs"/>
         </a:defRPr>
       </a:lvl1pPr>
-      <a:lvl2pPr marL="685800" indent="-228600" algn="l" defTabSz="914400" rtl="0" eaLnBrk="1" latinLnBrk="0" hangingPunct="1">
+      <a:lvl2pPr marL="685800" indent="-228600" algn="l" defTabSz="914400">
         <a:lnSpc>
           <a:spcPct val="120000"/>
         </a:lnSpc>
@@ -3280,19 +4546,18 @@
           <a:schemeClr val="accent1"/>
         </a:buClr>
         <a:buSzPct val="100000"/>
-        <a:buFont typeface="Arial" panose="020B0604020202020204" pitchFamily="34" charset="0"/>
+        <a:buFont typeface="Arial"/>
         <a:buChar char="•"/>
-        <a:defRPr sz="1800" kern="1200" cap="none" baseline="0">
+        <a:defRPr sz="1800" cap="none">
           <a:solidFill>
             <a:schemeClr val="tx1"/>
           </a:solidFill>
-          <a:effectLst/>
           <a:latin typeface="+mn-lt"/>
           <a:ea typeface="+mn-ea"/>
           <a:cs typeface="+mn-cs"/>
         </a:defRPr>
       </a:lvl2pPr>
-      <a:lvl3pPr marL="1143000" indent="-228600" algn="l" defTabSz="914400" rtl="0" eaLnBrk="1" latinLnBrk="0" hangingPunct="1">
+      <a:lvl3pPr marL="1143000" indent="-228600" algn="l" defTabSz="914400">
         <a:lnSpc>
           <a:spcPct val="120000"/>
         </a:lnSpc>
@@ -3303,19 +4568,18 @@
           <a:schemeClr val="accent1"/>
         </a:buClr>
         <a:buSzPct val="100000"/>
-        <a:buFont typeface="Arial" panose="020B0604020202020204" pitchFamily="34" charset="0"/>
+        <a:buFont typeface="Arial"/>
         <a:buChar char="•"/>
-        <a:defRPr sz="1600" kern="1200">
+        <a:defRPr sz="1600">
           <a:solidFill>
             <a:schemeClr val="tx1"/>
           </a:solidFill>
-          <a:effectLst/>
           <a:latin typeface="+mn-lt"/>
           <a:ea typeface="+mn-ea"/>
           <a:cs typeface="+mn-cs"/>
         </a:defRPr>
       </a:lvl3pPr>
-      <a:lvl4pPr marL="1600200" indent="-228600" algn="l" defTabSz="914400" rtl="0" eaLnBrk="1" latinLnBrk="0" hangingPunct="1">
+      <a:lvl4pPr marL="1600200" indent="-228600" algn="l" defTabSz="914400">
         <a:lnSpc>
           <a:spcPct val="120000"/>
         </a:lnSpc>
@@ -3326,19 +4590,18 @@
           <a:schemeClr val="accent1"/>
         </a:buClr>
         <a:buSzPct val="100000"/>
-        <a:buFont typeface="Arial" panose="020B0604020202020204" pitchFamily="34" charset="0"/>
+        <a:buFont typeface="Arial"/>
         <a:buChar char="•"/>
-        <a:defRPr sz="1400" kern="1200" cap="none" baseline="0">
+        <a:defRPr sz="1400" cap="none">
           <a:solidFill>
             <a:schemeClr val="tx1"/>
           </a:solidFill>
-          <a:effectLst/>
           <a:latin typeface="+mn-lt"/>
           <a:ea typeface="+mn-ea"/>
           <a:cs typeface="+mn-cs"/>
         </a:defRPr>
       </a:lvl4pPr>
-      <a:lvl5pPr marL="2057400" indent="-228600" algn="l" defTabSz="914400" rtl="0" eaLnBrk="1" latinLnBrk="0" hangingPunct="1">
+      <a:lvl5pPr marL="2057400" indent="-228600" algn="l" defTabSz="914400">
         <a:lnSpc>
           <a:spcPct val="120000"/>
         </a:lnSpc>
@@ -3349,19 +4612,18 @@
           <a:schemeClr val="accent1"/>
         </a:buClr>
         <a:buSzPct val="100000"/>
-        <a:buFont typeface="Arial" panose="020B0604020202020204" pitchFamily="34" charset="0"/>
+        <a:buFont typeface="Arial"/>
         <a:buChar char="•"/>
-        <a:defRPr sz="1200" kern="1200">
+        <a:defRPr sz="1200">
           <a:solidFill>
             <a:schemeClr val="tx1"/>
           </a:solidFill>
-          <a:effectLst/>
           <a:latin typeface="+mn-lt"/>
           <a:ea typeface="+mn-ea"/>
           <a:cs typeface="+mn-cs"/>
         </a:defRPr>
       </a:lvl5pPr>
-      <a:lvl6pPr marL="2514600" indent="-228600" algn="l" defTabSz="914400" rtl="0" eaLnBrk="1" latinLnBrk="0" hangingPunct="1">
+      <a:lvl6pPr marL="2514600" indent="-228600" algn="l" defTabSz="914400">
         <a:lnSpc>
           <a:spcPct val="120000"/>
         </a:lnSpc>
@@ -3372,19 +4634,18 @@
           <a:schemeClr val="accent1"/>
         </a:buClr>
         <a:buSzPct val="100000"/>
-        <a:buFont typeface="Arial" panose="020B0604020202020204" pitchFamily="34" charset="0"/>
+        <a:buFont typeface="Arial"/>
         <a:buChar char="•"/>
-        <a:defRPr sz="1200" kern="1200">
+        <a:defRPr sz="1200">
           <a:solidFill>
             <a:schemeClr val="tx1"/>
           </a:solidFill>
-          <a:effectLst/>
           <a:latin typeface="+mn-lt"/>
           <a:ea typeface="+mn-ea"/>
           <a:cs typeface="+mn-cs"/>
         </a:defRPr>
       </a:lvl6pPr>
-      <a:lvl7pPr marL="2971800" indent="-228600" algn="l" defTabSz="914400" rtl="0" eaLnBrk="1" latinLnBrk="0" hangingPunct="1">
+      <a:lvl7pPr marL="2971800" indent="-228600" algn="l" defTabSz="914400">
         <a:lnSpc>
           <a:spcPct val="120000"/>
         </a:lnSpc>
@@ -3395,19 +4656,18 @@
           <a:schemeClr val="accent1"/>
         </a:buClr>
         <a:buSzPct val="100000"/>
-        <a:buFont typeface="Arial" panose="020B0604020202020204" pitchFamily="34" charset="0"/>
+        <a:buFont typeface="Arial"/>
         <a:buChar char="•"/>
-        <a:defRPr sz="1200" kern="1200">
+        <a:defRPr sz="1200">
           <a:solidFill>
             <a:schemeClr val="tx1"/>
           </a:solidFill>
-          <a:effectLst/>
           <a:latin typeface="+mn-lt"/>
           <a:ea typeface="+mn-ea"/>
           <a:cs typeface="+mn-cs"/>
         </a:defRPr>
       </a:lvl7pPr>
-      <a:lvl8pPr marL="3429000" indent="-228600" algn="l" defTabSz="914400" rtl="0" eaLnBrk="1" latinLnBrk="0" hangingPunct="1">
+      <a:lvl8pPr marL="3429000" indent="-228600" algn="l" defTabSz="914400">
         <a:lnSpc>
           <a:spcPct val="120000"/>
         </a:lnSpc>
@@ -3418,19 +4678,18 @@
           <a:schemeClr val="accent1"/>
         </a:buClr>
         <a:buSzPct val="100000"/>
-        <a:buFont typeface="Arial" panose="020B0604020202020204" pitchFamily="34" charset="0"/>
+        <a:buFont typeface="Arial"/>
         <a:buChar char="•"/>
-        <a:defRPr sz="1200" kern="1200" baseline="0">
+        <a:defRPr sz="1200">
           <a:solidFill>
             <a:schemeClr val="tx1"/>
           </a:solidFill>
-          <a:effectLst/>
           <a:latin typeface="+mn-lt"/>
           <a:ea typeface="+mn-ea"/>
           <a:cs typeface="+mn-cs"/>
         </a:defRPr>
       </a:lvl8pPr>
-      <a:lvl9pPr marL="3886200" indent="-228600" algn="l" defTabSz="914400" rtl="0" eaLnBrk="1" latinLnBrk="0" hangingPunct="1">
+      <a:lvl9pPr marL="3886200" indent="-228600" algn="l" defTabSz="914400">
         <a:lnSpc>
           <a:spcPct val="120000"/>
         </a:lnSpc>
@@ -3441,13 +4700,12 @@
           <a:schemeClr val="accent1"/>
         </a:buClr>
         <a:buSzPct val="100000"/>
-        <a:buFont typeface="Arial" panose="020B0604020202020204" pitchFamily="34" charset="0"/>
+        <a:buFont typeface="Arial"/>
         <a:buChar char="•"/>
-        <a:defRPr sz="1200" kern="1200" baseline="0">
+        <a:defRPr sz="1200">
           <a:solidFill>
             <a:schemeClr val="tx1"/>
           </a:solidFill>
-          <a:effectLst/>
           <a:latin typeface="+mn-lt"/>
           <a:ea typeface="+mn-ea"/>
           <a:cs typeface="+mn-cs"/>
@@ -3458,8 +4716,8 @@
       <a:defPPr>
         <a:defRPr lang="en-US"/>
       </a:defPPr>
-      <a:lvl1pPr marL="0" algn="l" defTabSz="914400" rtl="0" eaLnBrk="1" latinLnBrk="0" hangingPunct="1">
-        <a:defRPr sz="1800" kern="1200">
+      <a:lvl1pPr marL="0" algn="l" defTabSz="914400">
+        <a:defRPr sz="1800">
           <a:solidFill>
             <a:schemeClr val="tx1"/>
           </a:solidFill>
@@ -3468,8 +4726,8 @@
           <a:cs typeface="+mn-cs"/>
         </a:defRPr>
       </a:lvl1pPr>
-      <a:lvl2pPr marL="457200" algn="l" defTabSz="914400" rtl="0" eaLnBrk="1" latinLnBrk="0" hangingPunct="1">
-        <a:defRPr sz="1800" kern="1200">
+      <a:lvl2pPr marL="457200" algn="l" defTabSz="914400">
+        <a:defRPr sz="1800">
           <a:solidFill>
             <a:schemeClr val="tx1"/>
           </a:solidFill>
@@ -3478,8 +4736,8 @@
           <a:cs typeface="+mn-cs"/>
         </a:defRPr>
       </a:lvl2pPr>
-      <a:lvl3pPr marL="914400" algn="l" defTabSz="914400" rtl="0" eaLnBrk="1" latinLnBrk="0" hangingPunct="1">
-        <a:defRPr sz="1800" kern="1200">
+      <a:lvl3pPr marL="914400" algn="l" defTabSz="914400">
+        <a:defRPr sz="1800">
           <a:solidFill>
             <a:schemeClr val="tx1"/>
           </a:solidFill>
@@ -3488,8 +4746,8 @@
           <a:cs typeface="+mn-cs"/>
         </a:defRPr>
       </a:lvl3pPr>
-      <a:lvl4pPr marL="1371600" algn="l" defTabSz="914400" rtl="0" eaLnBrk="1" latinLnBrk="0" hangingPunct="1">
-        <a:defRPr sz="1800" kern="1200">
+      <a:lvl4pPr marL="1371600" algn="l" defTabSz="914400">
+        <a:defRPr sz="1800">
           <a:solidFill>
             <a:schemeClr val="tx1"/>
           </a:solidFill>
@@ -3498,8 +4756,8 @@
           <a:cs typeface="+mn-cs"/>
         </a:defRPr>
       </a:lvl4pPr>
-      <a:lvl5pPr marL="1828800" algn="l" defTabSz="914400" rtl="0" eaLnBrk="1" latinLnBrk="0" hangingPunct="1">
-        <a:defRPr sz="1800" kern="1200">
+      <a:lvl5pPr marL="1828800" algn="l" defTabSz="914400">
+        <a:defRPr sz="1800">
           <a:solidFill>
             <a:schemeClr val="tx1"/>
           </a:solidFill>
@@ -3508,8 +4766,8 @@
           <a:cs typeface="+mn-cs"/>
         </a:defRPr>
       </a:lvl5pPr>
-      <a:lvl6pPr marL="2286000" algn="l" defTabSz="914400" rtl="0" eaLnBrk="1" latinLnBrk="0" hangingPunct="1">
-        <a:defRPr sz="1800" kern="1200">
+      <a:lvl6pPr marL="2286000" algn="l" defTabSz="914400">
+        <a:defRPr sz="1800">
           <a:solidFill>
             <a:schemeClr val="tx1"/>
           </a:solidFill>
@@ -3518,8 +4776,8 @@
           <a:cs typeface="+mn-cs"/>
         </a:defRPr>
       </a:lvl6pPr>
-      <a:lvl7pPr marL="2743200" algn="l" defTabSz="914400" rtl="0" eaLnBrk="1" latinLnBrk="0" hangingPunct="1">
-        <a:defRPr sz="1800" kern="1200">
+      <a:lvl7pPr marL="2743200" algn="l" defTabSz="914400">
+        <a:defRPr sz="1800">
           <a:solidFill>
             <a:schemeClr val="tx1"/>
           </a:solidFill>
@@ -3528,8 +4786,8 @@
           <a:cs typeface="+mn-cs"/>
         </a:defRPr>
       </a:lvl7pPr>
-      <a:lvl8pPr marL="3200400" algn="l" defTabSz="914400" rtl="0" eaLnBrk="1" latinLnBrk="0" hangingPunct="1">
-        <a:defRPr sz="1800" kern="1200">
+      <a:lvl8pPr marL="3200400" algn="l" defTabSz="914400">
+        <a:defRPr sz="1800">
           <a:solidFill>
             <a:schemeClr val="tx1"/>
           </a:solidFill>
@@ -3538,8 +4796,8 @@
           <a:cs typeface="+mn-cs"/>
         </a:defRPr>
       </a:lvl8pPr>
-      <a:lvl9pPr marL="3657600" algn="l" defTabSz="914400" rtl="0" eaLnBrk="1" latinLnBrk="0" hangingPunct="1">
-        <a:defRPr sz="1800" kern="1200">
+      <a:lvl9pPr marL="3657600" algn="l" defTabSz="914400">
+        <a:defRPr sz="1800">
           <a:solidFill>
             <a:schemeClr val="tx1"/>
           </a:solidFill>
@@ -3554,15 +4812,15 @@
 </file>
 
 <file path=ppt/slides/slide1.xml><?xml version="1.0" encoding="utf-8"?>
-<p:sld xmlns:a="http://schemas.openxmlformats.org/drawingml/2006/main" xmlns:r="http://schemas.openxmlformats.org/officeDocument/2006/relationships" xmlns:p="http://schemas.openxmlformats.org/presentationml/2006/main">
-  <p:cSld>
+<p:sld xmlns:a="http://schemas.openxmlformats.org/drawingml/2006/main" xmlns:r="http://schemas.openxmlformats.org/officeDocument/2006/relationships" xmlns:p="http://schemas.openxmlformats.org/presentationml/2006/main" xmlns:m="http://schemas.openxmlformats.org/officeDocument/2006/math" xmlns:w="http://schemas.openxmlformats.org/wordprocessingml/2006/main" xmlns:mc="http://schemas.openxmlformats.org/markup-compatibility/2006" showMasterPhAnim="0" showMasterSp="1" show="1">
+  <p:cSld name="">
     <p:spTree>
       <p:nvGrpSpPr>
         <p:cNvPr id="1" name=""/>
         <p:cNvGrpSpPr/>
         <p:nvPr/>
       </p:nvGrpSpPr>
-      <p:grpSpPr>
+      <p:grpSpPr bwMode="auto">
         <a:xfrm>
           <a:off x="0" y="0"/>
           <a:ext cx="0" cy="0"/>
@@ -3572,13 +4830,7 @@
       </p:grpSpPr>
       <p:sp>
         <p:nvSpPr>
-          <p:cNvPr id="2" name="Заголовок 1">
-            <a:extLst>
-              <a:ext uri="{FF2B5EF4-FFF2-40B4-BE49-F238E27FC236}">
-                <a16:creationId xmlns:a16="http://schemas.microsoft.com/office/drawing/2014/main" id="{FBCC74AB-1D05-0F2F-ADF4-9D0616A1B978}"/>
-              </a:ext>
-            </a:extLst>
-          </p:cNvPr>
+          <p:cNvPr id="2" name="Заголовок 1"/>
           <p:cNvSpPr>
             <a:spLocks noGrp="1"/>
           </p:cNvSpPr>
@@ -3586,7 +4838,7 @@
             <p:ph type="ctrTitle"/>
           </p:nvPr>
         </p:nvSpPr>
-        <p:spPr>
+        <p:spPr bwMode="auto">
           <a:xfrm>
             <a:off x="2417779" y="337954"/>
             <a:ext cx="8637073" cy="2541431"/>
@@ -3598,22 +4850,20 @@
           </a:bodyPr>
           <a:lstStyle/>
           <a:p>
-            <a:r>
-              <a:rPr lang="ru-RU" sz="4400" dirty="0"/>
+            <a:pPr>
+              <a:defRPr/>
+            </a:pPr>
+            <a:r>
+              <a:rPr lang="ru-RU" sz="4000"/>
               <a:t>Презентация к практическому занятию №2 по дисциплине «моделирование бизнес-процессов»</a:t>
             </a:r>
-          </a:p>
-        </p:txBody>
-      </p:sp>
-      <p:sp>
-        <p:nvSpPr>
-          <p:cNvPr id="3" name="Подзаголовок 2">
-            <a:extLst>
-              <a:ext uri="{FF2B5EF4-FFF2-40B4-BE49-F238E27FC236}">
-                <a16:creationId xmlns:a16="http://schemas.microsoft.com/office/drawing/2014/main" id="{F7919910-2CC7-8804-5637-4D877965420C}"/>
-              </a:ext>
-            </a:extLst>
-          </p:cNvPr>
+            <a:endParaRPr/>
+          </a:p>
+        </p:txBody>
+      </p:sp>
+      <p:sp>
+        <p:nvSpPr>
+          <p:cNvPr id="3" name="Подзаголовок 2"/>
           <p:cNvSpPr>
             <a:spLocks noGrp="1"/>
           </p:cNvSpPr>
@@ -3621,10 +4871,10 @@
             <p:ph type="subTitle" idx="1"/>
           </p:nvPr>
         </p:nvSpPr>
-        <p:spPr>
+        <p:spPr bwMode="auto">
           <a:xfrm>
             <a:off x="2417780" y="3071814"/>
-            <a:ext cx="8637072" cy="2843212"/>
+            <a:ext cx="8637072" cy="2843211"/>
           </a:xfrm>
         </p:spPr>
         <p:txBody>
@@ -3633,73 +4883,97 @@
           </a:bodyPr>
           <a:lstStyle/>
           <a:p>
-            <a:r>
-              <a:rPr lang="ru-RU" dirty="0"/>
+            <a:pPr>
+              <a:defRPr/>
+            </a:pPr>
+            <a:r>
+              <a:rPr lang="ru-RU"/>
               <a:t>Рассматриваемое блюдо: </a:t>
             </a:r>
             <a:r>
-              <a:rPr lang="ru-RU" i="1" dirty="0"/>
+              <a:rPr lang="ru-RU" i="1"/>
               <a:t>пицца «маргарита»</a:t>
             </a:r>
-          </a:p>
-          <a:p>
-            <a:endParaRPr lang="ru-RU" dirty="0"/>
-          </a:p>
-          <a:p>
-            <a:r>
-              <a:rPr lang="ru-RU" dirty="0"/>
+            <a:endParaRPr/>
+          </a:p>
+          <a:p>
+            <a:pPr>
+              <a:defRPr/>
+            </a:pPr>
+            <a:endParaRPr lang="ru-RU"/>
+          </a:p>
+          <a:p>
+            <a:pPr>
+              <a:defRPr/>
+            </a:pPr>
+            <a:r>
+              <a:rPr lang="ru-RU"/>
               <a:t>Выполнил студент группы икбо-04-22 </a:t>
             </a:r>
             <a:r>
-              <a:rPr lang="ru-RU" i="1" dirty="0"/>
+              <a:rPr lang="ru-RU" i="1"/>
               <a:t>Егоров Леонид Александрович</a:t>
             </a:r>
-          </a:p>
-          <a:p>
-            <a:r>
-              <a:rPr lang="ru-RU" dirty="0"/>
+            <a:endParaRPr/>
+          </a:p>
+          <a:p>
+            <a:pPr>
+              <a:defRPr/>
+            </a:pPr>
+            <a:r>
+              <a:rPr lang="ru-RU"/>
               <a:t>Преподаватель: </a:t>
             </a:r>
             <a:r>
-              <a:rPr lang="ru-RU" i="1" dirty="0"/>
+              <a:rPr lang="ru-RU" i="1"/>
               <a:t>к.т.н.,  доцент Геращенко Людмила Андреевна</a:t>
             </a:r>
-          </a:p>
-          <a:p>
-            <a:endParaRPr lang="ru-RU" dirty="0"/>
-          </a:p>
-          <a:p>
-            <a:pPr algn="ctr"/>
-            <a:r>
-              <a:rPr lang="ru-RU" sz="1400" dirty="0"/>
+            <a:endParaRPr/>
+          </a:p>
+          <a:p>
+            <a:pPr>
+              <a:defRPr/>
+            </a:pPr>
+            <a:endParaRPr lang="ru-RU"/>
+          </a:p>
+          <a:p>
+            <a:pPr algn="ctr">
+              <a:defRPr/>
+            </a:pPr>
+            <a:r>
+              <a:rPr lang="ru-RU" sz="1400"/>
               <a:t>Москва 2024</a:t>
             </a:r>
+            <a:endParaRPr/>
           </a:p>
         </p:txBody>
       </p:sp>
     </p:spTree>
-    <p:extLst>
-      <p:ext uri="{BB962C8B-B14F-4D97-AF65-F5344CB8AC3E}">
-        <p14:creationId xmlns:p14="http://schemas.microsoft.com/office/powerpoint/2010/main" val="194912424"/>
-      </p:ext>
-    </p:extLst>
   </p:cSld>
   <p:clrMapOvr>
     <a:masterClrMapping/>
   </p:clrMapOvr>
+  <mc:AlternateContent xmlns:mc="http://schemas.openxmlformats.org/markup-compatibility/2006">
+    <mc:Choice xmlns:p159="http://schemas.microsoft.com/office/powerpoint/2015/09/main" xmlns:p14="http://schemas.microsoft.com/office/powerpoint/2010/main" Requires="p159">
+      <p:transition p14:dur="2000" advClick="1"/>
+    </mc:Choice>
+    <mc:Fallback>
+      <p:transition advClick="1"/>
+    </mc:Fallback>
+  </mc:AlternateContent>
 </p:sld>
 </file>
 
 <file path=ppt/slides/slide2.xml><?xml version="1.0" encoding="utf-8"?>
-<p:sld xmlns:a="http://schemas.openxmlformats.org/drawingml/2006/main" xmlns:r="http://schemas.openxmlformats.org/officeDocument/2006/relationships" xmlns:p="http://schemas.openxmlformats.org/presentationml/2006/main">
-  <p:cSld>
+<p:sld xmlns:a="http://schemas.openxmlformats.org/drawingml/2006/main" xmlns:r="http://schemas.openxmlformats.org/officeDocument/2006/relationships" xmlns:p="http://schemas.openxmlformats.org/presentationml/2006/main" xmlns:m="http://schemas.openxmlformats.org/officeDocument/2006/math" xmlns:w="http://schemas.openxmlformats.org/wordprocessingml/2006/main" xmlns:mc="http://schemas.openxmlformats.org/markup-compatibility/2006" showMasterPhAnim="0" showMasterSp="1" show="1">
+  <p:cSld name="">
     <p:spTree>
       <p:nvGrpSpPr>
         <p:cNvPr id="1" name=""/>
         <p:cNvGrpSpPr/>
         <p:nvPr/>
       </p:nvGrpSpPr>
-      <p:grpSpPr>
+      <p:grpSpPr bwMode="auto">
         <a:xfrm>
           <a:off x="0" y="0"/>
           <a:ext cx="0" cy="0"/>
@@ -3709,13 +4983,7 @@
       </p:grpSpPr>
       <p:sp>
         <p:nvSpPr>
-          <p:cNvPr id="4" name="Заголовок 3">
-            <a:extLst>
-              <a:ext uri="{FF2B5EF4-FFF2-40B4-BE49-F238E27FC236}">
-                <a16:creationId xmlns:a16="http://schemas.microsoft.com/office/drawing/2014/main" id="{5B49810F-BFB5-4665-863D-40BB799DF187}"/>
-              </a:ext>
-            </a:extLst>
-          </p:cNvPr>
+          <p:cNvPr id="4" name="Заголовок 3"/>
           <p:cNvSpPr>
             <a:spLocks noGrp="1"/>
           </p:cNvSpPr>
@@ -3723,27 +4991,25 @@
             <p:ph type="title"/>
           </p:nvPr>
         </p:nvSpPr>
-        <p:spPr/>
-        <p:txBody>
-          <a:bodyPr/>
-          <a:lstStyle/>
-          <a:p>
-            <a:r>
-              <a:rPr lang="ru-RU" dirty="0"/>
+        <p:spPr bwMode="auto"/>
+        <p:txBody>
+          <a:bodyPr/>
+          <a:lstStyle/>
+          <a:p>
+            <a:pPr>
+              <a:defRPr/>
+            </a:pPr>
+            <a:r>
+              <a:rPr lang="ru-RU"/>
               <a:t>Цель работы, постановка задачи и результат занятия</a:t>
             </a:r>
-          </a:p>
-        </p:txBody>
-      </p:sp>
-      <p:sp>
-        <p:nvSpPr>
-          <p:cNvPr id="5" name="Объект 4">
-            <a:extLst>
-              <a:ext uri="{FF2B5EF4-FFF2-40B4-BE49-F238E27FC236}">
-                <a16:creationId xmlns:a16="http://schemas.microsoft.com/office/drawing/2014/main" id="{AD76ACAA-9B91-DDFC-6D7E-233117626455}"/>
-              </a:ext>
-            </a:extLst>
-          </p:cNvPr>
+            <a:endParaRPr/>
+          </a:p>
+        </p:txBody>
+      </p:sp>
+      <p:sp>
+        <p:nvSpPr>
+          <p:cNvPr id="5" name="Объект 4"/>
           <p:cNvSpPr>
             <a:spLocks noGrp="1"/>
           </p:cNvSpPr>
@@ -3751,29 +5017,27 @@
             <p:ph sz="half" idx="1"/>
           </p:nvPr>
         </p:nvSpPr>
-        <p:spPr/>
+        <p:spPr bwMode="auto"/>
         <p:txBody>
           <a:bodyPr>
             <a:normAutofit fontScale="92500" lnSpcReduction="10000"/>
           </a:bodyPr>
           <a:lstStyle/>
           <a:p>
-            <a:r>
-              <a:rPr lang="ru-RU" dirty="0"/>
+            <a:pPr>
+              <a:defRPr/>
+            </a:pPr>
+            <a:r>
+              <a:rPr lang="ru-RU"/>
               <a:t>Цель занятия: построение функциональной диаграммы процесса</a:t>
             </a:r>
-          </a:p>
-        </p:txBody>
-      </p:sp>
-      <p:sp>
-        <p:nvSpPr>
-          <p:cNvPr id="6" name="Объект 5">
-            <a:extLst>
-              <a:ext uri="{FF2B5EF4-FFF2-40B4-BE49-F238E27FC236}">
-                <a16:creationId xmlns:a16="http://schemas.microsoft.com/office/drawing/2014/main" id="{CF46F259-B606-26E8-79A3-EA1AC0BFF254}"/>
-              </a:ext>
-            </a:extLst>
-          </p:cNvPr>
+            <a:endParaRPr/>
+          </a:p>
+        </p:txBody>
+      </p:sp>
+      <p:sp>
+        <p:nvSpPr>
+          <p:cNvPr id="6" name="Объект 5"/>
           <p:cNvSpPr>
             <a:spLocks noGrp="1"/>
           </p:cNvSpPr>
@@ -3781,49 +5045,60 @@
             <p:ph sz="half" idx="2"/>
           </p:nvPr>
         </p:nvSpPr>
-        <p:spPr/>
+        <p:spPr bwMode="auto"/>
         <p:txBody>
           <a:bodyPr>
             <a:normAutofit fontScale="92500" lnSpcReduction="10000"/>
           </a:bodyPr>
           <a:lstStyle/>
           <a:p>
-            <a:r>
-              <a:rPr lang="ru-RU" dirty="0"/>
+            <a:pPr>
+              <a:defRPr/>
+            </a:pPr>
+            <a:r>
+              <a:rPr lang="ru-RU"/>
               <a:t>Постановка задачи: построить концептуальную модель и сделать декомпозицию концептуальной модели, провести декомпозицию подпроцессов.</a:t>
             </a:r>
-          </a:p>
-          <a:p>
-            <a:r>
-              <a:rPr lang="ru-RU" dirty="0"/>
+            <a:endParaRPr/>
+          </a:p>
+          <a:p>
+            <a:pPr>
+              <a:defRPr/>
+            </a:pPr>
+            <a:r>
+              <a:rPr lang="ru-RU"/>
               <a:t>Результат занятия: построенные и сохраненные в файле текстового формата текстовое описание процесса, структурно-функциональная диаграмма бизнес-процесса, презентация по результатам работы.</a:t>
             </a:r>
+            <a:endParaRPr/>
           </a:p>
         </p:txBody>
       </p:sp>
     </p:spTree>
-    <p:extLst>
-      <p:ext uri="{BB962C8B-B14F-4D97-AF65-F5344CB8AC3E}">
-        <p14:creationId xmlns:p14="http://schemas.microsoft.com/office/powerpoint/2010/main" val="2485997688"/>
-      </p:ext>
-    </p:extLst>
   </p:cSld>
   <p:clrMapOvr>
     <a:masterClrMapping/>
   </p:clrMapOvr>
+  <mc:AlternateContent xmlns:mc="http://schemas.openxmlformats.org/markup-compatibility/2006">
+    <mc:Choice xmlns:p159="http://schemas.microsoft.com/office/powerpoint/2015/09/main" xmlns:p14="http://schemas.microsoft.com/office/powerpoint/2010/main" Requires="p159">
+      <p:transition p14:dur="2000" advClick="1"/>
+    </mc:Choice>
+    <mc:Fallback>
+      <p:transition advClick="1"/>
+    </mc:Fallback>
+  </mc:AlternateContent>
 </p:sld>
 </file>
 
 <file path=ppt/slides/slide3.xml><?xml version="1.0" encoding="utf-8"?>
-<p:sld xmlns:a="http://schemas.openxmlformats.org/drawingml/2006/main" xmlns:r="http://schemas.openxmlformats.org/officeDocument/2006/relationships" xmlns:p="http://schemas.openxmlformats.org/presentationml/2006/main">
-  <p:cSld>
+<p:sld xmlns:a="http://schemas.openxmlformats.org/drawingml/2006/main" xmlns:r="http://schemas.openxmlformats.org/officeDocument/2006/relationships" xmlns:p="http://schemas.openxmlformats.org/presentationml/2006/main" xmlns:m="http://schemas.openxmlformats.org/officeDocument/2006/math" xmlns:w="http://schemas.openxmlformats.org/wordprocessingml/2006/main" xmlns:mc="http://schemas.openxmlformats.org/markup-compatibility/2006" showMasterPhAnim="0" showMasterSp="1" show="1">
+  <p:cSld name="">
     <p:spTree>
       <p:nvGrpSpPr>
         <p:cNvPr id="1" name=""/>
         <p:cNvGrpSpPr/>
         <p:nvPr/>
       </p:nvGrpSpPr>
-      <p:grpSpPr>
+      <p:grpSpPr bwMode="auto">
         <a:xfrm>
           <a:off x="0" y="0"/>
           <a:ext cx="0" cy="0"/>
@@ -3833,13 +5108,7 @@
       </p:grpSpPr>
       <p:sp>
         <p:nvSpPr>
-          <p:cNvPr id="4" name="Заголовок 3">
-            <a:extLst>
-              <a:ext uri="{FF2B5EF4-FFF2-40B4-BE49-F238E27FC236}">
-                <a16:creationId xmlns:a16="http://schemas.microsoft.com/office/drawing/2014/main" id="{0045FA34-BD7F-92D9-6E52-99319B995BCF}"/>
-              </a:ext>
-            </a:extLst>
-          </p:cNvPr>
+          <p:cNvPr id="4" name="Заголовок 3"/>
           <p:cNvSpPr>
             <a:spLocks noGrp="1"/>
           </p:cNvSpPr>
@@ -3847,27 +5116,25 @@
             <p:ph type="title"/>
           </p:nvPr>
         </p:nvSpPr>
-        <p:spPr/>
-        <p:txBody>
-          <a:bodyPr/>
-          <a:lstStyle/>
-          <a:p>
-            <a:r>
-              <a:rPr lang="ru-RU" dirty="0"/>
+        <p:spPr bwMode="auto"/>
+        <p:txBody>
+          <a:bodyPr/>
+          <a:lstStyle/>
+          <a:p>
+            <a:pPr>
+              <a:defRPr/>
+            </a:pPr>
+            <a:r>
+              <a:rPr lang="ru-RU"/>
               <a:t>Описание рецепта</a:t>
             </a:r>
-          </a:p>
-        </p:txBody>
-      </p:sp>
-      <p:sp>
-        <p:nvSpPr>
-          <p:cNvPr id="5" name="Объект 4">
-            <a:extLst>
-              <a:ext uri="{FF2B5EF4-FFF2-40B4-BE49-F238E27FC236}">
-                <a16:creationId xmlns:a16="http://schemas.microsoft.com/office/drawing/2014/main" id="{17CB0ED8-7B6F-ADC4-C7FC-D4F948BA1026}"/>
-              </a:ext>
-            </a:extLst>
-          </p:cNvPr>
+            <a:endParaRPr/>
+          </a:p>
+        </p:txBody>
+      </p:sp>
+      <p:sp>
+        <p:nvSpPr>
+          <p:cNvPr id="5" name="Объект 4"/>
           <p:cNvSpPr>
             <a:spLocks noGrp="1"/>
           </p:cNvSpPr>
@@ -3875,7 +5142,7 @@
             <p:ph sz="half" idx="1"/>
           </p:nvPr>
         </p:nvSpPr>
-        <p:spPr/>
+        <p:spPr bwMode="auto"/>
         <p:txBody>
           <a:bodyPr>
             <a:normAutofit fontScale="70000" lnSpcReduction="20000"/>
@@ -3885,121 +5152,113 @@
             <a:pPr algn="l">
               <a:buFont typeface="+mj-lt"/>
               <a:buAutoNum type="arabicPeriod"/>
-            </a:pPr>
-            <a:r>
-              <a:rPr lang="ru-RU" b="0" i="0" dirty="0">
+              <a:defRPr/>
+            </a:pPr>
+            <a:r>
+              <a:rPr lang="ru-RU" b="0" i="0">
                 <a:solidFill>
                   <a:srgbClr val="222222"/>
                 </a:solidFill>
-                <a:effectLst/>
-                <a:latin typeface="Open Sans" panose="020F0502020204030204" pitchFamily="34" charset="0"/>
+                <a:latin typeface="Open Sans"/>
               </a:rPr>
               <a:t>Для основы нужно взять большую миску и добавить муку, дрожжи и соль, размешать их и влить в смесь воду, после чего размешать для однородной массы</a:t>
             </a:r>
+            <a:endParaRPr/>
           </a:p>
           <a:p>
             <a:pPr algn="l">
               <a:buFont typeface="+mj-lt"/>
               <a:buAutoNum type="arabicPeriod"/>
-            </a:pPr>
-            <a:r>
-              <a:rPr lang="ru-RU" b="0" i="0" dirty="0">
+              <a:defRPr/>
+            </a:pPr>
+            <a:r>
+              <a:rPr lang="ru-RU" b="0" i="0">
                 <a:solidFill>
                   <a:srgbClr val="222222"/>
                 </a:solidFill>
-                <a:effectLst/>
-                <a:latin typeface="Open Sans" panose="020F0502020204030204" pitchFamily="34" charset="0"/>
+                <a:latin typeface="Open Sans"/>
               </a:rPr>
               <a:t>Перенести тесто на предварительно посыпанную мукой поверхность и месить в течение 5 минут.</a:t>
             </a:r>
+            <a:endParaRPr/>
           </a:p>
           <a:p>
             <a:pPr algn="l">
               <a:buFont typeface="+mj-lt"/>
               <a:buAutoNum type="arabicPeriod"/>
-            </a:pPr>
-            <a:r>
-              <a:rPr lang="ru-RU" b="0" i="0" dirty="0">
+              <a:defRPr/>
+            </a:pPr>
+            <a:r>
+              <a:rPr lang="ru-RU" b="0" i="0">
                 <a:solidFill>
                   <a:srgbClr val="222222"/>
                 </a:solidFill>
-                <a:effectLst/>
-                <a:latin typeface="Open Sans" panose="020F0502020204030204" pitchFamily="34" charset="0"/>
+                <a:latin typeface="Open Sans"/>
               </a:rPr>
               <a:t>Аккуратно намазать на тесто кетчуп</a:t>
             </a:r>
+            <a:endParaRPr/>
           </a:p>
           <a:p>
             <a:pPr algn="l">
               <a:buFont typeface="+mj-lt"/>
               <a:buAutoNum type="arabicPeriod"/>
-            </a:pPr>
-            <a:r>
-              <a:rPr lang="ru-RU" b="0" i="0" dirty="0">
+              <a:defRPr/>
+            </a:pPr>
+            <a:r>
+              <a:rPr lang="ru-RU" b="0" i="0">
                 <a:solidFill>
                   <a:srgbClr val="222222"/>
                 </a:solidFill>
-                <a:effectLst/>
-                <a:latin typeface="Open Sans" panose="020F0502020204030204" pitchFamily="34" charset="0"/>
+                <a:latin typeface="Open Sans"/>
               </a:rPr>
               <a:t>Мелко натереть сыр, после чего посыпать его на заготовку пиццы</a:t>
             </a:r>
+            <a:endParaRPr/>
           </a:p>
           <a:p>
             <a:pPr algn="l">
               <a:buFont typeface="+mj-lt"/>
               <a:buAutoNum type="arabicPeriod"/>
-            </a:pPr>
-            <a:r>
-              <a:rPr lang="ru-RU" dirty="0">
+              <a:defRPr/>
+            </a:pPr>
+            <a:r>
+              <a:rPr lang="ru-RU">
                 <a:solidFill>
                   <a:srgbClr val="222222"/>
                 </a:solidFill>
-                <a:latin typeface="Open Sans" panose="020F0502020204030204" pitchFamily="34" charset="0"/>
+                <a:latin typeface="Open Sans"/>
               </a:rPr>
               <a:t>Поместить заготовку на противень в духовке, предварительно разогретой до 220-240 градусов и выпекать в течение 8-10 минут</a:t>
             </a:r>
-            <a:endParaRPr lang="ru-RU" b="0" i="0" dirty="0">
+            <a:endParaRPr lang="ru-RU" b="0" i="0">
               <a:solidFill>
                 <a:srgbClr val="222222"/>
               </a:solidFill>
-              <a:effectLst/>
-              <a:latin typeface="Open Sans" panose="020F0502020204030204" pitchFamily="34" charset="0"/>
+              <a:latin typeface="Open Sans"/>
             </a:endParaRPr>
           </a:p>
           <a:p>
-            <a:endParaRPr lang="ru-RU" dirty="0"/>
+            <a:pPr>
+              <a:defRPr/>
+            </a:pPr>
+            <a:endParaRPr lang="ru-RU"/>
           </a:p>
         </p:txBody>
       </p:sp>
       <p:pic>
         <p:nvPicPr>
-          <p:cNvPr id="1028" name="Picture 4" descr="Пицца Маргарита: рецепт с домашним соусом от Шефмаркет">
-            <a:extLst>
-              <a:ext uri="{FF2B5EF4-FFF2-40B4-BE49-F238E27FC236}">
-                <a16:creationId xmlns:a16="http://schemas.microsoft.com/office/drawing/2014/main" id="{D0799D0F-38DE-D83B-4A50-EE0BE57FC928}"/>
-              </a:ext>
-            </a:extLst>
-          </p:cNvPr>
+          <p:cNvPr id="1028" name="Picture 4" descr="Пицца Маргарита: рецепт с домашним соусом от Шефмаркет"/>
           <p:cNvPicPr>
-            <a:picLocks noGrp="1" noChangeAspect="1" noChangeArrowheads="1"/>
+            <a:picLocks noChangeAspect="1" noChangeArrowheads="1" noGrp="1"/>
           </p:cNvPicPr>
           <p:nvPr>
             <p:ph sz="half" idx="2"/>
           </p:nvPr>
         </p:nvPicPr>
         <p:blipFill>
-          <a:blip r:embed="rId2">
-            <a:extLst>
-              <a:ext uri="{28A0092B-C50C-407E-A947-70E740481C1C}">
-                <a14:useLocalDpi xmlns:a14="http://schemas.microsoft.com/office/drawing/2010/main" val="0"/>
-              </a:ext>
-            </a:extLst>
-          </a:blip>
-          <a:srcRect/>
-          <a:stretch>
-            <a:fillRect/>
-          </a:stretch>
+          <a:blip r:embed="rId3"/>
+          <a:stretch/>
         </p:blipFill>
         <p:spPr bwMode="auto">
           <a:xfrm>
@@ -4010,40 +5269,34 @@
             <a:avLst/>
           </a:prstGeom>
           <a:noFill/>
-          <a:extLst>
-            <a:ext uri="{909E8E84-426E-40DD-AFC4-6F175D3DCCD1}">
-              <a14:hiddenFill xmlns:a14="http://schemas.microsoft.com/office/drawing/2010/main">
-                <a:solidFill>
-                  <a:srgbClr val="FFFFFF"/>
-                </a:solidFill>
-              </a14:hiddenFill>
-            </a:ext>
-          </a:extLst>
         </p:spPr>
       </p:pic>
     </p:spTree>
-    <p:extLst>
-      <p:ext uri="{BB962C8B-B14F-4D97-AF65-F5344CB8AC3E}">
-        <p14:creationId xmlns:p14="http://schemas.microsoft.com/office/powerpoint/2010/main" val="798575336"/>
-      </p:ext>
-    </p:extLst>
   </p:cSld>
   <p:clrMapOvr>
     <a:masterClrMapping/>
   </p:clrMapOvr>
+  <mc:AlternateContent xmlns:mc="http://schemas.openxmlformats.org/markup-compatibility/2006">
+    <mc:Choice xmlns:p159="http://schemas.microsoft.com/office/powerpoint/2015/09/main" xmlns:p14="http://schemas.microsoft.com/office/powerpoint/2010/main" Requires="p159">
+      <p:transition p14:dur="2000" advClick="1"/>
+    </mc:Choice>
+    <mc:Fallback>
+      <p:transition advClick="1"/>
+    </mc:Fallback>
+  </mc:AlternateContent>
 </p:sld>
 </file>
 
 <file path=ppt/slides/slide4.xml><?xml version="1.0" encoding="utf-8"?>
-<p:sld xmlns:a="http://schemas.openxmlformats.org/drawingml/2006/main" xmlns:r="http://schemas.openxmlformats.org/officeDocument/2006/relationships" xmlns:p="http://schemas.openxmlformats.org/presentationml/2006/main">
-  <p:cSld>
+<p:sld xmlns:a="http://schemas.openxmlformats.org/drawingml/2006/main" xmlns:r="http://schemas.openxmlformats.org/officeDocument/2006/relationships" xmlns:p="http://schemas.openxmlformats.org/presentationml/2006/main" xmlns:m="http://schemas.openxmlformats.org/officeDocument/2006/math" xmlns:w="http://schemas.openxmlformats.org/wordprocessingml/2006/main" xmlns:mc="http://schemas.openxmlformats.org/markup-compatibility/2006" showMasterPhAnim="0" showMasterSp="1" show="1">
+  <p:cSld name="">
     <p:spTree>
       <p:nvGrpSpPr>
         <p:cNvPr id="1" name=""/>
         <p:cNvGrpSpPr/>
         <p:nvPr/>
       </p:nvGrpSpPr>
-      <p:grpSpPr>
+      <p:grpSpPr bwMode="auto">
         <a:xfrm>
           <a:off x="0" y="0"/>
           <a:ext cx="0" cy="0"/>
@@ -4053,13 +5306,7 @@
       </p:grpSpPr>
       <p:sp>
         <p:nvSpPr>
-          <p:cNvPr id="2" name="Заголовок 1">
-            <a:extLst>
-              <a:ext uri="{FF2B5EF4-FFF2-40B4-BE49-F238E27FC236}">
-                <a16:creationId xmlns:a16="http://schemas.microsoft.com/office/drawing/2014/main" id="{37F01B24-A8D9-DDF0-454E-46C2290F4242}"/>
-              </a:ext>
-            </a:extLst>
-          </p:cNvPr>
+          <p:cNvPr id="2" name="Заголовок 1"/>
           <p:cNvSpPr>
             <a:spLocks noGrp="1"/>
           </p:cNvSpPr>
@@ -4067,7 +5314,7 @@
             <p:ph type="title" idx="4294967295"/>
           </p:nvPr>
         </p:nvSpPr>
-        <p:spPr>
+        <p:spPr bwMode="auto">
           <a:xfrm>
             <a:off x="2589213" y="296863"/>
             <a:ext cx="9602787" cy="1049337"/>
@@ -4077,52 +5324,48 @@
           <a:bodyPr/>
           <a:lstStyle/>
           <a:p>
-            <a:r>
-              <a:rPr lang="ru-RU" dirty="0"/>
+            <a:pPr>
+              <a:defRPr/>
+            </a:pPr>
+            <a:r>
+              <a:rPr lang="ru-RU"/>
               <a:t>Контекстная диаграмма процесса «Приготовление пиццы </a:t>
             </a:r>
             <a:r>
-              <a:rPr lang="en-US" dirty="0"/>
+              <a:rPr lang="en-US"/>
               <a:t>“</a:t>
             </a:r>
             <a:r>
-              <a:rPr lang="ru-RU" dirty="0"/>
+              <a:rPr lang="ru-RU"/>
               <a:t>Маргарита</a:t>
             </a:r>
             <a:r>
-              <a:rPr lang="en-US" dirty="0"/>
+              <a:rPr lang="en-US"/>
               <a:t>”</a:t>
             </a:r>
             <a:r>
-              <a:rPr lang="ru-RU" dirty="0"/>
+              <a:rPr lang="ru-RU"/>
               <a:t>»</a:t>
             </a:r>
+            <a:endParaRPr/>
           </a:p>
         </p:txBody>
       </p:sp>
       <p:pic>
         <p:nvPicPr>
-          <p:cNvPr id="5" name="Объект 4">
-            <a:extLst>
-              <a:ext uri="{FF2B5EF4-FFF2-40B4-BE49-F238E27FC236}">
-                <a16:creationId xmlns:a16="http://schemas.microsoft.com/office/drawing/2014/main" id="{6BE843F9-FD91-F575-9582-878063877760}"/>
-              </a:ext>
-            </a:extLst>
-          </p:cNvPr>
+          <p:cNvPr id="5" name="Объект 4"/>
           <p:cNvPicPr>
-            <a:picLocks noGrp="1" noChangeAspect="1"/>
+            <a:picLocks noChangeAspect="1" noGrp="1"/>
           </p:cNvPicPr>
           <p:nvPr>
             <p:ph idx="4294967295"/>
           </p:nvPr>
         </p:nvPicPr>
         <p:blipFill>
-          <a:blip r:embed="rId2"/>
-          <a:stretch>
-            <a:fillRect/>
-          </a:stretch>
+          <a:blip r:embed="rId3"/>
+          <a:stretch/>
         </p:blipFill>
-        <p:spPr>
+        <p:spPr bwMode="auto">
           <a:xfrm>
             <a:off x="2589213" y="1194594"/>
             <a:ext cx="7053263" cy="4919662"/>
@@ -4130,28 +5373,31 @@
         </p:spPr>
       </p:pic>
     </p:spTree>
-    <p:extLst>
-      <p:ext uri="{BB962C8B-B14F-4D97-AF65-F5344CB8AC3E}">
-        <p14:creationId xmlns:p14="http://schemas.microsoft.com/office/powerpoint/2010/main" val="1728491163"/>
-      </p:ext>
-    </p:extLst>
   </p:cSld>
   <p:clrMapOvr>
     <a:masterClrMapping/>
   </p:clrMapOvr>
+  <mc:AlternateContent xmlns:mc="http://schemas.openxmlformats.org/markup-compatibility/2006">
+    <mc:Choice xmlns:p159="http://schemas.microsoft.com/office/powerpoint/2015/09/main" xmlns:p14="http://schemas.microsoft.com/office/powerpoint/2010/main" Requires="p159">
+      <p:transition p14:dur="2000" advClick="1"/>
+    </mc:Choice>
+    <mc:Fallback>
+      <p:transition advClick="1"/>
+    </mc:Fallback>
+  </mc:AlternateContent>
 </p:sld>
 </file>
 
 <file path=ppt/slides/slide5.xml><?xml version="1.0" encoding="utf-8"?>
-<p:sld xmlns:a="http://schemas.openxmlformats.org/drawingml/2006/main" xmlns:r="http://schemas.openxmlformats.org/officeDocument/2006/relationships" xmlns:p="http://schemas.openxmlformats.org/presentationml/2006/main">
-  <p:cSld>
+<p:sld xmlns:a="http://schemas.openxmlformats.org/drawingml/2006/main" xmlns:r="http://schemas.openxmlformats.org/officeDocument/2006/relationships" xmlns:p="http://schemas.openxmlformats.org/presentationml/2006/main" xmlns:m="http://schemas.openxmlformats.org/officeDocument/2006/math" xmlns:w="http://schemas.openxmlformats.org/wordprocessingml/2006/main" xmlns:mc="http://schemas.openxmlformats.org/markup-compatibility/2006" showMasterPhAnim="0" showMasterSp="1" show="1">
+  <p:cSld name="">
     <p:spTree>
       <p:nvGrpSpPr>
         <p:cNvPr id="1" name=""/>
         <p:cNvGrpSpPr/>
         <p:nvPr/>
       </p:nvGrpSpPr>
-      <p:grpSpPr>
+      <p:grpSpPr bwMode="auto">
         <a:xfrm>
           <a:off x="0" y="0"/>
           <a:ext cx="0" cy="0"/>
@@ -4161,13 +5407,7 @@
       </p:grpSpPr>
       <p:sp>
         <p:nvSpPr>
-          <p:cNvPr id="2" name="Заголовок 1">
-            <a:extLst>
-              <a:ext uri="{FF2B5EF4-FFF2-40B4-BE49-F238E27FC236}">
-                <a16:creationId xmlns:a16="http://schemas.microsoft.com/office/drawing/2014/main" id="{37F01B24-A8D9-DDF0-454E-46C2290F4242}"/>
-              </a:ext>
-            </a:extLst>
-          </p:cNvPr>
+          <p:cNvPr id="2" name="Заголовок 1"/>
           <p:cNvSpPr>
             <a:spLocks noGrp="1"/>
           </p:cNvSpPr>
@@ -4175,7 +5415,7 @@
             <p:ph type="title" idx="4294967295"/>
           </p:nvPr>
         </p:nvSpPr>
-        <p:spPr>
+        <p:spPr bwMode="auto">
           <a:xfrm>
             <a:off x="2124870" y="311151"/>
             <a:ext cx="9602787" cy="1049337"/>
@@ -4185,50 +5425,46 @@
           <a:bodyPr/>
           <a:lstStyle/>
           <a:p>
-            <a:r>
-              <a:rPr lang="ru-RU" dirty="0"/>
+            <a:pPr>
+              <a:defRPr/>
+            </a:pPr>
+            <a:r>
+              <a:rPr lang="ru-RU"/>
               <a:t>диаграмма декомпозиции процесса «Приготовление пиццы </a:t>
             </a:r>
             <a:r>
-              <a:rPr lang="en-US" dirty="0"/>
+              <a:rPr lang="en-US"/>
               <a:t>“</a:t>
             </a:r>
             <a:r>
-              <a:rPr lang="ru-RU" dirty="0"/>
+              <a:rPr lang="ru-RU"/>
               <a:t>Маргарита</a:t>
             </a:r>
             <a:r>
-              <a:rPr lang="en-US" dirty="0"/>
+              <a:rPr lang="en-US"/>
               <a:t>”</a:t>
             </a:r>
             <a:r>
-              <a:rPr lang="ru-RU" dirty="0"/>
+              <a:rPr lang="ru-RU"/>
               <a:t>»</a:t>
             </a:r>
+            <a:endParaRPr/>
           </a:p>
         </p:txBody>
       </p:sp>
       <p:pic>
         <p:nvPicPr>
-          <p:cNvPr id="4" name="Рисунок 3">
-            <a:extLst>
-              <a:ext uri="{FF2B5EF4-FFF2-40B4-BE49-F238E27FC236}">
-                <a16:creationId xmlns:a16="http://schemas.microsoft.com/office/drawing/2014/main" id="{0F890CF2-EB4C-2006-B458-94E5DF3B2081}"/>
-              </a:ext>
-            </a:extLst>
-          </p:cNvPr>
+          <p:cNvPr id="4" name="Рисунок 3"/>
           <p:cNvPicPr>
             <a:picLocks noChangeAspect="1"/>
           </p:cNvPicPr>
           <p:nvPr/>
         </p:nvPicPr>
         <p:blipFill>
-          <a:blip r:embed="rId2"/>
-          <a:stretch>
-            <a:fillRect/>
-          </a:stretch>
+          <a:blip r:embed="rId3"/>
+          <a:stretch/>
         </p:blipFill>
-        <p:spPr>
+        <p:spPr bwMode="auto">
           <a:xfrm>
             <a:off x="2537877" y="1307307"/>
             <a:ext cx="6727566" cy="4741374"/>
@@ -4239,28 +5475,31 @@
         </p:spPr>
       </p:pic>
     </p:spTree>
-    <p:extLst>
-      <p:ext uri="{BB962C8B-B14F-4D97-AF65-F5344CB8AC3E}">
-        <p14:creationId xmlns:p14="http://schemas.microsoft.com/office/powerpoint/2010/main" val="499793266"/>
-      </p:ext>
-    </p:extLst>
   </p:cSld>
   <p:clrMapOvr>
     <a:masterClrMapping/>
   </p:clrMapOvr>
+  <mc:AlternateContent xmlns:mc="http://schemas.openxmlformats.org/markup-compatibility/2006">
+    <mc:Choice xmlns:p159="http://schemas.microsoft.com/office/powerpoint/2015/09/main" xmlns:p14="http://schemas.microsoft.com/office/powerpoint/2010/main" Requires="p159">
+      <p:transition p14:dur="2000" advClick="1"/>
+    </mc:Choice>
+    <mc:Fallback>
+      <p:transition advClick="1"/>
+    </mc:Fallback>
+  </mc:AlternateContent>
 </p:sld>
 </file>
 
 <file path=ppt/slides/slide6.xml><?xml version="1.0" encoding="utf-8"?>
-<p:sld xmlns:a="http://schemas.openxmlformats.org/drawingml/2006/main" xmlns:r="http://schemas.openxmlformats.org/officeDocument/2006/relationships" xmlns:p="http://schemas.openxmlformats.org/presentationml/2006/main">
-  <p:cSld>
+<p:sld xmlns:a="http://schemas.openxmlformats.org/drawingml/2006/main" xmlns:r="http://schemas.openxmlformats.org/officeDocument/2006/relationships" xmlns:p="http://schemas.openxmlformats.org/presentationml/2006/main" xmlns:m="http://schemas.openxmlformats.org/officeDocument/2006/math" xmlns:w="http://schemas.openxmlformats.org/wordprocessingml/2006/main" xmlns:mc="http://schemas.openxmlformats.org/markup-compatibility/2006" showMasterPhAnim="0" showMasterSp="1" show="1">
+  <p:cSld name="">
     <p:spTree>
       <p:nvGrpSpPr>
         <p:cNvPr id="1" name=""/>
         <p:cNvGrpSpPr/>
         <p:nvPr/>
       </p:nvGrpSpPr>
-      <p:grpSpPr>
+      <p:grpSpPr bwMode="auto">
         <a:xfrm>
           <a:off x="0" y="0"/>
           <a:ext cx="0" cy="0"/>
@@ -4270,13 +5509,7 @@
       </p:grpSpPr>
       <p:sp>
         <p:nvSpPr>
-          <p:cNvPr id="2" name="Заголовок 1">
-            <a:extLst>
-              <a:ext uri="{FF2B5EF4-FFF2-40B4-BE49-F238E27FC236}">
-                <a16:creationId xmlns:a16="http://schemas.microsoft.com/office/drawing/2014/main" id="{37F01B24-A8D9-DDF0-454E-46C2290F4242}"/>
-              </a:ext>
-            </a:extLst>
-          </p:cNvPr>
+          <p:cNvPr id="2" name="Заголовок 1"/>
           <p:cNvSpPr>
             <a:spLocks noGrp="1"/>
           </p:cNvSpPr>
@@ -4284,7 +5517,7 @@
             <p:ph type="title" idx="4294967295"/>
           </p:nvPr>
         </p:nvSpPr>
-        <p:spPr>
+        <p:spPr bwMode="auto">
           <a:xfrm>
             <a:off x="2124870" y="311151"/>
             <a:ext cx="9602787" cy="1049337"/>
@@ -4294,34 +5527,30 @@
           <a:bodyPr/>
           <a:lstStyle/>
           <a:p>
-            <a:r>
-              <a:rPr lang="ru-RU" dirty="0"/>
+            <a:pPr>
+              <a:defRPr/>
+            </a:pPr>
+            <a:r>
+              <a:rPr lang="ru-RU"/>
               <a:t>диаграмма декомпозиции процесса «Формирование заготовки пиццы»</a:t>
             </a:r>
+            <a:endParaRPr/>
           </a:p>
         </p:txBody>
       </p:sp>
       <p:pic>
         <p:nvPicPr>
-          <p:cNvPr id="5" name="Рисунок 4">
-            <a:extLst>
-              <a:ext uri="{FF2B5EF4-FFF2-40B4-BE49-F238E27FC236}">
-                <a16:creationId xmlns:a16="http://schemas.microsoft.com/office/drawing/2014/main" id="{5B3BBFC4-797F-0F6D-669A-D395A6B1527A}"/>
-              </a:ext>
-            </a:extLst>
-          </p:cNvPr>
+          <p:cNvPr id="5" name="Рисунок 4"/>
           <p:cNvPicPr>
             <a:picLocks noChangeAspect="1"/>
           </p:cNvPicPr>
           <p:nvPr/>
         </p:nvPicPr>
         <p:blipFill>
-          <a:blip r:embed="rId2"/>
-          <a:stretch>
-            <a:fillRect/>
-          </a:stretch>
+          <a:blip r:embed="rId3"/>
+          <a:stretch/>
         </p:blipFill>
-        <p:spPr>
+        <p:spPr bwMode="auto">
           <a:xfrm>
             <a:off x="2357097" y="1200517"/>
             <a:ext cx="7094083" cy="4939446"/>
@@ -4332,28 +5561,31 @@
         </p:spPr>
       </p:pic>
     </p:spTree>
-    <p:extLst>
-      <p:ext uri="{BB962C8B-B14F-4D97-AF65-F5344CB8AC3E}">
-        <p14:creationId xmlns:p14="http://schemas.microsoft.com/office/powerpoint/2010/main" val="564218951"/>
-      </p:ext>
-    </p:extLst>
   </p:cSld>
   <p:clrMapOvr>
     <a:masterClrMapping/>
   </p:clrMapOvr>
+  <mc:AlternateContent xmlns:mc="http://schemas.openxmlformats.org/markup-compatibility/2006">
+    <mc:Choice xmlns:p159="http://schemas.microsoft.com/office/powerpoint/2015/09/main" xmlns:p14="http://schemas.microsoft.com/office/powerpoint/2010/main" Requires="p159">
+      <p:transition p14:dur="2000" advClick="1"/>
+    </mc:Choice>
+    <mc:Fallback>
+      <p:transition advClick="1"/>
+    </mc:Fallback>
+  </mc:AlternateContent>
 </p:sld>
 </file>
 
 <file path=ppt/slides/slide7.xml><?xml version="1.0" encoding="utf-8"?>
-<p:sld xmlns:a="http://schemas.openxmlformats.org/drawingml/2006/main" xmlns:r="http://schemas.openxmlformats.org/officeDocument/2006/relationships" xmlns:p="http://schemas.openxmlformats.org/presentationml/2006/main">
-  <p:cSld>
+<p:sld xmlns:a="http://schemas.openxmlformats.org/drawingml/2006/main" xmlns:r="http://schemas.openxmlformats.org/officeDocument/2006/relationships" xmlns:p="http://schemas.openxmlformats.org/presentationml/2006/main" xmlns:m="http://schemas.openxmlformats.org/officeDocument/2006/math" xmlns:w="http://schemas.openxmlformats.org/wordprocessingml/2006/main" xmlns:mc="http://schemas.openxmlformats.org/markup-compatibility/2006" showMasterPhAnim="0" showMasterSp="1" show="1">
+  <p:cSld name="">
     <p:spTree>
       <p:nvGrpSpPr>
         <p:cNvPr id="1" name=""/>
         <p:cNvGrpSpPr/>
         <p:nvPr/>
       </p:nvGrpSpPr>
-      <p:grpSpPr>
+      <p:grpSpPr bwMode="auto">
         <a:xfrm>
           <a:off x="0" y="0"/>
           <a:ext cx="0" cy="0"/>
@@ -4363,13 +5595,7 @@
       </p:grpSpPr>
       <p:sp>
         <p:nvSpPr>
-          <p:cNvPr id="2" name="Заголовок 1">
-            <a:extLst>
-              <a:ext uri="{FF2B5EF4-FFF2-40B4-BE49-F238E27FC236}">
-                <a16:creationId xmlns:a16="http://schemas.microsoft.com/office/drawing/2014/main" id="{7DD09ADC-507B-6A9C-CF65-539B2926377B}"/>
-              </a:ext>
-            </a:extLst>
-          </p:cNvPr>
+          <p:cNvPr id="2" name="Заголовок 1"/>
           <p:cNvSpPr>
             <a:spLocks noGrp="1"/>
           </p:cNvSpPr>
@@ -4377,27 +5603,25 @@
             <p:ph type="title"/>
           </p:nvPr>
         </p:nvSpPr>
-        <p:spPr/>
-        <p:txBody>
-          <a:bodyPr/>
-          <a:lstStyle/>
-          <a:p>
-            <a:r>
-              <a:rPr lang="ru-RU" dirty="0"/>
+        <p:spPr bwMode="auto"/>
+        <p:txBody>
+          <a:bodyPr/>
+          <a:lstStyle/>
+          <a:p>
+            <a:pPr>
+              <a:defRPr/>
+            </a:pPr>
+            <a:r>
+              <a:rPr lang="ru-RU"/>
               <a:t>Вывод</a:t>
             </a:r>
-          </a:p>
-        </p:txBody>
-      </p:sp>
-      <p:sp>
-        <p:nvSpPr>
-          <p:cNvPr id="3" name="Объект 2">
-            <a:extLst>
-              <a:ext uri="{FF2B5EF4-FFF2-40B4-BE49-F238E27FC236}">
-                <a16:creationId xmlns:a16="http://schemas.microsoft.com/office/drawing/2014/main" id="{95086F7E-A1C4-4EA9-7C95-B4BB205D4DBC}"/>
-              </a:ext>
-            </a:extLst>
-          </p:cNvPr>
+            <a:endParaRPr/>
+          </a:p>
+        </p:txBody>
+      </p:sp>
+      <p:sp>
+        <p:nvSpPr>
+          <p:cNvPr id="3" name="Объект 2"/>
           <p:cNvSpPr>
             <a:spLocks noGrp="1"/>
           </p:cNvSpPr>
@@ -4405,49 +5629,56 @@
             <p:ph idx="1"/>
           </p:nvPr>
         </p:nvSpPr>
-        <p:spPr/>
-        <p:txBody>
-          <a:bodyPr/>
-          <a:lstStyle/>
-          <a:p>
-            <a:r>
-              <a:rPr lang="ru-RU" dirty="0"/>
+        <p:spPr bwMode="auto"/>
+        <p:txBody>
+          <a:bodyPr/>
+          <a:lstStyle/>
+          <a:p>
+            <a:pPr>
+              <a:defRPr/>
+            </a:pPr>
+            <a:r>
+              <a:rPr lang="ru-RU"/>
               <a:t>В ходе данной практической работы были получены навыки изучения предметной области (приготовление блюда по рецепту) и построения диаграмм </a:t>
             </a:r>
             <a:r>
-              <a:rPr lang="en-US" dirty="0"/>
+              <a:rPr lang="en-US"/>
               <a:t>IDEF0 – </a:t>
             </a:r>
             <a:r>
-              <a:rPr lang="ru-RU" dirty="0"/>
+              <a:rPr lang="ru-RU"/>
               <a:t>контекстной и декомпозиции.</a:t>
             </a:r>
+            <a:endParaRPr/>
           </a:p>
         </p:txBody>
       </p:sp>
     </p:spTree>
-    <p:extLst>
-      <p:ext uri="{BB962C8B-B14F-4D97-AF65-F5344CB8AC3E}">
-        <p14:creationId xmlns:p14="http://schemas.microsoft.com/office/powerpoint/2010/main" val="154340781"/>
-      </p:ext>
-    </p:extLst>
   </p:cSld>
   <p:clrMapOvr>
     <a:masterClrMapping/>
   </p:clrMapOvr>
+  <mc:AlternateContent xmlns:mc="http://schemas.openxmlformats.org/markup-compatibility/2006">
+    <mc:Choice xmlns:p159="http://schemas.microsoft.com/office/powerpoint/2015/09/main" xmlns:p14="http://schemas.microsoft.com/office/powerpoint/2010/main" Requires="p159">
+      <p:transition p14:dur="2000" advClick="1"/>
+    </mc:Choice>
+    <mc:Fallback>
+      <p:transition advClick="1"/>
+    </mc:Fallback>
+  </mc:AlternateContent>
 </p:sld>
 </file>
 
 <file path=ppt/slides/slide8.xml><?xml version="1.0" encoding="utf-8"?>
-<p:sld xmlns:a="http://schemas.openxmlformats.org/drawingml/2006/main" xmlns:r="http://schemas.openxmlformats.org/officeDocument/2006/relationships" xmlns:p="http://schemas.openxmlformats.org/presentationml/2006/main">
-  <p:cSld>
+<p:sld xmlns:a="http://schemas.openxmlformats.org/drawingml/2006/main" xmlns:r="http://schemas.openxmlformats.org/officeDocument/2006/relationships" xmlns:p="http://schemas.openxmlformats.org/presentationml/2006/main" xmlns:m="http://schemas.openxmlformats.org/officeDocument/2006/math" xmlns:w="http://schemas.openxmlformats.org/wordprocessingml/2006/main" xmlns:mc="http://schemas.openxmlformats.org/markup-compatibility/2006" showMasterPhAnim="0" showMasterSp="1" show="1">
+  <p:cSld name="">
     <p:spTree>
       <p:nvGrpSpPr>
         <p:cNvPr id="1" name=""/>
         <p:cNvGrpSpPr/>
         <p:nvPr/>
       </p:nvGrpSpPr>
-      <p:grpSpPr>
+      <p:grpSpPr bwMode="auto">
         <a:xfrm>
           <a:off x="0" y="0"/>
           <a:ext cx="0" cy="0"/>
@@ -4457,13 +5688,7 @@
       </p:grpSpPr>
       <p:sp>
         <p:nvSpPr>
-          <p:cNvPr id="2" name="Заголовок 1">
-            <a:extLst>
-              <a:ext uri="{FF2B5EF4-FFF2-40B4-BE49-F238E27FC236}">
-                <a16:creationId xmlns:a16="http://schemas.microsoft.com/office/drawing/2014/main" id="{C4BE18DF-FAC2-A1CB-4B87-EF2E05A4E3FF}"/>
-              </a:ext>
-            </a:extLst>
-          </p:cNvPr>
+          <p:cNvPr id="2" name="Заголовок 1"/>
           <p:cNvSpPr>
             <a:spLocks noGrp="1"/>
           </p:cNvSpPr>
@@ -4471,27 +5696,25 @@
             <p:ph type="title"/>
           </p:nvPr>
         </p:nvSpPr>
-        <p:spPr/>
-        <p:txBody>
-          <a:bodyPr/>
-          <a:lstStyle/>
-          <a:p>
-            <a:r>
-              <a:rPr lang="ru-RU" dirty="0"/>
+        <p:spPr bwMode="auto"/>
+        <p:txBody>
+          <a:bodyPr/>
+          <a:lstStyle/>
+          <a:p>
+            <a:pPr>
+              <a:defRPr/>
+            </a:pPr>
+            <a:r>
+              <a:rPr lang="ru-RU"/>
               <a:t>Список литературы</a:t>
             </a:r>
-          </a:p>
-        </p:txBody>
-      </p:sp>
-      <p:sp>
-        <p:nvSpPr>
-          <p:cNvPr id="3" name="Объект 2">
-            <a:extLst>
-              <a:ext uri="{FF2B5EF4-FFF2-40B4-BE49-F238E27FC236}">
-                <a16:creationId xmlns:a16="http://schemas.microsoft.com/office/drawing/2014/main" id="{5FD8C31D-F3AF-21FA-EDAB-FBEC39DB503C}"/>
-              </a:ext>
-            </a:extLst>
-          </p:cNvPr>
+            <a:endParaRPr/>
+          </a:p>
+        </p:txBody>
+      </p:sp>
+      <p:sp>
+        <p:nvSpPr>
+          <p:cNvPr id="3" name="Объект 2"/>
           <p:cNvSpPr>
             <a:spLocks noGrp="1"/>
           </p:cNvSpPr>
@@ -4499,7 +5722,7 @@
             <p:ph idx="1"/>
           </p:nvPr>
         </p:nvSpPr>
-        <p:spPr>
+        <p:spPr bwMode="auto">
           <a:xfrm>
             <a:off x="1451579" y="2015732"/>
             <a:ext cx="9603275" cy="3906437"/>
@@ -4516,19 +5739,20 @@
                 <a:spcPct val="150000"/>
               </a:lnSpc>
               <a:buNone/>
-            </a:pPr>
-            <a:r>
-              <a:rPr lang="ru-RU" sz="1600" kern="100" dirty="0">
+              <a:defRPr/>
+            </a:pPr>
+            <a:r>
+              <a:rPr lang="ru-RU" sz="1600">
                 <a:solidFill>
                   <a:schemeClr val="tx1"/>
                 </a:solidFill>
-                <a:effectLst/>
-                <a:latin typeface="Times New Roman" panose="02020603050405020304" pitchFamily="18" charset="0"/>
+                <a:latin typeface="Times New Roman"/>
                 <a:ea typeface="Droid Sans Fallback"/>
                 <a:cs typeface="FreeSans"/>
               </a:rPr>
               <a:t>1. «Моделирование бизнес-процессов» исправленное и дополненное учебное пособие по «Моделированию бизнес-процессов» [Электронный ресурс]: учебное пособие / Ю. В. Кириллина, И. А. Семичастнов. — М.: РТУ МИРЭА</a:t>
             </a:r>
+            <a:endParaRPr/>
           </a:p>
           <a:p>
             <a:pPr indent="0">
@@ -4536,43 +5760,42 @@
                 <a:spcPct val="150000"/>
               </a:lnSpc>
               <a:buNone/>
-            </a:pPr>
-            <a:r>
-              <a:rPr lang="ru-RU" sz="1600" kern="100" dirty="0">
+              <a:defRPr/>
+            </a:pPr>
+            <a:r>
+              <a:rPr lang="ru-RU" sz="1600">
                 <a:solidFill>
                   <a:schemeClr val="tx1"/>
                 </a:solidFill>
-                <a:effectLst/>
-                <a:latin typeface="Times New Roman" panose="02020603050405020304" pitchFamily="18" charset="0"/>
+                <a:latin typeface="Times New Roman"/>
                 <a:ea typeface="Droid Sans Fallback"/>
                 <a:cs typeface="FreeSans"/>
               </a:rPr>
               <a:t>2. Долганова О. И., Виноградова Е. В., Лобанова А. М. Моделирование бизнес-процессов [Электронный ресурс]: Учебник и практикум для вузов. - Москва: </a:t>
             </a:r>
             <a:r>
-              <a:rPr lang="ru-RU" sz="1600" kern="100" dirty="0" err="1">
+              <a:rPr lang="ru-RU" sz="1600">
                 <a:solidFill>
                   <a:schemeClr val="tx1"/>
                 </a:solidFill>
-                <a:effectLst/>
-                <a:latin typeface="Times New Roman" panose="02020603050405020304" pitchFamily="18" charset="0"/>
+                <a:latin typeface="Times New Roman"/>
                 <a:ea typeface="Droid Sans Fallback"/>
                 <a:cs typeface="FreeSans"/>
               </a:rPr>
               <a:t>Юрайт</a:t>
             </a:r>
             <a:r>
-              <a:rPr lang="ru-RU" sz="1600" kern="100" dirty="0">
+              <a:rPr lang="ru-RU" sz="1600">
                 <a:solidFill>
                   <a:schemeClr val="tx1"/>
                 </a:solidFill>
-                <a:effectLst/>
-                <a:latin typeface="Times New Roman" panose="02020603050405020304" pitchFamily="18" charset="0"/>
+                <a:latin typeface="Times New Roman"/>
                 <a:ea typeface="Droid Sans Fallback"/>
                 <a:cs typeface="FreeSans"/>
               </a:rPr>
               <a:t>, 2020. - 289 с – Режим доступа: https://urait.ru/bcode/450550</a:t>
             </a:r>
+            <a:endParaRPr/>
           </a:p>
           <a:p>
             <a:pPr indent="0">
@@ -4580,91 +5803,86 @@
                 <a:spcPct val="150000"/>
               </a:lnSpc>
               <a:buNone/>
-            </a:pPr>
-            <a:r>
-              <a:rPr lang="ru-RU" sz="1600" kern="100" dirty="0">
+              <a:defRPr/>
+            </a:pPr>
+            <a:r>
+              <a:rPr lang="ru-RU" sz="1600">
                 <a:solidFill>
                   <a:schemeClr val="tx1"/>
                 </a:solidFill>
-                <a:effectLst/>
-                <a:latin typeface="Times New Roman" panose="02020603050405020304" pitchFamily="18" charset="0"/>
+                <a:latin typeface="Times New Roman"/>
                 <a:ea typeface="Droid Sans Fallback"/>
                 <a:cs typeface="FreeSans"/>
               </a:rPr>
               <a:t>3. </a:t>
             </a:r>
             <a:r>
-              <a:rPr lang="ru-RU" sz="1600" kern="100" dirty="0" err="1">
+              <a:rPr lang="ru-RU" sz="1600">
                 <a:solidFill>
                   <a:schemeClr val="tx1"/>
                 </a:solidFill>
-                <a:effectLst/>
-                <a:latin typeface="Times New Roman" panose="02020603050405020304" pitchFamily="18" charset="0"/>
+                <a:latin typeface="Times New Roman"/>
                 <a:ea typeface="Droid Sans Fallback"/>
                 <a:cs typeface="FreeSans"/>
               </a:rPr>
               <a:t>Каменнова</a:t>
             </a:r>
             <a:r>
-              <a:rPr lang="ru-RU" sz="1600" kern="100" dirty="0">
+              <a:rPr lang="ru-RU" sz="1600">
                 <a:solidFill>
                   <a:schemeClr val="tx1"/>
                 </a:solidFill>
-                <a:effectLst/>
-                <a:latin typeface="Times New Roman" panose="02020603050405020304" pitchFamily="18" charset="0"/>
+                <a:latin typeface="Times New Roman"/>
                 <a:ea typeface="Droid Sans Fallback"/>
                 <a:cs typeface="FreeSans"/>
               </a:rPr>
               <a:t> М. С., Крохин В. В., Машков И. В. Моделирование </a:t>
             </a:r>
             <a:r>
-              <a:rPr lang="ru-RU" sz="1600" kern="100" dirty="0" err="1">
+              <a:rPr lang="ru-RU" sz="1600">
                 <a:solidFill>
                   <a:schemeClr val="tx1"/>
                 </a:solidFill>
-                <a:effectLst/>
-                <a:latin typeface="Times New Roman" panose="02020603050405020304" pitchFamily="18" charset="0"/>
+                <a:latin typeface="Times New Roman"/>
                 <a:ea typeface="Droid Sans Fallback"/>
                 <a:cs typeface="FreeSans"/>
               </a:rPr>
               <a:t>бизнеспроцессов</a:t>
             </a:r>
             <a:r>
-              <a:rPr lang="ru-RU" sz="1600" kern="100" dirty="0">
+              <a:rPr lang="ru-RU" sz="1600">
                 <a:solidFill>
                   <a:schemeClr val="tx1"/>
                 </a:solidFill>
-                <a:effectLst/>
-                <a:latin typeface="Times New Roman" panose="02020603050405020304" pitchFamily="18" charset="0"/>
+                <a:latin typeface="Times New Roman"/>
                 <a:ea typeface="Droid Sans Fallback"/>
                 <a:cs typeface="FreeSans"/>
               </a:rPr>
               <a:t>. В 2 ч. Часть 1 [Электронный ресурс]: Учебник и практикум для вузов. - Москва: </a:t>
             </a:r>
             <a:r>
-              <a:rPr lang="ru-RU" sz="1600" kern="100" dirty="0" err="1">
+              <a:rPr lang="ru-RU" sz="1600">
                 <a:solidFill>
                   <a:schemeClr val="tx1"/>
                 </a:solidFill>
-                <a:effectLst/>
-                <a:latin typeface="Times New Roman" panose="02020603050405020304" pitchFamily="18" charset="0"/>
+                <a:latin typeface="Times New Roman"/>
                 <a:ea typeface="Droid Sans Fallback"/>
                 <a:cs typeface="FreeSans"/>
               </a:rPr>
               <a:t>Юрайт</a:t>
             </a:r>
             <a:r>
-              <a:rPr lang="ru-RU" sz="1600" kern="100" dirty="0">
+              <a:rPr lang="ru-RU" sz="1600">
                 <a:solidFill>
                   <a:schemeClr val="tx1"/>
                 </a:solidFill>
-                <a:effectLst/>
-                <a:latin typeface="Times New Roman" panose="02020603050405020304" pitchFamily="18" charset="0"/>
+                <a:latin typeface="Times New Roman"/>
                 <a:ea typeface="Droid Sans Fallback"/>
                 <a:cs typeface="FreeSans"/>
               </a:rPr>
               <a:t>, 2021. - 282 с – Режим доступа: https://urait.ru/bcode/469152</a:t>
             </a:r>
+            <a:endParaRPr/>
           </a:p>
           <a:p>
             <a:pPr indent="0">
@@ -4672,61 +5890,63 @@
                 <a:spcPct val="150000"/>
               </a:lnSpc>
               <a:buNone/>
-            </a:pPr>
-            <a:r>
-              <a:rPr lang="ru-RU" sz="1600" kern="100" dirty="0">
+              <a:defRPr/>
+            </a:pPr>
+            <a:r>
+              <a:rPr lang="ru-RU" sz="1600">
                 <a:solidFill>
                   <a:schemeClr val="tx1"/>
                 </a:solidFill>
-                <a:effectLst/>
-                <a:latin typeface="Times New Roman" panose="02020603050405020304" pitchFamily="18" charset="0"/>
+                <a:latin typeface="Times New Roman"/>
                 <a:ea typeface="Droid Sans Fallback"/>
                 <a:cs typeface="FreeSans"/>
               </a:rPr>
               <a:t>4. Грекул В. И., Коровкина Н. Л., Левочкина Г. А. Проектирование информационных систем [Электронный ресурс]: Учебник и практикум для вузов. - Москва: </a:t>
             </a:r>
             <a:r>
-              <a:rPr lang="ru-RU" sz="1600" kern="100" dirty="0" err="1">
+              <a:rPr lang="ru-RU" sz="1600">
                 <a:solidFill>
                   <a:schemeClr val="tx1"/>
                 </a:solidFill>
-                <a:effectLst/>
-                <a:latin typeface="Times New Roman" panose="02020603050405020304" pitchFamily="18" charset="0"/>
+                <a:latin typeface="Times New Roman"/>
                 <a:ea typeface="Droid Sans Fallback"/>
                 <a:cs typeface="FreeSans"/>
               </a:rPr>
               <a:t>Юрайт</a:t>
             </a:r>
             <a:r>
-              <a:rPr lang="ru-RU" sz="1600" kern="100" dirty="0">
+              <a:rPr lang="ru-RU" sz="1600">
                 <a:solidFill>
                   <a:schemeClr val="tx1"/>
                 </a:solidFill>
-                <a:effectLst/>
-                <a:latin typeface="Times New Roman" panose="02020603050405020304" pitchFamily="18" charset="0"/>
+                <a:latin typeface="Times New Roman"/>
                 <a:ea typeface="Droid Sans Fallback"/>
                 <a:cs typeface="FreeSans"/>
               </a:rPr>
               <a:t>, 2020. - 385 с – Режим доступа: https://urait.ru/bcode/450997</a:t>
             </a:r>
+            <a:endParaRPr/>
           </a:p>
         </p:txBody>
       </p:sp>
     </p:spTree>
-    <p:extLst>
-      <p:ext uri="{BB962C8B-B14F-4D97-AF65-F5344CB8AC3E}">
-        <p14:creationId xmlns:p14="http://schemas.microsoft.com/office/powerpoint/2010/main" val="591993495"/>
-      </p:ext>
-    </p:extLst>
   </p:cSld>
   <p:clrMapOvr>
     <a:masterClrMapping/>
   </p:clrMapOvr>
+  <mc:AlternateContent xmlns:mc="http://schemas.openxmlformats.org/markup-compatibility/2006">
+    <mc:Choice xmlns:p159="http://schemas.microsoft.com/office/powerpoint/2015/09/main" xmlns:p14="http://schemas.microsoft.com/office/powerpoint/2010/main" Requires="p159">
+      <p:transition p14:dur="2000" advClick="1"/>
+    </mc:Choice>
+    <mc:Fallback>
+      <p:transition advClick="1"/>
+    </mc:Fallback>
+  </mc:AlternateContent>
 </p:sld>
 </file>
 
 <file path=ppt/theme/theme1.xml><?xml version="1.0" encoding="utf-8"?>
-<a:theme xmlns:a="http://schemas.openxmlformats.org/drawingml/2006/main" name="Галерея">
+<a:theme xmlns:a="http://schemas.openxmlformats.org/drawingml/2006/main" xmlns:r="http://schemas.openxmlformats.org/officeDocument/2006/relationships" xmlns:p="http://schemas.openxmlformats.org/presentationml/2006/main" name="Галерея">
   <a:themeElements>
     <a:clrScheme name="Gallery">
       <a:dk1>
@@ -4768,74 +5988,14 @@
     </a:clrScheme>
     <a:fontScheme name="Gallery">
       <a:majorFont>
-        <a:latin typeface="Gill Sans MT" panose="020B0502020104020203"/>
-        <a:ea typeface=""/>
-        <a:cs typeface=""/>
-        <a:font script="Jpan" typeface="游ゴシック Light"/>
-        <a:font script="Hang" typeface="맑은 고딕"/>
-        <a:font script="Hans" typeface="等线 Light"/>
-        <a:font script="Hant" typeface="新細明體"/>
-        <a:font script="Arab" typeface="Times New Roman"/>
-        <a:font script="Hebr" typeface="Times New Roman"/>
-        <a:font script="Thai" typeface="Angsana New"/>
-        <a:font script="Ethi" typeface="Nyala"/>
-        <a:font script="Beng" typeface="Vrinda"/>
-        <a:font script="Gujr" typeface="Shruti"/>
-        <a:font script="Khmr" typeface="MoolBoran"/>
-        <a:font script="Knda" typeface="Tunga"/>
-        <a:font script="Guru" typeface="Raavi"/>
-        <a:font script="Cans" typeface="Euphemia"/>
-        <a:font script="Cher" typeface="Plantagenet Cherokee"/>
-        <a:font script="Yiii" typeface="Microsoft Yi Baiti"/>
-        <a:font script="Tibt" typeface="Microsoft Himalaya"/>
-        <a:font script="Thaa" typeface="MV Boli"/>
-        <a:font script="Deva" typeface="Mangal"/>
-        <a:font script="Telu" typeface="Gautami"/>
-        <a:font script="Taml" typeface="Latha"/>
-        <a:font script="Syrc" typeface="Estrangelo Edessa"/>
-        <a:font script="Orya" typeface="Kalinga"/>
-        <a:font script="Mlym" typeface="Kartika"/>
-        <a:font script="Laoo" typeface="DokChampa"/>
-        <a:font script="Sinh" typeface="Iskoola Pota"/>
-        <a:font script="Mong" typeface="Mongolian Baiti"/>
-        <a:font script="Viet" typeface="Times New Roman"/>
-        <a:font script="Uigh" typeface="Microsoft Uighur"/>
-        <a:font script="Geor" typeface="Sylfaen"/>
+        <a:latin typeface="Gill Sans MT"/>
+        <a:ea typeface="Arial"/>
+        <a:cs typeface="Arial"/>
       </a:majorFont>
       <a:minorFont>
-        <a:latin typeface="Gill Sans MT" panose="020B0502020104020203"/>
-        <a:ea typeface=""/>
-        <a:cs typeface=""/>
-        <a:font script="Jpan" typeface="游ゴシック"/>
-        <a:font script="Hang" typeface="맑은 고딕"/>
-        <a:font script="Hans" typeface="等线"/>
-        <a:font script="Hant" typeface="新細明體"/>
-        <a:font script="Arab" typeface="Arial"/>
-        <a:font script="Hebr" typeface="Arial"/>
-        <a:font script="Thai" typeface="Cordia New"/>
-        <a:font script="Ethi" typeface="Nyala"/>
-        <a:font script="Beng" typeface="Vrinda"/>
-        <a:font script="Gujr" typeface="Shruti"/>
-        <a:font script="Khmr" typeface="DaunPenh"/>
-        <a:font script="Knda" typeface="Tunga"/>
-        <a:font script="Guru" typeface="Raavi"/>
-        <a:font script="Cans" typeface="Euphemia"/>
-        <a:font script="Cher" typeface="Plantagenet Cherokee"/>
-        <a:font script="Yiii" typeface="Microsoft Yi Baiti"/>
-        <a:font script="Tibt" typeface="Microsoft Himalaya"/>
-        <a:font script="Thaa" typeface="MV Boli"/>
-        <a:font script="Deva" typeface="Mangal"/>
-        <a:font script="Telu" typeface="Gautami"/>
-        <a:font script="Taml" typeface="Latha"/>
-        <a:font script="Syrc" typeface="Estrangelo Edessa"/>
-        <a:font script="Orya" typeface="Kalinga"/>
-        <a:font script="Mlym" typeface="Kartika"/>
-        <a:font script="Laoo" typeface="DokChampa"/>
-        <a:font script="Sinh" typeface="Iskoola Pota"/>
-        <a:font script="Mong" typeface="Mongolian Baiti"/>
-        <a:font script="Viet" typeface="Arial"/>
-        <a:font script="Uigh" typeface="Microsoft Uighur"/>
-        <a:font script="Geor" typeface="Sylfaen"/>
+        <a:latin typeface="Gill Sans MT"/>
+        <a:ea typeface="Arial"/>
+        <a:cs typeface="Arial"/>
       </a:minorFont>
     </a:fontScheme>
     <a:fmtScheme name="Gallery">
@@ -4843,7 +6003,7 @@
         <a:solidFill>
           <a:schemeClr val="phClr"/>
         </a:solidFill>
-        <a:gradFill rotWithShape="1">
+        <a:gradFill>
           <a:gsLst>
             <a:gs pos="0">
               <a:schemeClr val="phClr">
@@ -4864,7 +6024,7 @@
           </a:gsLst>
           <a:lin ang="5400000" scaled="0"/>
         </a:gradFill>
-        <a:gradFill rotWithShape="1">
+        <a:gradFill>
           <a:gsLst>
             <a:gs pos="0">
               <a:schemeClr val="phClr">
@@ -4913,30 +6073,31 @@
       </a:lnStyleLst>
       <a:effectStyleLst>
         <a:effectStyle>
-          <a:effectLst/>
-        </a:effectStyle>
-        <a:effectStyle>
-          <a:effectLst/>
+          <a:effectLst>
+            <a:outerShdw blurRad="40000" dist="20000" dir="5400000" rotWithShape="0">
+              <a:srgbClr val="000000">
+                <a:alpha val="38000"/>
+              </a:srgbClr>
+            </a:outerShdw>
+          </a:effectLst>
         </a:effectStyle>
         <a:effectStyle>
           <a:effectLst>
-            <a:outerShdw blurRad="50800" dist="50800" dir="5400000" sx="96000" sy="96000" rotWithShape="0">
+            <a:outerShdw blurRad="40000" dist="23000" dir="5400000" rotWithShape="0">
               <a:srgbClr val="000000">
-                <a:alpha val="48000"/>
+                <a:alpha val="35000"/>
               </a:srgbClr>
             </a:outerShdw>
           </a:effectLst>
-          <a:scene3d>
-            <a:camera prst="orthographicFront">
-              <a:rot lat="0" lon="0" rev="0"/>
-            </a:camera>
-            <a:lightRig rig="balanced" dir="t">
-              <a:rot lat="0" lon="0" rev="1080000"/>
-            </a:lightRig>
-          </a:scene3d>
-          <a:sp3d>
-            <a:bevelT w="38100" h="12700" prst="softRound"/>
-          </a:sp3d>
+        </a:effectStyle>
+        <a:effectStyle>
+          <a:effectLst>
+            <a:outerShdw blurRad="40000" dist="23000" dir="5400000" rotWithShape="0">
+              <a:srgbClr val="000000">
+                <a:alpha val="35000"/>
+              </a:srgbClr>
+            </a:outerShdw>
+          </a:effectLst>
         </a:effectStyle>
       </a:effectStyleLst>
       <a:bgFillStyleLst>
@@ -4946,7 +6107,7 @@
         <a:solidFill>
           <a:schemeClr val="phClr"/>
         </a:solidFill>
-        <a:gradFill rotWithShape="1">
+        <a:gradFill>
           <a:gsLst>
             <a:gs pos="0">
               <a:schemeClr val="phClr">
@@ -4961,19 +6122,197 @@
               </a:schemeClr>
             </a:gs>
           </a:gsLst>
-          <a:path path="circle">
-            <a:fillToRect l="50000" t="50000" r="50000" b="50000"/>
-          </a:path>
+          <a:path path="circle"/>
         </a:gradFill>
       </a:bgFillStyleLst>
     </a:fmtScheme>
   </a:themeElements>
   <a:objectDefaults/>
-  <a:extraClrSchemeLst/>
-  <a:extLst>
-    <a:ext uri="{05A4C25C-085E-4340-85A3-A5531E510DB2}">
-      <thm15:themeFamily xmlns:thm15="http://schemas.microsoft.com/office/thememl/2012/main" name="Gallery" id="{BBFCD31E-59A1-489D-B089-A3EAD7CAE12E}" vid="{F5E91637-A7B6-4E27-B710-77DA7014EE1E}"/>
-    </a:ext>
-  </a:extLst>
+</a:theme>
+</file>
+
+<file path=ppt/theme/theme2.xml><?xml version="1.0" encoding="utf-8"?>
+<a:theme xmlns:a="http://schemas.openxmlformats.org/drawingml/2006/main" xmlns:r="http://schemas.openxmlformats.org/officeDocument/2006/relationships" xmlns:p="http://schemas.openxmlformats.org/presentationml/2006/main" name="Галерея">
+  <a:themeElements>
+    <a:clrScheme name="Gallery">
+      <a:dk1>
+        <a:sysClr val="windowText" lastClr="000000"/>
+      </a:dk1>
+      <a:lt1>
+        <a:sysClr val="window" lastClr="FFFFFF"/>
+      </a:lt1>
+      <a:dk2>
+        <a:srgbClr val="454545"/>
+      </a:dk2>
+      <a:lt2>
+        <a:srgbClr val="DFDBD5"/>
+      </a:lt2>
+      <a:accent1>
+        <a:srgbClr val="B71E42"/>
+      </a:accent1>
+      <a:accent2>
+        <a:srgbClr val="DE478E"/>
+      </a:accent2>
+      <a:accent3>
+        <a:srgbClr val="BC72F0"/>
+      </a:accent3>
+      <a:accent4>
+        <a:srgbClr val="795FAF"/>
+      </a:accent4>
+      <a:accent5>
+        <a:srgbClr val="586EA6"/>
+      </a:accent5>
+      <a:accent6>
+        <a:srgbClr val="6892A0"/>
+      </a:accent6>
+      <a:hlink>
+        <a:srgbClr val="FA2B5C"/>
+      </a:hlink>
+      <a:folHlink>
+        <a:srgbClr val="BC658E"/>
+      </a:folHlink>
+    </a:clrScheme>
+    <a:fontScheme name="">
+      <a:majorFont>
+        <a:latin typeface="Gill Sans MT"/>
+        <a:ea typeface="Arial"/>
+        <a:cs typeface="Arial"/>
+      </a:majorFont>
+      <a:minorFont>
+        <a:latin typeface="Gill Sans MT"/>
+        <a:ea typeface="Arial"/>
+        <a:cs typeface="Arial"/>
+      </a:minorFont>
+    </a:fontScheme>
+    <a:fmtScheme name="Gallery">
+      <a:fillStyleLst>
+        <a:solidFill>
+          <a:schemeClr val="phClr"/>
+        </a:solidFill>
+        <a:gradFill>
+          <a:gsLst>
+            <a:gs pos="0">
+              <a:schemeClr val="phClr">
+                <a:tint val="54000"/>
+                <a:alpha val="100000"/>
+                <a:satMod val="105000"/>
+                <a:lumMod val="110000"/>
+              </a:schemeClr>
+            </a:gs>
+            <a:gs pos="100000">
+              <a:schemeClr val="phClr">
+                <a:tint val="78000"/>
+                <a:alpha val="92000"/>
+                <a:satMod val="109000"/>
+                <a:lumMod val="100000"/>
+              </a:schemeClr>
+            </a:gs>
+          </a:gsLst>
+          <a:lin ang="5400000" scaled="0"/>
+        </a:gradFill>
+        <a:gradFill>
+          <a:gsLst>
+            <a:gs pos="0">
+              <a:schemeClr val="phClr">
+                <a:tint val="98000"/>
+                <a:satMod val="110000"/>
+                <a:lumMod val="104000"/>
+              </a:schemeClr>
+            </a:gs>
+            <a:gs pos="69000">
+              <a:schemeClr val="phClr">
+                <a:shade val="88000"/>
+                <a:satMod val="130000"/>
+                <a:lumMod val="92000"/>
+              </a:schemeClr>
+            </a:gs>
+            <a:gs pos="100000">
+              <a:schemeClr val="phClr">
+                <a:shade val="78000"/>
+                <a:satMod val="130000"/>
+                <a:lumMod val="92000"/>
+              </a:schemeClr>
+            </a:gs>
+          </a:gsLst>
+          <a:lin ang="5400000" scaled="0"/>
+        </a:gradFill>
+      </a:fillStyleLst>
+      <a:lnStyleLst>
+        <a:ln w="9525" cap="flat" cmpd="sng" algn="ctr">
+          <a:solidFill>
+            <a:schemeClr val="phClr"/>
+          </a:solidFill>
+          <a:prstDash val="solid"/>
+        </a:ln>
+        <a:ln w="15875" cap="flat" cmpd="sng" algn="ctr">
+          <a:solidFill>
+            <a:schemeClr val="phClr"/>
+          </a:solidFill>
+          <a:prstDash val="solid"/>
+        </a:ln>
+        <a:ln w="22225" cap="flat" cmpd="sng" algn="ctr">
+          <a:solidFill>
+            <a:schemeClr val="phClr"/>
+          </a:solidFill>
+          <a:prstDash val="solid"/>
+        </a:ln>
+      </a:lnStyleLst>
+      <a:effectStyleLst>
+        <a:effectStyle>
+          <a:effectLst>
+            <a:outerShdw blurRad="40000" dist="20000" dir="5400000" rotWithShape="0">
+              <a:srgbClr val="000000">
+                <a:alpha val="38000"/>
+              </a:srgbClr>
+            </a:outerShdw>
+          </a:effectLst>
+        </a:effectStyle>
+        <a:effectStyle>
+          <a:effectLst>
+            <a:outerShdw blurRad="40000" dist="23000" dir="5400000" rotWithShape="0">
+              <a:srgbClr val="000000">
+                <a:alpha val="35000"/>
+              </a:srgbClr>
+            </a:outerShdw>
+          </a:effectLst>
+        </a:effectStyle>
+        <a:effectStyle>
+          <a:effectLst>
+            <a:outerShdw blurRad="40000" dist="23000" dir="5400000" rotWithShape="0">
+              <a:srgbClr val="000000">
+                <a:alpha val="35000"/>
+              </a:srgbClr>
+            </a:outerShdw>
+          </a:effectLst>
+        </a:effectStyle>
+      </a:effectStyleLst>
+      <a:bgFillStyleLst>
+        <a:solidFill>
+          <a:schemeClr val="phClr"/>
+        </a:solidFill>
+        <a:solidFill>
+          <a:schemeClr val="phClr"/>
+        </a:solidFill>
+        <a:gradFill>
+          <a:gsLst>
+            <a:gs pos="0">
+              <a:schemeClr val="phClr">
+                <a:tint val="94000"/>
+                <a:satMod val="80000"/>
+                <a:lumMod val="106000"/>
+              </a:schemeClr>
+            </a:gs>
+            <a:gs pos="100000">
+              <a:schemeClr val="phClr">
+                <a:shade val="80000"/>
+              </a:schemeClr>
+            </a:gs>
+          </a:gsLst>
+          <a:path path="circle"/>
+        </a:gradFill>
+      </a:bgFillStyleLst>
+    </a:fmtScheme>
+  </a:themeElements>
+  <a:objectDefaults/>
 </a:theme>
 </file>